--- a/documentacion/FASE 1 (PROYECTO MIPS).pptx
+++ b/documentacion/FASE 1 (PROYECTO MIPS).pptx
@@ -8,7 +8,13 @@
     <p:sldId id="256" r:id="rId2"/>
     <p:sldId id="257" r:id="rId3"/>
     <p:sldId id="258" r:id="rId4"/>
-    <p:sldId id="259" r:id="rId5"/>
+    <p:sldId id="260" r:id="rId5"/>
+    <p:sldId id="261" r:id="rId6"/>
+    <p:sldId id="262" r:id="rId7"/>
+    <p:sldId id="263" r:id="rId8"/>
+    <p:sldId id="264" r:id="rId9"/>
+    <p:sldId id="265" r:id="rId10"/>
+    <p:sldId id="259" r:id="rId11"/>
   </p:sldIdLst>
   <p:sldSz cx="12192000" cy="6858000"/>
   <p:notesSz cx="6858000" cy="9144000"/>
@@ -107,6 +113,11 @@
       </a:defRPr>
     </a:lvl9pPr>
   </p:defaultTextStyle>
+  <p:extLst>
+    <p:ext uri="{EFAFB233-063F-42B5-8137-9DF3F51BA10A}">
+      <p15:sldGuideLst xmlns:p15="http://schemas.microsoft.com/office/powerpoint/2012/main"/>
+    </p:ext>
+  </p:extLst>
 </p:presentation>
 </file>
 
@@ -446,7 +457,7 @@
             <a:fld id="{5923F103-BC34-4FE4-A40E-EDDEECFDA5D0}" type="datetimeFigureOut">
               <a:rPr lang="en-US" dirty="0"/>
               <a:pPr/>
-              <a:t>5/7/2020</a:t>
+              <a:t>5/14/2020</a:t>
             </a:fld>
             <a:endParaRPr lang="en-US" dirty="0"/>
           </a:p>
@@ -1530,7 +1541,7 @@
           <a:p>
             <a:fld id="{923A1CC3-2375-41D4-9E03-427CAF2A4C1A}" type="datetimeFigureOut">
               <a:rPr lang="en-US" dirty="0"/>
-              <a:t>5/7/2020</a:t>
+              <a:t>5/14/2020</a:t>
             </a:fld>
             <a:endParaRPr lang="en-US" dirty="0"/>
           </a:p>
@@ -2506,7 +2517,7 @@
           <a:p>
             <a:fld id="{AFF16868-8199-4C2C-A5B1-63AEE139F88E}" type="datetimeFigureOut">
               <a:rPr lang="en-US" dirty="0"/>
-              <a:t>5/7/2020</a:t>
+              <a:t>5/14/2020</a:t>
             </a:fld>
             <a:endParaRPr lang="en-US" dirty="0"/>
           </a:p>
@@ -3636,7 +3647,7 @@
           <a:p>
             <a:fld id="{AAD9FF7F-6988-44CC-821B-644E70CD2F73}" type="datetimeFigureOut">
               <a:rPr lang="en-US" dirty="0"/>
-              <a:t>5/7/2020</a:t>
+              <a:t>5/14/2020</a:t>
             </a:fld>
             <a:endParaRPr lang="en-US" dirty="0"/>
           </a:p>
@@ -4665,7 +4676,7 @@
           <a:p>
             <a:fld id="{5C12C299-16B2-4475-990D-751901EACC14}" type="datetimeFigureOut">
               <a:rPr lang="en-US" dirty="0"/>
-              <a:t>5/7/2020</a:t>
+              <a:t>5/14/2020</a:t>
             </a:fld>
             <a:endParaRPr lang="en-US" dirty="0"/>
           </a:p>
@@ -5321,7 +5332,7 @@
           <a:p>
             <a:fld id="{9FE86839-B9D8-4651-8783-F325ECE74E65}" type="datetimeFigureOut">
               <a:rPr lang="en-US" dirty="0"/>
-              <a:t>5/7/2020</a:t>
+              <a:t>5/14/2020</a:t>
             </a:fld>
             <a:endParaRPr lang="en-US" dirty="0"/>
           </a:p>
@@ -6178,7 +6189,7 @@
           <a:p>
             <a:fld id="{FD484F64-32F6-45C5-931F-ADC1662401D0}" type="datetimeFigureOut">
               <a:rPr lang="en-US" dirty="0"/>
-              <a:t>5/7/2020</a:t>
+              <a:t>5/14/2020</a:t>
             </a:fld>
             <a:endParaRPr lang="en-US" dirty="0"/>
           </a:p>
@@ -6364,7 +6375,7 @@
           <a:p>
             <a:fld id="{53086D93-FCAC-47E0-A2EE-787E62CA814C}" type="datetimeFigureOut">
               <a:rPr lang="en-US" dirty="0"/>
-              <a:t>5/7/2020</a:t>
+              <a:t>5/14/2020</a:t>
             </a:fld>
             <a:endParaRPr lang="en-US" dirty="0"/>
           </a:p>
@@ -7332,7 +7343,7 @@
           <a:p>
             <a:fld id="{CDA879A6-0FD0-4734-A311-86BFCA472E6E}" type="datetimeFigureOut">
               <a:rPr lang="en-US" dirty="0"/>
-              <a:t>5/7/2020</a:t>
+              <a:t>5/14/2020</a:t>
             </a:fld>
             <a:endParaRPr lang="en-US" dirty="0"/>
           </a:p>
@@ -7539,7 +7550,7 @@
           <a:p>
             <a:fld id="{19C9CA7B-DFD4-44B5-8C60-D14B8CD1FB59}" type="datetimeFigureOut">
               <a:rPr lang="en-US" dirty="0"/>
-              <a:t>5/7/2020</a:t>
+              <a:t>5/14/2020</a:t>
             </a:fld>
             <a:endParaRPr lang="en-US" dirty="0"/>
           </a:p>
@@ -8569,7 +8580,7 @@
           <a:p>
             <a:fld id="{F34E6425-0181-43F2-84FC-787E803FD2F8}" type="datetimeFigureOut">
               <a:rPr lang="en-US" dirty="0"/>
-              <a:t>5/7/2020</a:t>
+              <a:t>5/14/2020</a:t>
             </a:fld>
             <a:endParaRPr lang="en-US" dirty="0"/>
           </a:p>
@@ -8837,7 +8848,7 @@
           <a:p>
             <a:fld id="{3BDB8791-F1B0-41E7-B7FD-A781E65C4266}" type="datetimeFigureOut">
               <a:rPr lang="en-US" dirty="0"/>
-              <a:t>5/7/2020</a:t>
+              <a:t>5/14/2020</a:t>
             </a:fld>
             <a:endParaRPr lang="en-US" dirty="0"/>
           </a:p>
@@ -9243,7 +9254,7 @@
           <a:p>
             <a:fld id="{5FDD63B2-E120-4ED8-B27B-C685F510A5FE}" type="datetimeFigureOut">
               <a:rPr lang="en-US" dirty="0"/>
-              <a:t>5/7/2020</a:t>
+              <a:t>5/14/2020</a:t>
             </a:fld>
             <a:endParaRPr lang="en-US" dirty="0"/>
           </a:p>
@@ -9366,7 +9377,7 @@
           <a:p>
             <a:fld id="{7AA18ACC-A947-437B-A130-35BD54FDF1E9}" type="datetimeFigureOut">
               <a:rPr lang="en-US" dirty="0"/>
-              <a:t>5/7/2020</a:t>
+              <a:t>5/14/2020</a:t>
             </a:fld>
             <a:endParaRPr lang="en-US" dirty="0"/>
           </a:p>
@@ -9457,7 +9468,7 @@
           <a:p>
             <a:fld id="{7C8D7E02-BCB8-4D50-A234-369438C08659}" type="datetimeFigureOut">
               <a:rPr lang="en-US" dirty="0"/>
-              <a:t>5/7/2020</a:t>
+              <a:t>5/14/2020</a:t>
             </a:fld>
             <a:endParaRPr lang="en-US" dirty="0"/>
           </a:p>
@@ -10534,7 +10545,7 @@
           <a:p>
             <a:fld id="{76E86A4C-8E40-4F87-A4F0-01A0687C5742}" type="datetimeFigureOut">
               <a:rPr lang="en-US" dirty="0"/>
-              <a:t>5/7/2020</a:t>
+              <a:t>5/14/2020</a:t>
             </a:fld>
             <a:endParaRPr lang="en-US" dirty="0"/>
           </a:p>
@@ -11638,7 +11649,7 @@
           <a:p>
             <a:fld id="{35E72C73-2D91-4E12-BA25-F0AA0C03599B}" type="datetimeFigureOut">
               <a:rPr lang="en-US" dirty="0"/>
-              <a:t>5/7/2020</a:t>
+              <a:t>5/14/2020</a:t>
             </a:fld>
             <a:endParaRPr lang="en-US" dirty="0"/>
           </a:p>
@@ -12631,7 +12642,7 @@
           <a:p>
             <a:fld id="{2BE451C3-0FF4-47C4-B829-773ADF60F88C}" type="datetimeFigureOut">
               <a:rPr lang="en-US" dirty="0"/>
-              <a:t>5/7/2020</a:t>
+              <a:t>5/14/2020</a:t>
             </a:fld>
             <a:endParaRPr lang="en-US" dirty="0"/>
           </a:p>
@@ -13210,7 +13221,7 @@
           <a:p>
             <a:r>
               <a:rPr lang="es-MX" dirty="0"/>
-              <a:t>FASE 1 (PROYECTO MIPS)	</a:t>
+              <a:t>FASE 1 Y 2 (PROYECTO MIPS)	</a:t>
             </a:r>
           </a:p>
         </p:txBody>
@@ -13264,6 +13275,119 @@
     <p:extLst>
       <p:ext uri="{BB962C8B-B14F-4D97-AF65-F5344CB8AC3E}">
         <p14:creationId xmlns:p14="http://schemas.microsoft.com/office/powerpoint/2010/main" val="3641281976"/>
+      </p:ext>
+    </p:extLst>
+  </p:cSld>
+  <p:clrMapOvr>
+    <a:masterClrMapping/>
+  </p:clrMapOvr>
+</p:sld>
+</file>
+
+<file path=ppt/slides/slide10.xml><?xml version="1.0" encoding="utf-8"?>
+<p:sld xmlns:a="http://schemas.openxmlformats.org/drawingml/2006/main" xmlns:r="http://schemas.openxmlformats.org/officeDocument/2006/relationships" xmlns:p="http://schemas.openxmlformats.org/presentationml/2006/main">
+  <p:cSld>
+    <p:spTree>
+      <p:nvGrpSpPr>
+        <p:cNvPr id="1" name=""/>
+        <p:cNvGrpSpPr/>
+        <p:nvPr/>
+      </p:nvGrpSpPr>
+      <p:grpSpPr>
+        <a:xfrm>
+          <a:off x="0" y="0"/>
+          <a:ext cx="0" cy="0"/>
+          <a:chOff x="0" y="0"/>
+          <a:chExt cx="0" cy="0"/>
+        </a:xfrm>
+      </p:grpSpPr>
+      <p:sp>
+        <p:nvSpPr>
+          <p:cNvPr id="2" name="Título 1">
+            <a:extLst>
+              <a:ext uri="{FF2B5EF4-FFF2-40B4-BE49-F238E27FC236}">
+                <a16:creationId xmlns:a16="http://schemas.microsoft.com/office/drawing/2014/main" id="{B161CCD9-0D80-4DA8-9881-71D2609B4D62}"/>
+              </a:ext>
+            </a:extLst>
+          </p:cNvPr>
+          <p:cNvSpPr>
+            <a:spLocks noGrp="1"/>
+          </p:cNvSpPr>
+          <p:nvPr>
+            <p:ph type="title"/>
+          </p:nvPr>
+        </p:nvSpPr>
+        <p:spPr/>
+        <p:txBody>
+          <a:bodyPr/>
+          <a:lstStyle/>
+          <a:p>
+            <a:r>
+              <a:rPr lang="es-MX" dirty="0"/>
+              <a:t>Opciones de ensamblador</a:t>
+            </a:r>
+          </a:p>
+        </p:txBody>
+      </p:sp>
+      <p:sp>
+        <p:nvSpPr>
+          <p:cNvPr id="3" name="Marcador de contenido 2">
+            <a:extLst>
+              <a:ext uri="{FF2B5EF4-FFF2-40B4-BE49-F238E27FC236}">
+                <a16:creationId xmlns:a16="http://schemas.microsoft.com/office/drawing/2014/main" id="{6E2566E6-87D6-4A49-BF79-9A64B37F62CC}"/>
+              </a:ext>
+            </a:extLst>
+          </p:cNvPr>
+          <p:cNvSpPr>
+            <a:spLocks noGrp="1"/>
+          </p:cNvSpPr>
+          <p:nvPr>
+            <p:ph idx="1"/>
+          </p:nvPr>
+        </p:nvSpPr>
+        <p:spPr/>
+        <p:txBody>
+          <a:bodyPr/>
+          <a:lstStyle/>
+          <a:p>
+            <a:r>
+              <a:rPr lang="es-MX" dirty="0"/>
+              <a:t>Números perfectos</a:t>
+            </a:r>
+          </a:p>
+          <a:p>
+            <a:r>
+              <a:rPr lang="es-MX" dirty="0"/>
+              <a:t>Máximo común divisor</a:t>
+            </a:r>
+          </a:p>
+          <a:p>
+            <a:r>
+              <a:rPr lang="es-MX" dirty="0"/>
+              <a:t>Detectar el tipo de triángulo</a:t>
+            </a:r>
+          </a:p>
+          <a:p>
+            <a:r>
+              <a:rPr lang="es-MX" dirty="0" err="1"/>
+              <a:t>Selective</a:t>
+            </a:r>
+            <a:r>
+              <a:rPr lang="es-MX" dirty="0"/>
+              <a:t> </a:t>
+            </a:r>
+            <a:r>
+              <a:rPr lang="es-MX" dirty="0" err="1"/>
+              <a:t>sort</a:t>
+            </a:r>
+            <a:endParaRPr lang="es-MX" dirty="0"/>
+          </a:p>
+        </p:txBody>
+      </p:sp>
+    </p:spTree>
+    <p:extLst>
+      <p:ext uri="{BB962C8B-B14F-4D97-AF65-F5344CB8AC3E}">
+        <p14:creationId xmlns:p14="http://schemas.microsoft.com/office/powerpoint/2010/main" val="990397110"/>
       </p:ext>
     </p:extLst>
   </p:cSld>
@@ -13315,7 +13439,10 @@
               <a:rPr lang="es-MX" dirty="0" err="1"/>
               <a:t>Datapath</a:t>
             </a:r>
-            <a:endParaRPr lang="es-MX" dirty="0"/>
+            <a:r>
+              <a:rPr lang="es-MX" dirty="0"/>
+              <a:t> Fase 1</a:t>
+            </a:r>
           </a:p>
         </p:txBody>
       </p:sp>
@@ -13444,7 +13571,7 @@
           <p:cNvPr id="2" name="Título 1">
             <a:extLst>
               <a:ext uri="{FF2B5EF4-FFF2-40B4-BE49-F238E27FC236}">
-                <a16:creationId xmlns:a16="http://schemas.microsoft.com/office/drawing/2014/main" id="{B161CCD9-0D80-4DA8-9881-71D2609B4D62}"/>
+                <a16:creationId xmlns:a16="http://schemas.microsoft.com/office/drawing/2014/main" id="{D223E682-2C1F-4632-BAD7-D11491A5EF20}"/>
               </a:ext>
             </a:extLst>
           </p:cNvPr>
@@ -13462,7 +13589,7 @@
           <a:p>
             <a:r>
               <a:rPr lang="es-MX" dirty="0"/>
-              <a:t>Opciones de ensamblador</a:t>
+              <a:t>Resumen Fase 1</a:t>
             </a:r>
           </a:p>
         </p:txBody>
@@ -13472,7 +13599,7 @@
           <p:cNvPr id="3" name="Marcador de contenido 2">
             <a:extLst>
               <a:ext uri="{FF2B5EF4-FFF2-40B4-BE49-F238E27FC236}">
-                <a16:creationId xmlns:a16="http://schemas.microsoft.com/office/drawing/2014/main" id="{6E2566E6-87D6-4A49-BF79-9A64B37F62CC}"/>
+                <a16:creationId xmlns:a16="http://schemas.microsoft.com/office/drawing/2014/main" id="{EA7F3D0D-7BFF-460A-BAA1-07CC1DA8C0C0}"/>
               </a:ext>
             </a:extLst>
           </p:cNvPr>
@@ -13490,34 +13617,10 @@
           <a:p>
             <a:r>
               <a:rPr lang="es-MX" dirty="0"/>
-              <a:t>Números perfectos</a:t>
+              <a:t>En esta fase únicamente podemos utilizar instrucciones de tipo R y no contamos con una memoria por lo que no es posible guardar los resultados más que en registros.</a:t>
             </a:r>
           </a:p>
           <a:p>
-            <a:r>
-              <a:rPr lang="es-MX" dirty="0"/>
-              <a:t>Máximo común divisor</a:t>
-            </a:r>
-          </a:p>
-          <a:p>
-            <a:r>
-              <a:rPr lang="es-MX" dirty="0"/>
-              <a:t>Detectar el tipo de triángulo</a:t>
-            </a:r>
-          </a:p>
-          <a:p>
-            <a:r>
-              <a:rPr lang="es-MX" dirty="0" err="1"/>
-              <a:t>Selective</a:t>
-            </a:r>
-            <a:r>
-              <a:rPr lang="es-MX" dirty="0"/>
-              <a:t> </a:t>
-            </a:r>
-            <a:r>
-              <a:rPr lang="es-MX" dirty="0" err="1"/>
-              <a:t>sort</a:t>
-            </a:r>
             <a:endParaRPr lang="es-MX" dirty="0"/>
           </a:p>
         </p:txBody>
@@ -13525,7 +13628,667 @@
     </p:spTree>
     <p:extLst>
       <p:ext uri="{BB962C8B-B14F-4D97-AF65-F5344CB8AC3E}">
-        <p14:creationId xmlns:p14="http://schemas.microsoft.com/office/powerpoint/2010/main" val="990397110"/>
+        <p14:creationId xmlns:p14="http://schemas.microsoft.com/office/powerpoint/2010/main" val="3722742907"/>
+      </p:ext>
+    </p:extLst>
+  </p:cSld>
+  <p:clrMapOvr>
+    <a:masterClrMapping/>
+  </p:clrMapOvr>
+</p:sld>
+</file>
+
+<file path=ppt/slides/slide5.xml><?xml version="1.0" encoding="utf-8"?>
+<p:sld xmlns:a="http://schemas.openxmlformats.org/drawingml/2006/main" xmlns:r="http://schemas.openxmlformats.org/officeDocument/2006/relationships" xmlns:p="http://schemas.openxmlformats.org/presentationml/2006/main">
+  <p:cSld>
+    <p:spTree>
+      <p:nvGrpSpPr>
+        <p:cNvPr id="1" name=""/>
+        <p:cNvGrpSpPr/>
+        <p:nvPr/>
+      </p:nvGrpSpPr>
+      <p:grpSpPr>
+        <a:xfrm>
+          <a:off x="0" y="0"/>
+          <a:ext cx="0" cy="0"/>
+          <a:chOff x="0" y="0"/>
+          <a:chExt cx="0" cy="0"/>
+        </a:xfrm>
+      </p:grpSpPr>
+      <p:sp>
+        <p:nvSpPr>
+          <p:cNvPr id="2" name="Título 1">
+            <a:extLst>
+              <a:ext uri="{FF2B5EF4-FFF2-40B4-BE49-F238E27FC236}">
+                <a16:creationId xmlns:a16="http://schemas.microsoft.com/office/drawing/2014/main" id="{B0170B12-F69D-4CF5-A4E0-98658847964B}"/>
+              </a:ext>
+            </a:extLst>
+          </p:cNvPr>
+          <p:cNvSpPr>
+            <a:spLocks noGrp="1"/>
+          </p:cNvSpPr>
+          <p:nvPr>
+            <p:ph type="title"/>
+          </p:nvPr>
+        </p:nvSpPr>
+        <p:spPr/>
+        <p:txBody>
+          <a:bodyPr/>
+          <a:lstStyle/>
+          <a:p>
+            <a:r>
+              <a:rPr lang="es-MX" dirty="0"/>
+              <a:t>Resultados fase 1</a:t>
+            </a:r>
+          </a:p>
+        </p:txBody>
+      </p:sp>
+      <p:sp>
+        <p:nvSpPr>
+          <p:cNvPr id="3" name="Marcador de contenido 2">
+            <a:extLst>
+              <a:ext uri="{FF2B5EF4-FFF2-40B4-BE49-F238E27FC236}">
+                <a16:creationId xmlns:a16="http://schemas.microsoft.com/office/drawing/2014/main" id="{C32EF728-51E8-4618-9E4D-8F7A529175B2}"/>
+              </a:ext>
+            </a:extLst>
+          </p:cNvPr>
+          <p:cNvSpPr>
+            <a:spLocks noGrp="1"/>
+          </p:cNvSpPr>
+          <p:nvPr>
+            <p:ph idx="1"/>
+          </p:nvPr>
+        </p:nvSpPr>
+        <p:spPr/>
+        <p:txBody>
+          <a:bodyPr/>
+          <a:lstStyle/>
+          <a:p>
+            <a:r>
+              <a:rPr lang="es-MX" dirty="0"/>
+              <a:t>Se subió unos archivos para probar esta fase y tuvimos estos resultados.</a:t>
+            </a:r>
+          </a:p>
+          <a:p>
+            <a:endParaRPr lang="es-MX" dirty="0"/>
+          </a:p>
+          <a:p>
+            <a:endParaRPr lang="es-MX" dirty="0"/>
+          </a:p>
+          <a:p>
+            <a:r>
+              <a:rPr lang="es-MX" dirty="0"/>
+              <a:t>Los cuales concuerdan con los indicados en </a:t>
+            </a:r>
+            <a:r>
+              <a:rPr lang="es-MX" dirty="0" err="1"/>
+              <a:t>moodle</a:t>
+            </a:r>
+            <a:endParaRPr lang="es-MX" dirty="0"/>
+          </a:p>
+        </p:txBody>
+      </p:sp>
+      <p:pic>
+        <p:nvPicPr>
+          <p:cNvPr id="4" name="Imagen 3">
+            <a:extLst>
+              <a:ext uri="{FF2B5EF4-FFF2-40B4-BE49-F238E27FC236}">
+                <a16:creationId xmlns:a16="http://schemas.microsoft.com/office/drawing/2014/main" id="{2CA67C63-1F46-4760-8157-32D3F9AB8E46}"/>
+              </a:ext>
+            </a:extLst>
+          </p:cNvPr>
+          <p:cNvPicPr>
+            <a:picLocks noChangeAspect="1"/>
+          </p:cNvPicPr>
+          <p:nvPr/>
+        </p:nvPicPr>
+        <p:blipFill>
+          <a:blip r:embed="rId2"/>
+          <a:stretch>
+            <a:fillRect/>
+          </a:stretch>
+        </p:blipFill>
+        <p:spPr>
+          <a:xfrm>
+            <a:off x="1638300" y="2950740"/>
+            <a:ext cx="4457700" cy="704850"/>
+          </a:xfrm>
+          <a:prstGeom prst="rect">
+            <a:avLst/>
+          </a:prstGeom>
+        </p:spPr>
+      </p:pic>
+      <p:pic>
+        <p:nvPicPr>
+          <p:cNvPr id="5" name="Imagen 4">
+            <a:extLst>
+              <a:ext uri="{FF2B5EF4-FFF2-40B4-BE49-F238E27FC236}">
+                <a16:creationId xmlns:a16="http://schemas.microsoft.com/office/drawing/2014/main" id="{DB86F0D6-B23C-4C49-A288-26832E3F59B8}"/>
+              </a:ext>
+            </a:extLst>
+          </p:cNvPr>
+          <p:cNvPicPr>
+            <a:picLocks noChangeAspect="1"/>
+          </p:cNvPicPr>
+          <p:nvPr/>
+        </p:nvPicPr>
+        <p:blipFill>
+          <a:blip r:embed="rId3"/>
+          <a:stretch>
+            <a:fillRect/>
+          </a:stretch>
+        </p:blipFill>
+        <p:spPr>
+          <a:xfrm>
+            <a:off x="1638300" y="4311650"/>
+            <a:ext cx="1609725" cy="1362075"/>
+          </a:xfrm>
+          <a:prstGeom prst="rect">
+            <a:avLst/>
+          </a:prstGeom>
+        </p:spPr>
+      </p:pic>
+    </p:spTree>
+    <p:extLst>
+      <p:ext uri="{BB962C8B-B14F-4D97-AF65-F5344CB8AC3E}">
+        <p14:creationId xmlns:p14="http://schemas.microsoft.com/office/powerpoint/2010/main" val="4173194514"/>
+      </p:ext>
+    </p:extLst>
+  </p:cSld>
+  <p:clrMapOvr>
+    <a:masterClrMapping/>
+  </p:clrMapOvr>
+</p:sld>
+</file>
+
+<file path=ppt/slides/slide6.xml><?xml version="1.0" encoding="utf-8"?>
+<p:sld xmlns:a="http://schemas.openxmlformats.org/drawingml/2006/main" xmlns:r="http://schemas.openxmlformats.org/officeDocument/2006/relationships" xmlns:p="http://schemas.openxmlformats.org/presentationml/2006/main">
+  <p:cSld>
+    <p:spTree>
+      <p:nvGrpSpPr>
+        <p:cNvPr id="1" name=""/>
+        <p:cNvGrpSpPr/>
+        <p:nvPr/>
+      </p:nvGrpSpPr>
+      <p:grpSpPr>
+        <a:xfrm>
+          <a:off x="0" y="0"/>
+          <a:ext cx="0" cy="0"/>
+          <a:chOff x="0" y="0"/>
+          <a:chExt cx="0" cy="0"/>
+        </a:xfrm>
+      </p:grpSpPr>
+      <p:sp>
+        <p:nvSpPr>
+          <p:cNvPr id="2" name="Título 1">
+            <a:extLst>
+              <a:ext uri="{FF2B5EF4-FFF2-40B4-BE49-F238E27FC236}">
+                <a16:creationId xmlns:a16="http://schemas.microsoft.com/office/drawing/2014/main" id="{C4664572-380B-4A6C-802D-D0DBD68CBFE1}"/>
+              </a:ext>
+            </a:extLst>
+          </p:cNvPr>
+          <p:cNvSpPr>
+            <a:spLocks noGrp="1"/>
+          </p:cNvSpPr>
+          <p:nvPr>
+            <p:ph type="title"/>
+          </p:nvPr>
+        </p:nvSpPr>
+        <p:spPr/>
+        <p:txBody>
+          <a:bodyPr/>
+          <a:lstStyle/>
+          <a:p>
+            <a:r>
+              <a:rPr lang="es-MX" dirty="0" err="1"/>
+              <a:t>Datapath</a:t>
+            </a:r>
+            <a:r>
+              <a:rPr lang="es-MX" dirty="0"/>
+              <a:t> fase 2</a:t>
+            </a:r>
+          </a:p>
+        </p:txBody>
+      </p:sp>
+      <p:pic>
+        <p:nvPicPr>
+          <p:cNvPr id="5" name="Marcador de contenido 4" descr="Imagen que contiene mapa, cuarto&#10;&#10;Descripción generada automáticamente">
+            <a:extLst>
+              <a:ext uri="{FF2B5EF4-FFF2-40B4-BE49-F238E27FC236}">
+                <a16:creationId xmlns:a16="http://schemas.microsoft.com/office/drawing/2014/main" id="{55F1DAA7-8B4D-4D8D-A73A-A1F65548B25F}"/>
+              </a:ext>
+            </a:extLst>
+          </p:cNvPr>
+          <p:cNvPicPr>
+            <a:picLocks noGrp="1" noChangeAspect="1"/>
+          </p:cNvPicPr>
+          <p:nvPr>
+            <p:ph idx="1"/>
+          </p:nvPr>
+        </p:nvPicPr>
+        <p:blipFill>
+          <a:blip r:embed="rId2"/>
+          <a:stretch>
+            <a:fillRect/>
+          </a:stretch>
+        </p:blipFill>
+        <p:spPr>
+          <a:xfrm>
+            <a:off x="678384" y="2028182"/>
+            <a:ext cx="11147406" cy="3856150"/>
+          </a:xfrm>
+        </p:spPr>
+      </p:pic>
+    </p:spTree>
+    <p:extLst>
+      <p:ext uri="{BB962C8B-B14F-4D97-AF65-F5344CB8AC3E}">
+        <p14:creationId xmlns:p14="http://schemas.microsoft.com/office/powerpoint/2010/main" val="3382188396"/>
+      </p:ext>
+    </p:extLst>
+  </p:cSld>
+  <p:clrMapOvr>
+    <a:masterClrMapping/>
+  </p:clrMapOvr>
+</p:sld>
+</file>
+
+<file path=ppt/slides/slide7.xml><?xml version="1.0" encoding="utf-8"?>
+<p:sld xmlns:a="http://schemas.openxmlformats.org/drawingml/2006/main" xmlns:r="http://schemas.openxmlformats.org/officeDocument/2006/relationships" xmlns:p="http://schemas.openxmlformats.org/presentationml/2006/main">
+  <p:cSld>
+    <p:spTree>
+      <p:nvGrpSpPr>
+        <p:cNvPr id="1" name=""/>
+        <p:cNvGrpSpPr/>
+        <p:nvPr/>
+      </p:nvGrpSpPr>
+      <p:grpSpPr>
+        <a:xfrm>
+          <a:off x="0" y="0"/>
+          <a:ext cx="0" cy="0"/>
+          <a:chOff x="0" y="0"/>
+          <a:chExt cx="0" cy="0"/>
+        </a:xfrm>
+      </p:grpSpPr>
+      <p:sp>
+        <p:nvSpPr>
+          <p:cNvPr id="2" name="Título 1">
+            <a:extLst>
+              <a:ext uri="{FF2B5EF4-FFF2-40B4-BE49-F238E27FC236}">
+                <a16:creationId xmlns:a16="http://schemas.microsoft.com/office/drawing/2014/main" id="{FF3CE42C-1C47-4480-81EB-7FD846B16C1B}"/>
+              </a:ext>
+            </a:extLst>
+          </p:cNvPr>
+          <p:cNvSpPr>
+            <a:spLocks noGrp="1"/>
+          </p:cNvSpPr>
+          <p:nvPr>
+            <p:ph type="title"/>
+          </p:nvPr>
+        </p:nvSpPr>
+        <p:spPr/>
+        <p:txBody>
+          <a:bodyPr/>
+          <a:lstStyle/>
+          <a:p>
+            <a:r>
+              <a:rPr lang="es-MX" dirty="0"/>
+              <a:t>Resumen fase 2</a:t>
+            </a:r>
+          </a:p>
+        </p:txBody>
+      </p:sp>
+      <p:sp>
+        <p:nvSpPr>
+          <p:cNvPr id="3" name="Marcador de contenido 2">
+            <a:extLst>
+              <a:ext uri="{FF2B5EF4-FFF2-40B4-BE49-F238E27FC236}">
+                <a16:creationId xmlns:a16="http://schemas.microsoft.com/office/drawing/2014/main" id="{71293B58-EF6F-4634-AEF6-3295E7228A53}"/>
+              </a:ext>
+            </a:extLst>
+          </p:cNvPr>
+          <p:cNvSpPr>
+            <a:spLocks noGrp="1"/>
+          </p:cNvSpPr>
+          <p:nvPr>
+            <p:ph idx="1"/>
+          </p:nvPr>
+        </p:nvSpPr>
+        <p:spPr/>
+        <p:txBody>
+          <a:bodyPr/>
+          <a:lstStyle/>
+          <a:p>
+            <a:r>
+              <a:rPr lang="es-MX" dirty="0"/>
+              <a:t>En esta fase se añaden módulos para shift, extender de señal y otros módulos como la memoria.</a:t>
+            </a:r>
+          </a:p>
+          <a:p>
+            <a:r>
+              <a:rPr lang="es-MX" dirty="0"/>
+              <a:t>Con estos módulos es posible crear </a:t>
+            </a:r>
+            <a:r>
+              <a:rPr lang="es-MX" dirty="0" err="1"/>
+              <a:t>branches</a:t>
+            </a:r>
+            <a:r>
+              <a:rPr lang="es-MX" dirty="0"/>
+              <a:t> y también hacer uso de la memoria de datos.</a:t>
+            </a:r>
+          </a:p>
+          <a:p>
+            <a:r>
+              <a:rPr lang="es-MX" dirty="0"/>
+              <a:t>Las instrucciones añadidas son ADDI, SLTI, ANDI, ORI, SW, LW, BEQ.</a:t>
+            </a:r>
+          </a:p>
+          <a:p>
+            <a:pPr marL="0" indent="0">
+              <a:buNone/>
+            </a:pPr>
+            <a:endParaRPr lang="es-MX" dirty="0"/>
+          </a:p>
+        </p:txBody>
+      </p:sp>
+    </p:spTree>
+    <p:extLst>
+      <p:ext uri="{BB962C8B-B14F-4D97-AF65-F5344CB8AC3E}">
+        <p14:creationId xmlns:p14="http://schemas.microsoft.com/office/powerpoint/2010/main" val="223227869"/>
+      </p:ext>
+    </p:extLst>
+  </p:cSld>
+  <p:clrMapOvr>
+    <a:masterClrMapping/>
+  </p:clrMapOvr>
+</p:sld>
+</file>
+
+<file path=ppt/slides/slide8.xml><?xml version="1.0" encoding="utf-8"?>
+<p:sld xmlns:a="http://schemas.openxmlformats.org/drawingml/2006/main" xmlns:r="http://schemas.openxmlformats.org/officeDocument/2006/relationships" xmlns:p="http://schemas.openxmlformats.org/presentationml/2006/main">
+  <p:cSld>
+    <p:spTree>
+      <p:nvGrpSpPr>
+        <p:cNvPr id="1" name=""/>
+        <p:cNvGrpSpPr/>
+        <p:nvPr/>
+      </p:nvGrpSpPr>
+      <p:grpSpPr>
+        <a:xfrm>
+          <a:off x="0" y="0"/>
+          <a:ext cx="0" cy="0"/>
+          <a:chOff x="0" y="0"/>
+          <a:chExt cx="0" cy="0"/>
+        </a:xfrm>
+      </p:grpSpPr>
+      <p:sp>
+        <p:nvSpPr>
+          <p:cNvPr id="2" name="Título 1">
+            <a:extLst>
+              <a:ext uri="{FF2B5EF4-FFF2-40B4-BE49-F238E27FC236}">
+                <a16:creationId xmlns:a16="http://schemas.microsoft.com/office/drawing/2014/main" id="{EF44A4ED-AB47-4080-AF68-128BBF921C73}"/>
+              </a:ext>
+            </a:extLst>
+          </p:cNvPr>
+          <p:cNvSpPr>
+            <a:spLocks noGrp="1"/>
+          </p:cNvSpPr>
+          <p:nvPr>
+            <p:ph type="title"/>
+          </p:nvPr>
+        </p:nvSpPr>
+        <p:spPr/>
+        <p:txBody>
+          <a:bodyPr/>
+          <a:lstStyle/>
+          <a:p>
+            <a:r>
+              <a:rPr lang="es-MX" dirty="0"/>
+              <a:t>Resultados fase 2</a:t>
+            </a:r>
+          </a:p>
+        </p:txBody>
+      </p:sp>
+      <p:sp>
+        <p:nvSpPr>
+          <p:cNvPr id="3" name="Marcador de contenido 2">
+            <a:extLst>
+              <a:ext uri="{FF2B5EF4-FFF2-40B4-BE49-F238E27FC236}">
+                <a16:creationId xmlns:a16="http://schemas.microsoft.com/office/drawing/2014/main" id="{5F048434-8AD5-41CD-B3C3-50A77E9F98D4}"/>
+              </a:ext>
+            </a:extLst>
+          </p:cNvPr>
+          <p:cNvSpPr>
+            <a:spLocks noGrp="1"/>
+          </p:cNvSpPr>
+          <p:nvPr>
+            <p:ph idx="1"/>
+          </p:nvPr>
+        </p:nvSpPr>
+        <p:spPr/>
+        <p:txBody>
+          <a:bodyPr/>
+          <a:lstStyle/>
+          <a:p>
+            <a:r>
+              <a:rPr lang="es-MX" dirty="0"/>
+              <a:t>Y estos fueron los resultados de la fase </a:t>
+            </a:r>
+          </a:p>
+          <a:p>
+            <a:endParaRPr lang="es-MX" dirty="0"/>
+          </a:p>
+          <a:p>
+            <a:endParaRPr lang="es-MX" dirty="0"/>
+          </a:p>
+          <a:p>
+            <a:pPr marL="0" indent="0">
+              <a:buNone/>
+            </a:pPr>
+            <a:r>
+              <a:rPr lang="es-MX" dirty="0"/>
+              <a:t>Registro                           									Memoria</a:t>
+            </a:r>
+          </a:p>
+        </p:txBody>
+      </p:sp>
+      <p:pic>
+        <p:nvPicPr>
+          <p:cNvPr id="4" name="Imagen 3">
+            <a:extLst>
+              <a:ext uri="{FF2B5EF4-FFF2-40B4-BE49-F238E27FC236}">
+                <a16:creationId xmlns:a16="http://schemas.microsoft.com/office/drawing/2014/main" id="{43110BB6-90F1-4308-A032-CF591752A627}"/>
+              </a:ext>
+            </a:extLst>
+          </p:cNvPr>
+          <p:cNvPicPr>
+            <a:picLocks noChangeAspect="1"/>
+          </p:cNvPicPr>
+          <p:nvPr/>
+        </p:nvPicPr>
+        <p:blipFill>
+          <a:blip r:embed="rId2"/>
+          <a:stretch>
+            <a:fillRect/>
+          </a:stretch>
+        </p:blipFill>
+        <p:spPr>
+          <a:xfrm>
+            <a:off x="949573" y="3038475"/>
+            <a:ext cx="4973056" cy="600575"/>
+          </a:xfrm>
+          <a:prstGeom prst="rect">
+            <a:avLst/>
+          </a:prstGeom>
+        </p:spPr>
+      </p:pic>
+      <p:pic>
+        <p:nvPicPr>
+          <p:cNvPr id="5" name="Imagen 4">
+            <a:extLst>
+              <a:ext uri="{FF2B5EF4-FFF2-40B4-BE49-F238E27FC236}">
+                <a16:creationId xmlns:a16="http://schemas.microsoft.com/office/drawing/2014/main" id="{ACC4DF36-557C-477C-A405-6149A5997564}"/>
+              </a:ext>
+            </a:extLst>
+          </p:cNvPr>
+          <p:cNvPicPr>
+            <a:picLocks noChangeAspect="1"/>
+          </p:cNvPicPr>
+          <p:nvPr/>
+        </p:nvPicPr>
+        <p:blipFill>
+          <a:blip r:embed="rId3"/>
+          <a:stretch>
+            <a:fillRect/>
+          </a:stretch>
+        </p:blipFill>
+        <p:spPr>
+          <a:xfrm>
+            <a:off x="6954412" y="2803395"/>
+            <a:ext cx="2961955" cy="835655"/>
+          </a:xfrm>
+          <a:prstGeom prst="rect">
+            <a:avLst/>
+          </a:prstGeom>
+        </p:spPr>
+      </p:pic>
+      <p:pic>
+        <p:nvPicPr>
+          <p:cNvPr id="1026" name="Picture 2">
+            <a:extLst>
+              <a:ext uri="{FF2B5EF4-FFF2-40B4-BE49-F238E27FC236}">
+                <a16:creationId xmlns:a16="http://schemas.microsoft.com/office/drawing/2014/main" id="{E00880E4-038B-4948-B1AD-CD89A62A6FFC}"/>
+              </a:ext>
+            </a:extLst>
+          </p:cNvPr>
+          <p:cNvPicPr>
+            <a:picLocks noChangeAspect="1" noChangeArrowheads="1"/>
+          </p:cNvPicPr>
+          <p:nvPr/>
+        </p:nvPicPr>
+        <p:blipFill>
+          <a:blip r:embed="rId4">
+            <a:extLst>
+              <a:ext uri="{28A0092B-C50C-407E-A947-70E740481C1C}">
+                <a14:useLocalDpi xmlns:a14="http://schemas.microsoft.com/office/drawing/2010/main" val="0"/>
+              </a:ext>
+            </a:extLst>
+          </a:blip>
+          <a:srcRect/>
+          <a:stretch>
+            <a:fillRect/>
+          </a:stretch>
+        </p:blipFill>
+        <p:spPr bwMode="auto">
+          <a:xfrm>
+            <a:off x="1154954" y="4804567"/>
+            <a:ext cx="3841685" cy="1650208"/>
+          </a:xfrm>
+          <a:prstGeom prst="rect">
+            <a:avLst/>
+          </a:prstGeom>
+          <a:noFill/>
+          <a:extLst>
+            <a:ext uri="{909E8E84-426E-40DD-AFC4-6F175D3DCCD1}">
+              <a14:hiddenFill xmlns:a14="http://schemas.microsoft.com/office/drawing/2010/main">
+                <a:solidFill>
+                  <a:srgbClr val="FFFFFF"/>
+                </a:solidFill>
+              </a14:hiddenFill>
+            </a:ext>
+          </a:extLst>
+        </p:spPr>
+      </p:pic>
+    </p:spTree>
+    <p:extLst>
+      <p:ext uri="{BB962C8B-B14F-4D97-AF65-F5344CB8AC3E}">
+        <p14:creationId xmlns:p14="http://schemas.microsoft.com/office/powerpoint/2010/main" val="1253033131"/>
+      </p:ext>
+    </p:extLst>
+  </p:cSld>
+  <p:clrMapOvr>
+    <a:masterClrMapping/>
+  </p:clrMapOvr>
+</p:sld>
+</file>
+
+<file path=ppt/slides/slide9.xml><?xml version="1.0" encoding="utf-8"?>
+<p:sld xmlns:a="http://schemas.openxmlformats.org/drawingml/2006/main" xmlns:r="http://schemas.openxmlformats.org/officeDocument/2006/relationships" xmlns:p="http://schemas.openxmlformats.org/presentationml/2006/main">
+  <p:cSld>
+    <p:spTree>
+      <p:nvGrpSpPr>
+        <p:cNvPr id="1" name=""/>
+        <p:cNvGrpSpPr/>
+        <p:nvPr/>
+      </p:nvGrpSpPr>
+      <p:grpSpPr>
+        <a:xfrm>
+          <a:off x="0" y="0"/>
+          <a:ext cx="0" cy="0"/>
+          <a:chOff x="0" y="0"/>
+          <a:chExt cx="0" cy="0"/>
+        </a:xfrm>
+      </p:grpSpPr>
+      <p:sp>
+        <p:nvSpPr>
+          <p:cNvPr id="2" name="Título 1">
+            <a:extLst>
+              <a:ext uri="{FF2B5EF4-FFF2-40B4-BE49-F238E27FC236}">
+                <a16:creationId xmlns:a16="http://schemas.microsoft.com/office/drawing/2014/main" id="{47B7C3C2-1C4E-42BB-9D41-75CD22CA8CE4}"/>
+              </a:ext>
+            </a:extLst>
+          </p:cNvPr>
+          <p:cNvSpPr>
+            <a:spLocks noGrp="1"/>
+          </p:cNvSpPr>
+          <p:nvPr>
+            <p:ph type="title"/>
+          </p:nvPr>
+        </p:nvSpPr>
+        <p:spPr/>
+        <p:txBody>
+          <a:bodyPr/>
+          <a:lstStyle/>
+          <a:p>
+            <a:r>
+              <a:rPr lang="es-MX" dirty="0"/>
+              <a:t>Investigación</a:t>
+            </a:r>
+          </a:p>
+        </p:txBody>
+      </p:sp>
+      <p:sp>
+        <p:nvSpPr>
+          <p:cNvPr id="3" name="Marcador de contenido 2">
+            <a:extLst>
+              <a:ext uri="{FF2B5EF4-FFF2-40B4-BE49-F238E27FC236}">
+                <a16:creationId xmlns:a16="http://schemas.microsoft.com/office/drawing/2014/main" id="{74647C8A-0BCC-4FFA-B825-D23E7AE36B3F}"/>
+              </a:ext>
+            </a:extLst>
+          </p:cNvPr>
+          <p:cNvSpPr>
+            <a:spLocks noGrp="1"/>
+          </p:cNvSpPr>
+          <p:nvPr>
+            <p:ph idx="1"/>
+          </p:nvPr>
+        </p:nvSpPr>
+        <p:spPr/>
+        <p:txBody>
+          <a:bodyPr/>
+          <a:lstStyle/>
+          <a:p>
+            <a:pPr marL="0" indent="0">
+              <a:buNone/>
+            </a:pPr>
+            <a:endParaRPr lang="es-MX" dirty="0"/>
+          </a:p>
+        </p:txBody>
+      </p:sp>
+    </p:spTree>
+    <p:extLst>
+      <p:ext uri="{BB962C8B-B14F-4D97-AF65-F5344CB8AC3E}">
+        <p14:creationId xmlns:p14="http://schemas.microsoft.com/office/powerpoint/2010/main" val="262089354"/>
       </p:ext>
     </p:extLst>
   </p:cSld>

--- a/documentacion/FASE 1 (PROYECTO MIPS).pptx
+++ b/documentacion/FASE 1 (PROYECTO MIPS).pptx
@@ -13,8 +13,9 @@
     <p:sldId id="262" r:id="rId7"/>
     <p:sldId id="263" r:id="rId8"/>
     <p:sldId id="264" r:id="rId9"/>
-    <p:sldId id="265" r:id="rId10"/>
-    <p:sldId id="259" r:id="rId11"/>
+    <p:sldId id="266" r:id="rId10"/>
+    <p:sldId id="267" r:id="rId11"/>
+    <p:sldId id="259" r:id="rId12"/>
   </p:sldIdLst>
   <p:sldSz cx="12192000" cy="6858000"/>
   <p:notesSz cx="6858000" cy="9144000"/>
@@ -119,6 +120,3052 @@
     </p:ext>
   </p:extLst>
 </p:presentation>
+</file>
+
+<file path=ppt/diagrams/colors1.xml><?xml version="1.0" encoding="utf-8"?>
+<dgm:colorsDef xmlns:dgm="http://schemas.openxmlformats.org/drawingml/2006/diagram" xmlns:a="http://schemas.openxmlformats.org/drawingml/2006/main" uniqueId="urn:microsoft.com/office/officeart/2018/5/colors/Iconchunking_neutralicon_accent4_2">
+  <dgm:title val=""/>
+  <dgm:desc val=""/>
+  <dgm:catLst>
+    <dgm:cat type="accent4" pri="14200"/>
+  </dgm:catLst>
+  <dgm:styleLbl name="node0">
+    <dgm:fillClrLst meth="repeat">
+      <a:schemeClr val="accent4"/>
+    </dgm:fillClrLst>
+    <dgm:linClrLst meth="repeat">
+      <a:schemeClr val="lt1"/>
+    </dgm:linClrLst>
+    <dgm:effectClrLst/>
+    <dgm:txLinClrLst/>
+    <dgm:txFillClrLst/>
+    <dgm:txEffectClrLst/>
+  </dgm:styleLbl>
+  <dgm:styleLbl name="node1">
+    <dgm:fillClrLst meth="repeat">
+      <a:schemeClr val="bg1"/>
+    </dgm:fillClrLst>
+    <dgm:linClrLst meth="repeat">
+      <a:schemeClr val="lt1">
+        <a:alpha val="0"/>
+      </a:schemeClr>
+    </dgm:linClrLst>
+    <dgm:effectClrLst/>
+    <dgm:txLinClrLst/>
+    <dgm:txFillClrLst meth="repeat">
+      <a:schemeClr val="dk1"/>
+    </dgm:txFillClrLst>
+    <dgm:txEffectClrLst/>
+  </dgm:styleLbl>
+  <dgm:styleLbl name="alignNode1">
+    <dgm:fillClrLst meth="repeat">
+      <a:schemeClr val="accent4"/>
+    </dgm:fillClrLst>
+    <dgm:linClrLst meth="repeat">
+      <a:schemeClr val="accent4"/>
+    </dgm:linClrLst>
+    <dgm:effectClrLst/>
+    <dgm:txLinClrLst/>
+    <dgm:txFillClrLst/>
+    <dgm:txEffectClrLst/>
+  </dgm:styleLbl>
+  <dgm:styleLbl name="lnNode1">
+    <dgm:fillClrLst meth="repeat">
+      <a:schemeClr val="accent4"/>
+    </dgm:fillClrLst>
+    <dgm:linClrLst meth="repeat">
+      <a:schemeClr val="lt1"/>
+    </dgm:linClrLst>
+    <dgm:effectClrLst/>
+    <dgm:txLinClrLst/>
+    <dgm:txFillClrLst/>
+    <dgm:txEffectClrLst/>
+  </dgm:styleLbl>
+  <dgm:styleLbl name="vennNode1">
+    <dgm:fillClrLst meth="repeat">
+      <a:schemeClr val="accent4">
+        <a:alpha val="50000"/>
+      </a:schemeClr>
+    </dgm:fillClrLst>
+    <dgm:linClrLst meth="repeat">
+      <a:schemeClr val="lt1"/>
+    </dgm:linClrLst>
+    <dgm:effectClrLst/>
+    <dgm:txLinClrLst/>
+    <dgm:txFillClrLst/>
+    <dgm:txEffectClrLst/>
+  </dgm:styleLbl>
+  <dgm:styleLbl name="node2">
+    <dgm:fillClrLst meth="repeat">
+      <a:schemeClr val="accent4"/>
+    </dgm:fillClrLst>
+    <dgm:linClrLst meth="repeat">
+      <a:schemeClr val="lt1"/>
+    </dgm:linClrLst>
+    <dgm:effectClrLst/>
+    <dgm:txLinClrLst/>
+    <dgm:txFillClrLst/>
+    <dgm:txEffectClrLst/>
+  </dgm:styleLbl>
+  <dgm:styleLbl name="node3">
+    <dgm:fillClrLst meth="repeat">
+      <a:schemeClr val="accent4"/>
+    </dgm:fillClrLst>
+    <dgm:linClrLst meth="repeat">
+      <a:schemeClr val="lt1"/>
+    </dgm:linClrLst>
+    <dgm:effectClrLst/>
+    <dgm:txLinClrLst/>
+    <dgm:txFillClrLst/>
+    <dgm:txEffectClrLst/>
+  </dgm:styleLbl>
+  <dgm:styleLbl name="node4">
+    <dgm:fillClrLst meth="repeat">
+      <a:schemeClr val="accent4"/>
+    </dgm:fillClrLst>
+    <dgm:linClrLst meth="repeat">
+      <a:schemeClr val="lt1"/>
+    </dgm:linClrLst>
+    <dgm:effectClrLst/>
+    <dgm:txLinClrLst/>
+    <dgm:txFillClrLst/>
+    <dgm:txEffectClrLst/>
+  </dgm:styleLbl>
+  <dgm:styleLbl name="fgImgPlace1">
+    <dgm:fillClrLst meth="repeat">
+      <a:schemeClr val="accent4">
+        <a:tint val="50000"/>
+      </a:schemeClr>
+    </dgm:fillClrLst>
+    <dgm:linClrLst meth="repeat">
+      <a:schemeClr val="lt1"/>
+    </dgm:linClrLst>
+    <dgm:effectClrLst/>
+    <dgm:txLinClrLst/>
+    <dgm:txFillClrLst meth="repeat">
+      <a:schemeClr val="lt1"/>
+    </dgm:txFillClrLst>
+    <dgm:txEffectClrLst/>
+  </dgm:styleLbl>
+  <dgm:styleLbl name="alignImgPlace1">
+    <dgm:fillClrLst meth="repeat">
+      <a:schemeClr val="accent4">
+        <a:tint val="50000"/>
+      </a:schemeClr>
+    </dgm:fillClrLst>
+    <dgm:linClrLst meth="repeat">
+      <a:schemeClr val="lt1"/>
+    </dgm:linClrLst>
+    <dgm:effectClrLst/>
+    <dgm:txLinClrLst/>
+    <dgm:txFillClrLst meth="repeat">
+      <a:schemeClr val="lt1"/>
+    </dgm:txFillClrLst>
+    <dgm:txEffectClrLst/>
+  </dgm:styleLbl>
+  <dgm:styleLbl name="bgImgPlace1">
+    <dgm:fillClrLst meth="repeat">
+      <a:schemeClr val="accent4">
+        <a:tint val="50000"/>
+      </a:schemeClr>
+    </dgm:fillClrLst>
+    <dgm:linClrLst meth="repeat">
+      <a:schemeClr val="lt1"/>
+    </dgm:linClrLst>
+    <dgm:effectClrLst/>
+    <dgm:txLinClrLst/>
+    <dgm:txFillClrLst meth="repeat">
+      <a:schemeClr val="lt1"/>
+    </dgm:txFillClrLst>
+    <dgm:txEffectClrLst/>
+  </dgm:styleLbl>
+  <dgm:styleLbl name="sibTrans2D1">
+    <dgm:fillClrLst meth="repeat">
+      <a:schemeClr val="accent4">
+        <a:tint val="60000"/>
+      </a:schemeClr>
+    </dgm:fillClrLst>
+    <dgm:linClrLst meth="repeat">
+      <a:schemeClr val="accent4">
+        <a:tint val="60000"/>
+      </a:schemeClr>
+    </dgm:linClrLst>
+    <dgm:effectClrLst/>
+    <dgm:txLinClrLst/>
+    <dgm:txFillClrLst/>
+    <dgm:txEffectClrLst/>
+  </dgm:styleLbl>
+  <dgm:styleLbl name="fgSibTrans2D1">
+    <dgm:fillClrLst meth="repeat">
+      <a:schemeClr val="accent4">
+        <a:tint val="60000"/>
+      </a:schemeClr>
+    </dgm:fillClrLst>
+    <dgm:linClrLst meth="repeat">
+      <a:schemeClr val="accent4">
+        <a:tint val="60000"/>
+      </a:schemeClr>
+    </dgm:linClrLst>
+    <dgm:effectClrLst/>
+    <dgm:txLinClrLst/>
+    <dgm:txFillClrLst/>
+    <dgm:txEffectClrLst/>
+  </dgm:styleLbl>
+  <dgm:styleLbl name="bgSibTrans2D1">
+    <dgm:fillClrLst meth="repeat">
+      <a:schemeClr val="accent4">
+        <a:tint val="60000"/>
+      </a:schemeClr>
+    </dgm:fillClrLst>
+    <dgm:linClrLst meth="repeat">
+      <a:schemeClr val="accent4">
+        <a:tint val="60000"/>
+      </a:schemeClr>
+    </dgm:linClrLst>
+    <dgm:effectClrLst/>
+    <dgm:txLinClrLst/>
+    <dgm:txFillClrLst/>
+    <dgm:txEffectClrLst/>
+  </dgm:styleLbl>
+  <dgm:styleLbl name="sibTrans1D1">
+    <dgm:fillClrLst meth="repeat">
+      <a:schemeClr val="accent4"/>
+    </dgm:fillClrLst>
+    <dgm:linClrLst meth="repeat">
+      <a:schemeClr val="accent4"/>
+    </dgm:linClrLst>
+    <dgm:effectClrLst/>
+    <dgm:txLinClrLst/>
+    <dgm:txFillClrLst meth="repeat">
+      <a:schemeClr val="tx1"/>
+    </dgm:txFillClrLst>
+    <dgm:txEffectClrLst/>
+  </dgm:styleLbl>
+  <dgm:styleLbl name="callout">
+    <dgm:fillClrLst meth="repeat">
+      <a:schemeClr val="accent4"/>
+    </dgm:fillClrLst>
+    <dgm:linClrLst meth="repeat">
+      <a:schemeClr val="accent4">
+        <a:tint val="50000"/>
+      </a:schemeClr>
+    </dgm:linClrLst>
+    <dgm:effectClrLst/>
+    <dgm:txLinClrLst/>
+    <dgm:txFillClrLst meth="repeat">
+      <a:schemeClr val="tx1"/>
+    </dgm:txFillClrLst>
+    <dgm:txEffectClrLst/>
+  </dgm:styleLbl>
+  <dgm:styleLbl name="asst0">
+    <dgm:fillClrLst meth="repeat">
+      <a:schemeClr val="accent4"/>
+    </dgm:fillClrLst>
+    <dgm:linClrLst meth="repeat">
+      <a:schemeClr val="lt1"/>
+    </dgm:linClrLst>
+    <dgm:effectClrLst/>
+    <dgm:txLinClrLst/>
+    <dgm:txFillClrLst/>
+    <dgm:txEffectClrLst/>
+  </dgm:styleLbl>
+  <dgm:styleLbl name="asst1">
+    <dgm:fillClrLst meth="repeat">
+      <a:schemeClr val="accent4"/>
+    </dgm:fillClrLst>
+    <dgm:linClrLst meth="repeat">
+      <a:schemeClr val="lt1"/>
+    </dgm:linClrLst>
+    <dgm:effectClrLst/>
+    <dgm:txLinClrLst/>
+    <dgm:txFillClrLst/>
+    <dgm:txEffectClrLst/>
+  </dgm:styleLbl>
+  <dgm:styleLbl name="asst2">
+    <dgm:fillClrLst meth="repeat">
+      <a:schemeClr val="accent4"/>
+    </dgm:fillClrLst>
+    <dgm:linClrLst meth="repeat">
+      <a:schemeClr val="lt1"/>
+    </dgm:linClrLst>
+    <dgm:effectClrLst/>
+    <dgm:txLinClrLst/>
+    <dgm:txFillClrLst/>
+    <dgm:txEffectClrLst/>
+  </dgm:styleLbl>
+  <dgm:styleLbl name="asst3">
+    <dgm:fillClrLst meth="repeat">
+      <a:schemeClr val="accent4"/>
+    </dgm:fillClrLst>
+    <dgm:linClrLst meth="repeat">
+      <a:schemeClr val="lt1"/>
+    </dgm:linClrLst>
+    <dgm:effectClrLst/>
+    <dgm:txLinClrLst/>
+    <dgm:txFillClrLst/>
+    <dgm:txEffectClrLst/>
+  </dgm:styleLbl>
+  <dgm:styleLbl name="asst4">
+    <dgm:fillClrLst meth="repeat">
+      <a:schemeClr val="accent4"/>
+    </dgm:fillClrLst>
+    <dgm:linClrLst meth="repeat">
+      <a:schemeClr val="lt1"/>
+    </dgm:linClrLst>
+    <dgm:effectClrLst/>
+    <dgm:txLinClrLst/>
+    <dgm:txFillClrLst/>
+    <dgm:txEffectClrLst/>
+  </dgm:styleLbl>
+  <dgm:styleLbl name="parChTrans2D1">
+    <dgm:fillClrLst meth="repeat">
+      <a:schemeClr val="accent4">
+        <a:tint val="60000"/>
+      </a:schemeClr>
+    </dgm:fillClrLst>
+    <dgm:linClrLst meth="repeat">
+      <a:schemeClr val="accent4">
+        <a:tint val="60000"/>
+      </a:schemeClr>
+    </dgm:linClrLst>
+    <dgm:effectClrLst/>
+    <dgm:txLinClrLst/>
+    <dgm:txFillClrLst meth="repeat">
+      <a:schemeClr val="lt1"/>
+    </dgm:txFillClrLst>
+    <dgm:txEffectClrLst/>
+  </dgm:styleLbl>
+  <dgm:styleLbl name="parChTrans2D2">
+    <dgm:fillClrLst meth="repeat">
+      <a:schemeClr val="accent4"/>
+    </dgm:fillClrLst>
+    <dgm:linClrLst meth="repeat">
+      <a:schemeClr val="accent4"/>
+    </dgm:linClrLst>
+    <dgm:effectClrLst/>
+    <dgm:txLinClrLst/>
+    <dgm:txFillClrLst meth="repeat">
+      <a:schemeClr val="lt1"/>
+    </dgm:txFillClrLst>
+    <dgm:txEffectClrLst/>
+  </dgm:styleLbl>
+  <dgm:styleLbl name="parChTrans2D3">
+    <dgm:fillClrLst meth="repeat">
+      <a:schemeClr val="accent4"/>
+    </dgm:fillClrLst>
+    <dgm:linClrLst meth="repeat">
+      <a:schemeClr val="accent4"/>
+    </dgm:linClrLst>
+    <dgm:effectClrLst/>
+    <dgm:txLinClrLst/>
+    <dgm:txFillClrLst meth="repeat">
+      <a:schemeClr val="lt1"/>
+    </dgm:txFillClrLst>
+    <dgm:txEffectClrLst/>
+  </dgm:styleLbl>
+  <dgm:styleLbl name="parChTrans2D4">
+    <dgm:fillClrLst meth="repeat">
+      <a:schemeClr val="accent4"/>
+    </dgm:fillClrLst>
+    <dgm:linClrLst meth="repeat">
+      <a:schemeClr val="accent4"/>
+    </dgm:linClrLst>
+    <dgm:effectClrLst/>
+    <dgm:txLinClrLst/>
+    <dgm:txFillClrLst meth="repeat">
+      <a:schemeClr val="lt1"/>
+    </dgm:txFillClrLst>
+    <dgm:txEffectClrLst/>
+  </dgm:styleLbl>
+  <dgm:styleLbl name="parChTrans1D1">
+    <dgm:fillClrLst meth="repeat">
+      <a:schemeClr val="accent4"/>
+    </dgm:fillClrLst>
+    <dgm:linClrLst meth="repeat">
+      <a:schemeClr val="accent4">
+        <a:shade val="60000"/>
+      </a:schemeClr>
+    </dgm:linClrLst>
+    <dgm:effectClrLst/>
+    <dgm:txLinClrLst/>
+    <dgm:txFillClrLst meth="repeat">
+      <a:schemeClr val="tx1"/>
+    </dgm:txFillClrLst>
+    <dgm:txEffectClrLst/>
+  </dgm:styleLbl>
+  <dgm:styleLbl name="parChTrans1D2">
+    <dgm:fillClrLst meth="repeat">
+      <a:schemeClr val="accent4"/>
+    </dgm:fillClrLst>
+    <dgm:linClrLst meth="repeat">
+      <a:schemeClr val="accent4">
+        <a:shade val="60000"/>
+      </a:schemeClr>
+    </dgm:linClrLst>
+    <dgm:effectClrLst/>
+    <dgm:txLinClrLst/>
+    <dgm:txFillClrLst meth="repeat">
+      <a:schemeClr val="tx1"/>
+    </dgm:txFillClrLst>
+    <dgm:txEffectClrLst/>
+  </dgm:styleLbl>
+  <dgm:styleLbl name="parChTrans1D3">
+    <dgm:fillClrLst meth="repeat">
+      <a:schemeClr val="accent4"/>
+    </dgm:fillClrLst>
+    <dgm:linClrLst meth="repeat">
+      <a:schemeClr val="accent4">
+        <a:shade val="80000"/>
+      </a:schemeClr>
+    </dgm:linClrLst>
+    <dgm:effectClrLst/>
+    <dgm:txLinClrLst/>
+    <dgm:txFillClrLst meth="repeat">
+      <a:schemeClr val="tx1"/>
+    </dgm:txFillClrLst>
+    <dgm:txEffectClrLst/>
+  </dgm:styleLbl>
+  <dgm:styleLbl name="parChTrans1D4">
+    <dgm:fillClrLst meth="repeat">
+      <a:schemeClr val="accent4"/>
+    </dgm:fillClrLst>
+    <dgm:linClrLst meth="repeat">
+      <a:schemeClr val="accent4">
+        <a:shade val="80000"/>
+      </a:schemeClr>
+    </dgm:linClrLst>
+    <dgm:effectClrLst/>
+    <dgm:txLinClrLst/>
+    <dgm:txFillClrLst meth="repeat">
+      <a:schemeClr val="tx1"/>
+    </dgm:txFillClrLst>
+    <dgm:txEffectClrLst/>
+  </dgm:styleLbl>
+  <dgm:styleLbl name="fgAcc1">
+    <dgm:fillClrLst meth="repeat">
+      <a:schemeClr val="lt1">
+        <a:alpha val="90000"/>
+      </a:schemeClr>
+    </dgm:fillClrLst>
+    <dgm:linClrLst meth="repeat">
+      <a:schemeClr val="accent4"/>
+    </dgm:linClrLst>
+    <dgm:effectClrLst/>
+    <dgm:txLinClrLst/>
+    <dgm:txFillClrLst meth="repeat">
+      <a:schemeClr val="dk1"/>
+    </dgm:txFillClrLst>
+    <dgm:txEffectClrLst/>
+  </dgm:styleLbl>
+  <dgm:styleLbl name="conFgAcc1">
+    <dgm:fillClrLst meth="repeat">
+      <a:schemeClr val="lt1">
+        <a:alpha val="90000"/>
+      </a:schemeClr>
+    </dgm:fillClrLst>
+    <dgm:linClrLst meth="repeat">
+      <a:schemeClr val="accent4"/>
+    </dgm:linClrLst>
+    <dgm:effectClrLst/>
+    <dgm:txLinClrLst/>
+    <dgm:txFillClrLst meth="repeat">
+      <a:schemeClr val="dk1"/>
+    </dgm:txFillClrLst>
+    <dgm:txEffectClrLst/>
+  </dgm:styleLbl>
+  <dgm:styleLbl name="alignAcc1">
+    <dgm:fillClrLst meth="repeat">
+      <a:schemeClr val="lt1">
+        <a:alpha val="90000"/>
+      </a:schemeClr>
+    </dgm:fillClrLst>
+    <dgm:linClrLst meth="repeat">
+      <a:schemeClr val="accent4"/>
+    </dgm:linClrLst>
+    <dgm:effectClrLst/>
+    <dgm:txLinClrLst/>
+    <dgm:txFillClrLst meth="repeat">
+      <a:schemeClr val="dk1"/>
+    </dgm:txFillClrLst>
+    <dgm:txEffectClrLst/>
+  </dgm:styleLbl>
+  <dgm:styleLbl name="trAlignAcc1">
+    <dgm:fillClrLst meth="repeat">
+      <a:schemeClr val="lt1">
+        <a:alpha val="40000"/>
+      </a:schemeClr>
+    </dgm:fillClrLst>
+    <dgm:linClrLst meth="repeat">
+      <a:schemeClr val="accent4"/>
+    </dgm:linClrLst>
+    <dgm:effectClrLst/>
+    <dgm:txLinClrLst/>
+    <dgm:txFillClrLst meth="repeat">
+      <a:schemeClr val="dk1"/>
+    </dgm:txFillClrLst>
+    <dgm:txEffectClrLst/>
+  </dgm:styleLbl>
+  <dgm:styleLbl name="bgAcc1">
+    <dgm:fillClrLst meth="repeat">
+      <a:schemeClr val="lt1">
+        <a:alpha val="90000"/>
+      </a:schemeClr>
+    </dgm:fillClrLst>
+    <dgm:linClrLst meth="repeat">
+      <a:schemeClr val="accent4"/>
+    </dgm:linClrLst>
+    <dgm:effectClrLst/>
+    <dgm:txLinClrLst/>
+    <dgm:txFillClrLst meth="repeat">
+      <a:schemeClr val="dk1"/>
+    </dgm:txFillClrLst>
+    <dgm:txEffectClrLst/>
+  </dgm:styleLbl>
+  <dgm:styleLbl name="solidFgAcc1">
+    <dgm:fillClrLst meth="repeat">
+      <a:schemeClr val="lt1"/>
+    </dgm:fillClrLst>
+    <dgm:linClrLst meth="repeat">
+      <a:schemeClr val="accent4"/>
+    </dgm:linClrLst>
+    <dgm:effectClrLst/>
+    <dgm:txLinClrLst/>
+    <dgm:txFillClrLst meth="repeat">
+      <a:schemeClr val="dk1"/>
+    </dgm:txFillClrLst>
+    <dgm:txEffectClrLst/>
+  </dgm:styleLbl>
+  <dgm:styleLbl name="solidAlignAcc1">
+    <dgm:fillClrLst meth="repeat">
+      <a:schemeClr val="lt1"/>
+    </dgm:fillClrLst>
+    <dgm:linClrLst meth="repeat">
+      <a:schemeClr val="accent4"/>
+    </dgm:linClrLst>
+    <dgm:effectClrLst/>
+    <dgm:txLinClrLst/>
+    <dgm:txFillClrLst meth="repeat">
+      <a:schemeClr val="dk1"/>
+    </dgm:txFillClrLst>
+    <dgm:txEffectClrLst/>
+  </dgm:styleLbl>
+  <dgm:styleLbl name="solidBgAcc1">
+    <dgm:fillClrLst meth="repeat">
+      <a:schemeClr val="lt1"/>
+    </dgm:fillClrLst>
+    <dgm:linClrLst meth="repeat">
+      <a:schemeClr val="accent4"/>
+    </dgm:linClrLst>
+    <dgm:effectClrLst/>
+    <dgm:txLinClrLst/>
+    <dgm:txFillClrLst meth="repeat">
+      <a:schemeClr val="dk1"/>
+    </dgm:txFillClrLst>
+    <dgm:txEffectClrLst/>
+  </dgm:styleLbl>
+  <dgm:styleLbl name="fgAccFollowNode1">
+    <dgm:fillClrLst meth="repeat">
+      <a:schemeClr val="accent4">
+        <a:alpha val="90000"/>
+        <a:tint val="40000"/>
+      </a:schemeClr>
+    </dgm:fillClrLst>
+    <dgm:linClrLst meth="repeat">
+      <a:schemeClr val="accent4">
+        <a:alpha val="90000"/>
+        <a:tint val="40000"/>
+      </a:schemeClr>
+    </dgm:linClrLst>
+    <dgm:effectClrLst/>
+    <dgm:txLinClrLst/>
+    <dgm:txFillClrLst meth="repeat">
+      <a:schemeClr val="dk1"/>
+    </dgm:txFillClrLst>
+    <dgm:txEffectClrLst/>
+  </dgm:styleLbl>
+  <dgm:styleLbl name="alignAccFollowNode1">
+    <dgm:fillClrLst meth="repeat">
+      <a:schemeClr val="accent4">
+        <a:alpha val="90000"/>
+        <a:tint val="40000"/>
+      </a:schemeClr>
+    </dgm:fillClrLst>
+    <dgm:linClrLst meth="repeat">
+      <a:schemeClr val="accent4">
+        <a:alpha val="90000"/>
+        <a:tint val="40000"/>
+      </a:schemeClr>
+    </dgm:linClrLst>
+    <dgm:effectClrLst/>
+    <dgm:txLinClrLst/>
+    <dgm:txFillClrLst meth="repeat">
+      <a:schemeClr val="dk1"/>
+    </dgm:txFillClrLst>
+    <dgm:txEffectClrLst/>
+  </dgm:styleLbl>
+  <dgm:styleLbl name="bgAccFollowNode1">
+    <dgm:fillClrLst meth="repeat">
+      <a:schemeClr val="accent4">
+        <a:alpha val="90000"/>
+        <a:tint val="40000"/>
+      </a:schemeClr>
+    </dgm:fillClrLst>
+    <dgm:linClrLst meth="repeat">
+      <a:schemeClr val="accent4">
+        <a:alpha val="90000"/>
+        <a:tint val="40000"/>
+      </a:schemeClr>
+    </dgm:linClrLst>
+    <dgm:effectClrLst/>
+    <dgm:txLinClrLst/>
+    <dgm:txFillClrLst meth="repeat">
+      <a:schemeClr val="dk1"/>
+    </dgm:txFillClrLst>
+    <dgm:txEffectClrLst/>
+  </dgm:styleLbl>
+  <dgm:styleLbl name="fgAcc0">
+    <dgm:fillClrLst meth="repeat">
+      <a:schemeClr val="lt1">
+        <a:alpha val="90000"/>
+      </a:schemeClr>
+    </dgm:fillClrLst>
+    <dgm:linClrLst meth="repeat">
+      <a:schemeClr val="accent4"/>
+    </dgm:linClrLst>
+    <dgm:effectClrLst/>
+    <dgm:txLinClrLst/>
+    <dgm:txFillClrLst meth="repeat">
+      <a:schemeClr val="dk1"/>
+    </dgm:txFillClrLst>
+    <dgm:txEffectClrLst/>
+  </dgm:styleLbl>
+  <dgm:styleLbl name="fgAcc2">
+    <dgm:fillClrLst meth="repeat">
+      <a:schemeClr val="lt1">
+        <a:alpha val="90000"/>
+      </a:schemeClr>
+    </dgm:fillClrLst>
+    <dgm:linClrLst meth="repeat">
+      <a:schemeClr val="accent4"/>
+    </dgm:linClrLst>
+    <dgm:effectClrLst/>
+    <dgm:txLinClrLst/>
+    <dgm:txFillClrLst meth="repeat">
+      <a:schemeClr val="dk1"/>
+    </dgm:txFillClrLst>
+    <dgm:txEffectClrLst/>
+  </dgm:styleLbl>
+  <dgm:styleLbl name="fgAcc3">
+    <dgm:fillClrLst meth="repeat">
+      <a:schemeClr val="lt1">
+        <a:alpha val="90000"/>
+      </a:schemeClr>
+    </dgm:fillClrLst>
+    <dgm:linClrLst meth="repeat">
+      <a:schemeClr val="accent4"/>
+    </dgm:linClrLst>
+    <dgm:effectClrLst/>
+    <dgm:txLinClrLst/>
+    <dgm:txFillClrLst meth="repeat">
+      <a:schemeClr val="dk1"/>
+    </dgm:txFillClrLst>
+    <dgm:txEffectClrLst/>
+  </dgm:styleLbl>
+  <dgm:styleLbl name="fgAcc4">
+    <dgm:fillClrLst meth="repeat">
+      <a:schemeClr val="lt1">
+        <a:alpha val="90000"/>
+      </a:schemeClr>
+    </dgm:fillClrLst>
+    <dgm:linClrLst meth="repeat">
+      <a:schemeClr val="accent4"/>
+    </dgm:linClrLst>
+    <dgm:effectClrLst/>
+    <dgm:txLinClrLst/>
+    <dgm:txFillClrLst meth="repeat">
+      <a:schemeClr val="dk1"/>
+    </dgm:txFillClrLst>
+    <dgm:txEffectClrLst/>
+  </dgm:styleLbl>
+  <dgm:styleLbl name="bgShp">
+    <dgm:fillClrLst meth="repeat">
+      <a:schemeClr val="accent4"/>
+    </dgm:fillClrLst>
+    <dgm:linClrLst meth="repeat">
+      <a:schemeClr val="lt1">
+        <a:alpha val="0"/>
+      </a:schemeClr>
+    </dgm:linClrLst>
+    <dgm:effectClrLst/>
+    <dgm:txLinClrLst/>
+    <dgm:txFillClrLst/>
+    <dgm:txEffectClrLst/>
+  </dgm:styleLbl>
+  <dgm:styleLbl name="dkBgShp">
+    <dgm:fillClrLst meth="repeat">
+      <a:schemeClr val="accent4">
+        <a:shade val="80000"/>
+      </a:schemeClr>
+    </dgm:fillClrLst>
+    <dgm:linClrLst meth="repeat">
+      <a:schemeClr val="accent4"/>
+    </dgm:linClrLst>
+    <dgm:effectClrLst/>
+    <dgm:txLinClrLst/>
+    <dgm:txFillClrLst meth="repeat">
+      <a:schemeClr val="lt1"/>
+    </dgm:txFillClrLst>
+    <dgm:txEffectClrLst/>
+  </dgm:styleLbl>
+  <dgm:styleLbl name="trBgShp">
+    <dgm:fillClrLst meth="repeat">
+      <a:schemeClr val="accent4">
+        <a:tint val="50000"/>
+        <a:alpha val="40000"/>
+      </a:schemeClr>
+    </dgm:fillClrLst>
+    <dgm:linClrLst meth="repeat">
+      <a:schemeClr val="accent4"/>
+    </dgm:linClrLst>
+    <dgm:effectClrLst/>
+    <dgm:txLinClrLst/>
+    <dgm:txFillClrLst meth="repeat">
+      <a:schemeClr val="lt1"/>
+    </dgm:txFillClrLst>
+    <dgm:txEffectClrLst/>
+  </dgm:styleLbl>
+  <dgm:styleLbl name="fgShp">
+    <dgm:fillClrLst meth="repeat">
+      <a:schemeClr val="accent4">
+        <a:tint val="60000"/>
+      </a:schemeClr>
+    </dgm:fillClrLst>
+    <dgm:linClrLst meth="repeat">
+      <a:schemeClr val="lt1"/>
+    </dgm:linClrLst>
+    <dgm:effectClrLst/>
+    <dgm:txLinClrLst/>
+    <dgm:txFillClrLst meth="repeat">
+      <a:schemeClr val="dk1"/>
+    </dgm:txFillClrLst>
+    <dgm:txEffectClrLst/>
+  </dgm:styleLbl>
+  <dgm:styleLbl name="revTx">
+    <dgm:fillClrLst meth="repeat">
+      <a:schemeClr val="lt1">
+        <a:alpha val="0"/>
+      </a:schemeClr>
+    </dgm:fillClrLst>
+    <dgm:linClrLst meth="repeat">
+      <a:schemeClr val="dk1">
+        <a:alpha val="0"/>
+      </a:schemeClr>
+    </dgm:linClrLst>
+    <dgm:effectClrLst/>
+    <dgm:txLinClrLst/>
+    <dgm:txFillClrLst meth="repeat">
+      <a:schemeClr val="tx1"/>
+    </dgm:txFillClrLst>
+    <dgm:txEffectClrLst/>
+  </dgm:styleLbl>
+</dgm:colorsDef>
+</file>
+
+<file path=ppt/diagrams/data1.xml><?xml version="1.0" encoding="utf-8"?>
+<dgm:dataModel xmlns:dgm="http://schemas.openxmlformats.org/drawingml/2006/diagram" xmlns:a="http://schemas.openxmlformats.org/drawingml/2006/main">
+  <dgm:ptLst>
+    <dgm:pt modelId="{D9E1B74D-AAD6-44D5-AA59-1688932F1B7C}" type="doc">
+      <dgm:prSet loTypeId="urn:microsoft.com/office/officeart/2018/5/layout/IconCircleLabelList" loCatId="icon" qsTypeId="urn:microsoft.com/office/officeart/2005/8/quickstyle/simple1" qsCatId="simple" csTypeId="urn:microsoft.com/office/officeart/2018/5/colors/Iconchunking_neutralicon_accent4_2" csCatId="accent4" phldr="1"/>
+      <dgm:spPr/>
+      <dgm:t>
+        <a:bodyPr/>
+        <a:lstStyle/>
+        <a:p>
+          <a:endParaRPr lang="en-US"/>
+        </a:p>
+      </dgm:t>
+    </dgm:pt>
+    <dgm:pt modelId="{E6671DFE-DBBA-4BC9-B7B8-B3A10C405965}">
+      <dgm:prSet/>
+      <dgm:spPr/>
+      <dgm:t>
+        <a:bodyPr/>
+        <a:lstStyle/>
+        <a:p>
+          <a:pPr>
+            <a:defRPr cap="all"/>
+          </a:pPr>
+          <a:r>
+            <a:rPr lang="es-MX" b="0" i="0"/>
+            <a:t>Números perfectos</a:t>
+          </a:r>
+          <a:endParaRPr lang="en-US"/>
+        </a:p>
+      </dgm:t>
+    </dgm:pt>
+    <dgm:pt modelId="{A497A596-40CB-40D3-A70F-8DE0019B2AD6}" type="parTrans" cxnId="{333EB50E-FC41-40F8-971E-0A4B4FF26EB6}">
+      <dgm:prSet/>
+      <dgm:spPr/>
+      <dgm:t>
+        <a:bodyPr/>
+        <a:lstStyle/>
+        <a:p>
+          <a:endParaRPr lang="en-US"/>
+        </a:p>
+      </dgm:t>
+    </dgm:pt>
+    <dgm:pt modelId="{F3EA8BBC-06F8-4E6F-B36F-2ABF2484C736}" type="sibTrans" cxnId="{333EB50E-FC41-40F8-971E-0A4B4FF26EB6}">
+      <dgm:prSet/>
+      <dgm:spPr/>
+      <dgm:t>
+        <a:bodyPr/>
+        <a:lstStyle/>
+        <a:p>
+          <a:endParaRPr lang="en-US"/>
+        </a:p>
+      </dgm:t>
+    </dgm:pt>
+    <dgm:pt modelId="{BD217382-B410-46C9-ACA7-54B2BE9347AB}">
+      <dgm:prSet/>
+      <dgm:spPr/>
+      <dgm:t>
+        <a:bodyPr/>
+        <a:lstStyle/>
+        <a:p>
+          <a:pPr>
+            <a:defRPr cap="all"/>
+          </a:pPr>
+          <a:r>
+            <a:rPr lang="es-MX" b="0" i="0"/>
+            <a:t>Máximo común divisor</a:t>
+          </a:r>
+          <a:endParaRPr lang="en-US"/>
+        </a:p>
+      </dgm:t>
+    </dgm:pt>
+    <dgm:pt modelId="{B7BE42D9-7501-47F3-9D42-435845C96BB3}" type="parTrans" cxnId="{3372D745-AB7D-4B69-B6E6-B824ECEDC981}">
+      <dgm:prSet/>
+      <dgm:spPr/>
+      <dgm:t>
+        <a:bodyPr/>
+        <a:lstStyle/>
+        <a:p>
+          <a:endParaRPr lang="en-US"/>
+        </a:p>
+      </dgm:t>
+    </dgm:pt>
+    <dgm:pt modelId="{E5D93C5A-00C0-4AE6-8CB2-5806B5D90A7B}" type="sibTrans" cxnId="{3372D745-AB7D-4B69-B6E6-B824ECEDC981}">
+      <dgm:prSet/>
+      <dgm:spPr/>
+      <dgm:t>
+        <a:bodyPr/>
+        <a:lstStyle/>
+        <a:p>
+          <a:endParaRPr lang="en-US"/>
+        </a:p>
+      </dgm:t>
+    </dgm:pt>
+    <dgm:pt modelId="{7B6FBED8-617E-42E9-8EF4-C258AD0039C1}">
+      <dgm:prSet/>
+      <dgm:spPr/>
+      <dgm:t>
+        <a:bodyPr/>
+        <a:lstStyle/>
+        <a:p>
+          <a:pPr>
+            <a:defRPr cap="all"/>
+          </a:pPr>
+          <a:r>
+            <a:rPr lang="es-MX" b="0" i="0"/>
+            <a:t>Detectar el tipo de triángulo</a:t>
+          </a:r>
+          <a:endParaRPr lang="en-US"/>
+        </a:p>
+      </dgm:t>
+    </dgm:pt>
+    <dgm:pt modelId="{C23DD8D1-B5EE-46B9-8866-B6F3BE01DEFC}" type="parTrans" cxnId="{1EA9648F-F50A-44BF-B637-847D6C513494}">
+      <dgm:prSet/>
+      <dgm:spPr/>
+      <dgm:t>
+        <a:bodyPr/>
+        <a:lstStyle/>
+        <a:p>
+          <a:endParaRPr lang="en-US"/>
+        </a:p>
+      </dgm:t>
+    </dgm:pt>
+    <dgm:pt modelId="{B3CEDB23-C32E-4B33-910B-B03ACDCDF7E1}" type="sibTrans" cxnId="{1EA9648F-F50A-44BF-B637-847D6C513494}">
+      <dgm:prSet/>
+      <dgm:spPr/>
+      <dgm:t>
+        <a:bodyPr/>
+        <a:lstStyle/>
+        <a:p>
+          <a:endParaRPr lang="en-US"/>
+        </a:p>
+      </dgm:t>
+    </dgm:pt>
+    <dgm:pt modelId="{1A16C080-3715-449C-974C-BC1D803006A1}">
+      <dgm:prSet/>
+      <dgm:spPr/>
+      <dgm:t>
+        <a:bodyPr/>
+        <a:lstStyle/>
+        <a:p>
+          <a:pPr>
+            <a:defRPr cap="all"/>
+          </a:pPr>
+          <a:r>
+            <a:rPr lang="es-MX" b="0" i="0"/>
+            <a:t>Selective sort</a:t>
+          </a:r>
+          <a:endParaRPr lang="en-US"/>
+        </a:p>
+      </dgm:t>
+    </dgm:pt>
+    <dgm:pt modelId="{12CDD943-C817-439C-8F03-13D3E8AFB622}" type="parTrans" cxnId="{5ECEF2A6-1113-4821-A60A-A1E111AAC3D0}">
+      <dgm:prSet/>
+      <dgm:spPr/>
+      <dgm:t>
+        <a:bodyPr/>
+        <a:lstStyle/>
+        <a:p>
+          <a:endParaRPr lang="en-US"/>
+        </a:p>
+      </dgm:t>
+    </dgm:pt>
+    <dgm:pt modelId="{2FC24D78-F894-4B21-A5A2-F832625BF374}" type="sibTrans" cxnId="{5ECEF2A6-1113-4821-A60A-A1E111AAC3D0}">
+      <dgm:prSet/>
+      <dgm:spPr/>
+      <dgm:t>
+        <a:bodyPr/>
+        <a:lstStyle/>
+        <a:p>
+          <a:endParaRPr lang="en-US"/>
+        </a:p>
+      </dgm:t>
+    </dgm:pt>
+    <dgm:pt modelId="{7221003A-7154-4F58-99FB-665855E15FF4}" type="pres">
+      <dgm:prSet presAssocID="{D9E1B74D-AAD6-44D5-AA59-1688932F1B7C}" presName="root" presStyleCnt="0">
+        <dgm:presLayoutVars>
+          <dgm:dir/>
+          <dgm:resizeHandles val="exact"/>
+        </dgm:presLayoutVars>
+      </dgm:prSet>
+      <dgm:spPr/>
+    </dgm:pt>
+    <dgm:pt modelId="{5D98D675-3C79-46FA-8B04-80C39AE8F0FB}" type="pres">
+      <dgm:prSet presAssocID="{E6671DFE-DBBA-4BC9-B7B8-B3A10C405965}" presName="compNode" presStyleCnt="0"/>
+      <dgm:spPr/>
+    </dgm:pt>
+    <dgm:pt modelId="{EF7CA0CB-3DF2-46B8-8A88-71EA2CEEEF4A}" type="pres">
+      <dgm:prSet presAssocID="{E6671DFE-DBBA-4BC9-B7B8-B3A10C405965}" presName="iconBgRect" presStyleLbl="bgShp" presStyleIdx="0" presStyleCnt="4"/>
+      <dgm:spPr/>
+    </dgm:pt>
+    <dgm:pt modelId="{3D0F8A27-352A-499B-8BD8-59D4E9C1D154}" type="pres">
+      <dgm:prSet presAssocID="{E6671DFE-DBBA-4BC9-B7B8-B3A10C405965}" presName="iconRect" presStyleLbl="node1" presStyleIdx="0" presStyleCnt="4"/>
+      <dgm:spPr>
+        <a:blipFill>
+          <a:blip xmlns:r="http://schemas.openxmlformats.org/officeDocument/2006/relationships" r:embed="rId1">
+            <a:extLst>
+              <a:ext uri="{28A0092B-C50C-407E-A947-70E740481C1C}">
+                <a14:useLocalDpi xmlns:a14="http://schemas.microsoft.com/office/drawing/2010/main" val="0"/>
+              </a:ext>
+              <a:ext uri="{96DAC541-7B7A-43D3-8B79-37D633B846F1}">
+                <asvg:svgBlip xmlns:asvg="http://schemas.microsoft.com/office/drawing/2016/SVG/main" r:embed="rId2"/>
+              </a:ext>
+            </a:extLst>
+          </a:blip>
+          <a:stretch>
+            <a:fillRect/>
+          </a:stretch>
+        </a:blipFill>
+        <a:ln>
+          <a:noFill/>
+        </a:ln>
+      </dgm:spPr>
+      <dgm:extLst>
+        <a:ext uri="{E40237B7-FDA0-4F09-8148-C483321AD2D9}">
+          <dgm14:cNvPr xmlns:dgm14="http://schemas.microsoft.com/office/drawing/2010/diagram" id="0" name="" descr="Upward trend"/>
+        </a:ext>
+      </dgm:extLst>
+    </dgm:pt>
+    <dgm:pt modelId="{5EA3398E-FED5-44ED-84E6-400EDE959B02}" type="pres">
+      <dgm:prSet presAssocID="{E6671DFE-DBBA-4BC9-B7B8-B3A10C405965}" presName="spaceRect" presStyleCnt="0"/>
+      <dgm:spPr/>
+    </dgm:pt>
+    <dgm:pt modelId="{0497B9B5-5703-4BC4-A3BD-ED0D569D0E9B}" type="pres">
+      <dgm:prSet presAssocID="{E6671DFE-DBBA-4BC9-B7B8-B3A10C405965}" presName="textRect" presStyleLbl="revTx" presStyleIdx="0" presStyleCnt="4">
+        <dgm:presLayoutVars>
+          <dgm:chMax val="1"/>
+          <dgm:chPref val="1"/>
+        </dgm:presLayoutVars>
+      </dgm:prSet>
+      <dgm:spPr/>
+    </dgm:pt>
+    <dgm:pt modelId="{B16446D0-9C68-4ADC-92F7-ABA10A16E95D}" type="pres">
+      <dgm:prSet presAssocID="{F3EA8BBC-06F8-4E6F-B36F-2ABF2484C736}" presName="sibTrans" presStyleCnt="0"/>
+      <dgm:spPr/>
+    </dgm:pt>
+    <dgm:pt modelId="{7D37C3DC-76A5-4B34-B463-49FEEE01E513}" type="pres">
+      <dgm:prSet presAssocID="{BD217382-B410-46C9-ACA7-54B2BE9347AB}" presName="compNode" presStyleCnt="0"/>
+      <dgm:spPr/>
+    </dgm:pt>
+    <dgm:pt modelId="{2399212E-A48F-4592-985C-E90E16384E4B}" type="pres">
+      <dgm:prSet presAssocID="{BD217382-B410-46C9-ACA7-54B2BE9347AB}" presName="iconBgRect" presStyleLbl="bgShp" presStyleIdx="1" presStyleCnt="4"/>
+      <dgm:spPr/>
+    </dgm:pt>
+    <dgm:pt modelId="{DBB7481D-2FE5-4B3B-8689-F782798F5606}" type="pres">
+      <dgm:prSet presAssocID="{BD217382-B410-46C9-ACA7-54B2BE9347AB}" presName="iconRect" presStyleLbl="node1" presStyleIdx="1" presStyleCnt="4"/>
+      <dgm:spPr>
+        <a:blipFill>
+          <a:blip xmlns:r="http://schemas.openxmlformats.org/officeDocument/2006/relationships" r:embed="rId3">
+            <a:extLst>
+              <a:ext uri="{28A0092B-C50C-407E-A947-70E740481C1C}">
+                <a14:useLocalDpi xmlns:a14="http://schemas.microsoft.com/office/drawing/2010/main" val="0"/>
+              </a:ext>
+              <a:ext uri="{96DAC541-7B7A-43D3-8B79-37D633B846F1}">
+                <asvg:svgBlip xmlns:asvg="http://schemas.microsoft.com/office/drawing/2016/SVG/main" r:embed="rId4"/>
+              </a:ext>
+            </a:extLst>
+          </a:blip>
+          <a:stretch>
+            <a:fillRect/>
+          </a:stretch>
+        </a:blipFill>
+        <a:ln>
+          <a:noFill/>
+        </a:ln>
+      </dgm:spPr>
+      <dgm:extLst>
+        <a:ext uri="{E40237B7-FDA0-4F09-8148-C483321AD2D9}">
+          <dgm14:cNvPr xmlns:dgm14="http://schemas.microsoft.com/office/drawing/2010/diagram" id="0" name="" descr="Single gear"/>
+        </a:ext>
+      </dgm:extLst>
+    </dgm:pt>
+    <dgm:pt modelId="{5FD4DD7F-844A-400F-AA7A-3FC4AA1CBF7A}" type="pres">
+      <dgm:prSet presAssocID="{BD217382-B410-46C9-ACA7-54B2BE9347AB}" presName="spaceRect" presStyleCnt="0"/>
+      <dgm:spPr/>
+    </dgm:pt>
+    <dgm:pt modelId="{8D04E356-BFDC-4B58-8756-7B5531DB2EA2}" type="pres">
+      <dgm:prSet presAssocID="{BD217382-B410-46C9-ACA7-54B2BE9347AB}" presName="textRect" presStyleLbl="revTx" presStyleIdx="1" presStyleCnt="4">
+        <dgm:presLayoutVars>
+          <dgm:chMax val="1"/>
+          <dgm:chPref val="1"/>
+        </dgm:presLayoutVars>
+      </dgm:prSet>
+      <dgm:spPr/>
+    </dgm:pt>
+    <dgm:pt modelId="{63DFE895-75E8-43BE-BC75-81E00FE74B83}" type="pres">
+      <dgm:prSet presAssocID="{E5D93C5A-00C0-4AE6-8CB2-5806B5D90A7B}" presName="sibTrans" presStyleCnt="0"/>
+      <dgm:spPr/>
+    </dgm:pt>
+    <dgm:pt modelId="{CFB0844E-6A61-4E73-8190-4C1C5CF5FC29}" type="pres">
+      <dgm:prSet presAssocID="{7B6FBED8-617E-42E9-8EF4-C258AD0039C1}" presName="compNode" presStyleCnt="0"/>
+      <dgm:spPr/>
+    </dgm:pt>
+    <dgm:pt modelId="{4B22C458-619F-42D4-ABC2-B75640ACFB2C}" type="pres">
+      <dgm:prSet presAssocID="{7B6FBED8-617E-42E9-8EF4-C258AD0039C1}" presName="iconBgRect" presStyleLbl="bgShp" presStyleIdx="2" presStyleCnt="4"/>
+      <dgm:spPr/>
+    </dgm:pt>
+    <dgm:pt modelId="{BF5F8C2F-87FE-4A52-865B-54622CB4B1D7}" type="pres">
+      <dgm:prSet presAssocID="{7B6FBED8-617E-42E9-8EF4-C258AD0039C1}" presName="iconRect" presStyleLbl="node1" presStyleIdx="2" presStyleCnt="4"/>
+      <dgm:spPr>
+        <a:blipFill>
+          <a:blip xmlns:r="http://schemas.openxmlformats.org/officeDocument/2006/relationships" r:embed="rId5">
+            <a:extLst>
+              <a:ext uri="{28A0092B-C50C-407E-A947-70E740481C1C}">
+                <a14:useLocalDpi xmlns:a14="http://schemas.microsoft.com/office/drawing/2010/main" val="0"/>
+              </a:ext>
+              <a:ext uri="{96DAC541-7B7A-43D3-8B79-37D633B846F1}">
+                <asvg:svgBlip xmlns:asvg="http://schemas.microsoft.com/office/drawing/2016/SVG/main" r:embed="rId6"/>
+              </a:ext>
+            </a:extLst>
+          </a:blip>
+          <a:stretch>
+            <a:fillRect/>
+          </a:stretch>
+        </a:blipFill>
+        <a:ln>
+          <a:noFill/>
+        </a:ln>
+      </dgm:spPr>
+      <dgm:extLst>
+        <a:ext uri="{E40237B7-FDA0-4F09-8148-C483321AD2D9}">
+          <dgm14:cNvPr xmlns:dgm14="http://schemas.microsoft.com/office/drawing/2010/diagram" id="0" name="" descr="Zoom In"/>
+        </a:ext>
+      </dgm:extLst>
+    </dgm:pt>
+    <dgm:pt modelId="{15B58121-07DF-44A6-9D97-AE3189107420}" type="pres">
+      <dgm:prSet presAssocID="{7B6FBED8-617E-42E9-8EF4-C258AD0039C1}" presName="spaceRect" presStyleCnt="0"/>
+      <dgm:spPr/>
+    </dgm:pt>
+    <dgm:pt modelId="{3708770F-1433-4A06-B086-C0C507C1B0ED}" type="pres">
+      <dgm:prSet presAssocID="{7B6FBED8-617E-42E9-8EF4-C258AD0039C1}" presName="textRect" presStyleLbl="revTx" presStyleIdx="2" presStyleCnt="4">
+        <dgm:presLayoutVars>
+          <dgm:chMax val="1"/>
+          <dgm:chPref val="1"/>
+        </dgm:presLayoutVars>
+      </dgm:prSet>
+      <dgm:spPr/>
+    </dgm:pt>
+    <dgm:pt modelId="{40281CB7-8A9B-4872-83B9-B008E51D650D}" type="pres">
+      <dgm:prSet presAssocID="{B3CEDB23-C32E-4B33-910B-B03ACDCDF7E1}" presName="sibTrans" presStyleCnt="0"/>
+      <dgm:spPr/>
+    </dgm:pt>
+    <dgm:pt modelId="{1F30FD61-8FC2-4DA0-8FD6-EE4899911571}" type="pres">
+      <dgm:prSet presAssocID="{1A16C080-3715-449C-974C-BC1D803006A1}" presName="compNode" presStyleCnt="0"/>
+      <dgm:spPr/>
+    </dgm:pt>
+    <dgm:pt modelId="{DD2EBC54-68FB-4641-A27D-C05072467F7C}" type="pres">
+      <dgm:prSet presAssocID="{1A16C080-3715-449C-974C-BC1D803006A1}" presName="iconBgRect" presStyleLbl="bgShp" presStyleIdx="3" presStyleCnt="4"/>
+      <dgm:spPr/>
+    </dgm:pt>
+    <dgm:pt modelId="{BB2BF3D1-4E10-4A20-8C04-CE5B8F393261}" type="pres">
+      <dgm:prSet presAssocID="{1A16C080-3715-449C-974C-BC1D803006A1}" presName="iconRect" presStyleLbl="node1" presStyleIdx="3" presStyleCnt="4"/>
+      <dgm:spPr>
+        <a:blipFill>
+          <a:blip xmlns:r="http://schemas.openxmlformats.org/officeDocument/2006/relationships" r:embed="rId7">
+            <a:extLst>
+              <a:ext uri="{28A0092B-C50C-407E-A947-70E740481C1C}">
+                <a14:useLocalDpi xmlns:a14="http://schemas.microsoft.com/office/drawing/2010/main" val="0"/>
+              </a:ext>
+              <a:ext uri="{96DAC541-7B7A-43D3-8B79-37D633B846F1}">
+                <asvg:svgBlip xmlns:asvg="http://schemas.microsoft.com/office/drawing/2016/SVG/main" r:embed="rId8"/>
+              </a:ext>
+            </a:extLst>
+          </a:blip>
+          <a:stretch>
+            <a:fillRect/>
+          </a:stretch>
+        </a:blipFill>
+        <a:ln>
+          <a:noFill/>
+        </a:ln>
+      </dgm:spPr>
+      <dgm:extLst>
+        <a:ext uri="{E40237B7-FDA0-4F09-8148-C483321AD2D9}">
+          <dgm14:cNvPr xmlns:dgm14="http://schemas.microsoft.com/office/drawing/2010/diagram" id="0" name="" descr="Head with Gears"/>
+        </a:ext>
+      </dgm:extLst>
+    </dgm:pt>
+    <dgm:pt modelId="{42BE4969-8D83-42FC-B33E-6568AB7F6F18}" type="pres">
+      <dgm:prSet presAssocID="{1A16C080-3715-449C-974C-BC1D803006A1}" presName="spaceRect" presStyleCnt="0"/>
+      <dgm:spPr/>
+    </dgm:pt>
+    <dgm:pt modelId="{C2F6640A-74A0-411A-B4B1-6DAA6292458E}" type="pres">
+      <dgm:prSet presAssocID="{1A16C080-3715-449C-974C-BC1D803006A1}" presName="textRect" presStyleLbl="revTx" presStyleIdx="3" presStyleCnt="4">
+        <dgm:presLayoutVars>
+          <dgm:chMax val="1"/>
+          <dgm:chPref val="1"/>
+        </dgm:presLayoutVars>
+      </dgm:prSet>
+      <dgm:spPr/>
+    </dgm:pt>
+  </dgm:ptLst>
+  <dgm:cxnLst>
+    <dgm:cxn modelId="{333EB50E-FC41-40F8-971E-0A4B4FF26EB6}" srcId="{D9E1B74D-AAD6-44D5-AA59-1688932F1B7C}" destId="{E6671DFE-DBBA-4BC9-B7B8-B3A10C405965}" srcOrd="0" destOrd="0" parTransId="{A497A596-40CB-40D3-A70F-8DE0019B2AD6}" sibTransId="{F3EA8BBC-06F8-4E6F-B36F-2ABF2484C736}"/>
+    <dgm:cxn modelId="{F5181C3B-1A7B-4280-82F9-AB24EBAB809C}" type="presOf" srcId="{D9E1B74D-AAD6-44D5-AA59-1688932F1B7C}" destId="{7221003A-7154-4F58-99FB-665855E15FF4}" srcOrd="0" destOrd="0" presId="urn:microsoft.com/office/officeart/2018/5/layout/IconCircleLabelList"/>
+    <dgm:cxn modelId="{8AC92560-0E29-413D-A6C3-3522822D7BA6}" type="presOf" srcId="{BD217382-B410-46C9-ACA7-54B2BE9347AB}" destId="{8D04E356-BFDC-4B58-8756-7B5531DB2EA2}" srcOrd="0" destOrd="0" presId="urn:microsoft.com/office/officeart/2018/5/layout/IconCircleLabelList"/>
+    <dgm:cxn modelId="{3372D745-AB7D-4B69-B6E6-B824ECEDC981}" srcId="{D9E1B74D-AAD6-44D5-AA59-1688932F1B7C}" destId="{BD217382-B410-46C9-ACA7-54B2BE9347AB}" srcOrd="1" destOrd="0" parTransId="{B7BE42D9-7501-47F3-9D42-435845C96BB3}" sibTransId="{E5D93C5A-00C0-4AE6-8CB2-5806B5D90A7B}"/>
+    <dgm:cxn modelId="{A6536777-86B5-4AAD-8EAA-F0B6309D00FA}" type="presOf" srcId="{7B6FBED8-617E-42E9-8EF4-C258AD0039C1}" destId="{3708770F-1433-4A06-B086-C0C507C1B0ED}" srcOrd="0" destOrd="0" presId="urn:microsoft.com/office/officeart/2018/5/layout/IconCircleLabelList"/>
+    <dgm:cxn modelId="{8AED337F-93B3-47D0-BBC5-64ED8E9056EC}" type="presOf" srcId="{1A16C080-3715-449C-974C-BC1D803006A1}" destId="{C2F6640A-74A0-411A-B4B1-6DAA6292458E}" srcOrd="0" destOrd="0" presId="urn:microsoft.com/office/officeart/2018/5/layout/IconCircleLabelList"/>
+    <dgm:cxn modelId="{1EA9648F-F50A-44BF-B637-847D6C513494}" srcId="{D9E1B74D-AAD6-44D5-AA59-1688932F1B7C}" destId="{7B6FBED8-617E-42E9-8EF4-C258AD0039C1}" srcOrd="2" destOrd="0" parTransId="{C23DD8D1-B5EE-46B9-8866-B6F3BE01DEFC}" sibTransId="{B3CEDB23-C32E-4B33-910B-B03ACDCDF7E1}"/>
+    <dgm:cxn modelId="{5ECEF2A6-1113-4821-A60A-A1E111AAC3D0}" srcId="{D9E1B74D-AAD6-44D5-AA59-1688932F1B7C}" destId="{1A16C080-3715-449C-974C-BC1D803006A1}" srcOrd="3" destOrd="0" parTransId="{12CDD943-C817-439C-8F03-13D3E8AFB622}" sibTransId="{2FC24D78-F894-4B21-A5A2-F832625BF374}"/>
+    <dgm:cxn modelId="{430C82DA-0C48-4EDC-9246-1D87609DB6C4}" type="presOf" srcId="{E6671DFE-DBBA-4BC9-B7B8-B3A10C405965}" destId="{0497B9B5-5703-4BC4-A3BD-ED0D569D0E9B}" srcOrd="0" destOrd="0" presId="urn:microsoft.com/office/officeart/2018/5/layout/IconCircleLabelList"/>
+    <dgm:cxn modelId="{DA49F7AF-0A4C-46D5-8BEF-0D3E7BEF04C7}" type="presParOf" srcId="{7221003A-7154-4F58-99FB-665855E15FF4}" destId="{5D98D675-3C79-46FA-8B04-80C39AE8F0FB}" srcOrd="0" destOrd="0" presId="urn:microsoft.com/office/officeart/2018/5/layout/IconCircleLabelList"/>
+    <dgm:cxn modelId="{6B670FD7-9538-4512-B5DE-42A448A8CBA1}" type="presParOf" srcId="{5D98D675-3C79-46FA-8B04-80C39AE8F0FB}" destId="{EF7CA0CB-3DF2-46B8-8A88-71EA2CEEEF4A}" srcOrd="0" destOrd="0" presId="urn:microsoft.com/office/officeart/2018/5/layout/IconCircleLabelList"/>
+    <dgm:cxn modelId="{D8204FDD-F0C5-4059-A98B-CCB1F7637E81}" type="presParOf" srcId="{5D98D675-3C79-46FA-8B04-80C39AE8F0FB}" destId="{3D0F8A27-352A-499B-8BD8-59D4E9C1D154}" srcOrd="1" destOrd="0" presId="urn:microsoft.com/office/officeart/2018/5/layout/IconCircleLabelList"/>
+    <dgm:cxn modelId="{D0571DF3-CAEB-4876-BE3E-6EDF849E6D23}" type="presParOf" srcId="{5D98D675-3C79-46FA-8B04-80C39AE8F0FB}" destId="{5EA3398E-FED5-44ED-84E6-400EDE959B02}" srcOrd="2" destOrd="0" presId="urn:microsoft.com/office/officeart/2018/5/layout/IconCircleLabelList"/>
+    <dgm:cxn modelId="{41A93BCA-1A5D-4361-B623-E0E5A150BB84}" type="presParOf" srcId="{5D98D675-3C79-46FA-8B04-80C39AE8F0FB}" destId="{0497B9B5-5703-4BC4-A3BD-ED0D569D0E9B}" srcOrd="3" destOrd="0" presId="urn:microsoft.com/office/officeart/2018/5/layout/IconCircleLabelList"/>
+    <dgm:cxn modelId="{077B2DD1-74AA-4A73-9149-EB190D26EDBA}" type="presParOf" srcId="{7221003A-7154-4F58-99FB-665855E15FF4}" destId="{B16446D0-9C68-4ADC-92F7-ABA10A16E95D}" srcOrd="1" destOrd="0" presId="urn:microsoft.com/office/officeart/2018/5/layout/IconCircleLabelList"/>
+    <dgm:cxn modelId="{C856B27C-350C-40C7-AE9B-4831CA03F6B5}" type="presParOf" srcId="{7221003A-7154-4F58-99FB-665855E15FF4}" destId="{7D37C3DC-76A5-4B34-B463-49FEEE01E513}" srcOrd="2" destOrd="0" presId="urn:microsoft.com/office/officeart/2018/5/layout/IconCircleLabelList"/>
+    <dgm:cxn modelId="{84DDB5D8-75DA-4F71-AF52-87BDA36CE6E3}" type="presParOf" srcId="{7D37C3DC-76A5-4B34-B463-49FEEE01E513}" destId="{2399212E-A48F-4592-985C-E90E16384E4B}" srcOrd="0" destOrd="0" presId="urn:microsoft.com/office/officeart/2018/5/layout/IconCircleLabelList"/>
+    <dgm:cxn modelId="{2667427A-A374-4960-A2AA-C4526A8843BA}" type="presParOf" srcId="{7D37C3DC-76A5-4B34-B463-49FEEE01E513}" destId="{DBB7481D-2FE5-4B3B-8689-F782798F5606}" srcOrd="1" destOrd="0" presId="urn:microsoft.com/office/officeart/2018/5/layout/IconCircleLabelList"/>
+    <dgm:cxn modelId="{483E01D0-D8E5-4A15-B41E-F3C7341A0A7E}" type="presParOf" srcId="{7D37C3DC-76A5-4B34-B463-49FEEE01E513}" destId="{5FD4DD7F-844A-400F-AA7A-3FC4AA1CBF7A}" srcOrd="2" destOrd="0" presId="urn:microsoft.com/office/officeart/2018/5/layout/IconCircleLabelList"/>
+    <dgm:cxn modelId="{4B1E4014-C92E-4940-AA27-A5E4EBC161C6}" type="presParOf" srcId="{7D37C3DC-76A5-4B34-B463-49FEEE01E513}" destId="{8D04E356-BFDC-4B58-8756-7B5531DB2EA2}" srcOrd="3" destOrd="0" presId="urn:microsoft.com/office/officeart/2018/5/layout/IconCircleLabelList"/>
+    <dgm:cxn modelId="{674DC579-86B3-4FE5-9FF2-98064E2FE5C4}" type="presParOf" srcId="{7221003A-7154-4F58-99FB-665855E15FF4}" destId="{63DFE895-75E8-43BE-BC75-81E00FE74B83}" srcOrd="3" destOrd="0" presId="urn:microsoft.com/office/officeart/2018/5/layout/IconCircleLabelList"/>
+    <dgm:cxn modelId="{3C0CEAE2-2307-48E0-9CC4-3196CB838832}" type="presParOf" srcId="{7221003A-7154-4F58-99FB-665855E15FF4}" destId="{CFB0844E-6A61-4E73-8190-4C1C5CF5FC29}" srcOrd="4" destOrd="0" presId="urn:microsoft.com/office/officeart/2018/5/layout/IconCircleLabelList"/>
+    <dgm:cxn modelId="{1BC61594-CB9C-4514-84C7-E6E07A0F9CF1}" type="presParOf" srcId="{CFB0844E-6A61-4E73-8190-4C1C5CF5FC29}" destId="{4B22C458-619F-42D4-ABC2-B75640ACFB2C}" srcOrd="0" destOrd="0" presId="urn:microsoft.com/office/officeart/2018/5/layout/IconCircleLabelList"/>
+    <dgm:cxn modelId="{E2C763B5-92CB-47F6-8BE6-138DB79DDBED}" type="presParOf" srcId="{CFB0844E-6A61-4E73-8190-4C1C5CF5FC29}" destId="{BF5F8C2F-87FE-4A52-865B-54622CB4B1D7}" srcOrd="1" destOrd="0" presId="urn:microsoft.com/office/officeart/2018/5/layout/IconCircleLabelList"/>
+    <dgm:cxn modelId="{A4D1E383-6C0D-42AA-A83D-701A4CE9CE6A}" type="presParOf" srcId="{CFB0844E-6A61-4E73-8190-4C1C5CF5FC29}" destId="{15B58121-07DF-44A6-9D97-AE3189107420}" srcOrd="2" destOrd="0" presId="urn:microsoft.com/office/officeart/2018/5/layout/IconCircleLabelList"/>
+    <dgm:cxn modelId="{E61E2C77-AACE-4113-B280-F82BD601AB45}" type="presParOf" srcId="{CFB0844E-6A61-4E73-8190-4C1C5CF5FC29}" destId="{3708770F-1433-4A06-B086-C0C507C1B0ED}" srcOrd="3" destOrd="0" presId="urn:microsoft.com/office/officeart/2018/5/layout/IconCircleLabelList"/>
+    <dgm:cxn modelId="{D11A34AC-28BF-4B78-9329-89731F6CD576}" type="presParOf" srcId="{7221003A-7154-4F58-99FB-665855E15FF4}" destId="{40281CB7-8A9B-4872-83B9-B008E51D650D}" srcOrd="5" destOrd="0" presId="urn:microsoft.com/office/officeart/2018/5/layout/IconCircleLabelList"/>
+    <dgm:cxn modelId="{89DDAAB2-7688-42D4-8F0C-5B81FF2B4FC1}" type="presParOf" srcId="{7221003A-7154-4F58-99FB-665855E15FF4}" destId="{1F30FD61-8FC2-4DA0-8FD6-EE4899911571}" srcOrd="6" destOrd="0" presId="urn:microsoft.com/office/officeart/2018/5/layout/IconCircleLabelList"/>
+    <dgm:cxn modelId="{B27E64FC-52DA-4D0A-BF19-B507925B70B1}" type="presParOf" srcId="{1F30FD61-8FC2-4DA0-8FD6-EE4899911571}" destId="{DD2EBC54-68FB-4641-A27D-C05072467F7C}" srcOrd="0" destOrd="0" presId="urn:microsoft.com/office/officeart/2018/5/layout/IconCircleLabelList"/>
+    <dgm:cxn modelId="{6F7388BF-9C92-4BF7-BF86-FF43C6942F12}" type="presParOf" srcId="{1F30FD61-8FC2-4DA0-8FD6-EE4899911571}" destId="{BB2BF3D1-4E10-4A20-8C04-CE5B8F393261}" srcOrd="1" destOrd="0" presId="urn:microsoft.com/office/officeart/2018/5/layout/IconCircleLabelList"/>
+    <dgm:cxn modelId="{C2466541-A338-4712-99C9-20E7BB3AA296}" type="presParOf" srcId="{1F30FD61-8FC2-4DA0-8FD6-EE4899911571}" destId="{42BE4969-8D83-42FC-B33E-6568AB7F6F18}" srcOrd="2" destOrd="0" presId="urn:microsoft.com/office/officeart/2018/5/layout/IconCircleLabelList"/>
+    <dgm:cxn modelId="{1C78F2EE-9BEB-4309-A204-D0A7DDEEB40F}" type="presParOf" srcId="{1F30FD61-8FC2-4DA0-8FD6-EE4899911571}" destId="{C2F6640A-74A0-411A-B4B1-6DAA6292458E}" srcOrd="3" destOrd="0" presId="urn:microsoft.com/office/officeart/2018/5/layout/IconCircleLabelList"/>
+  </dgm:cxnLst>
+  <dgm:bg/>
+  <dgm:whole/>
+  <dgm:extLst>
+    <a:ext uri="http://schemas.microsoft.com/office/drawing/2008/diagram">
+      <dsp:dataModelExt xmlns:dsp="http://schemas.microsoft.com/office/drawing/2008/diagram" relId="rId7" minVer="http://schemas.openxmlformats.org/drawingml/2006/diagram"/>
+    </a:ext>
+  </dgm:extLst>
+</dgm:dataModel>
+</file>
+
+<file path=ppt/diagrams/drawing1.xml><?xml version="1.0" encoding="utf-8"?>
+<dsp:drawing xmlns:dgm="http://schemas.openxmlformats.org/drawingml/2006/diagram" xmlns:dsp="http://schemas.microsoft.com/office/drawing/2008/diagram" xmlns:a="http://schemas.openxmlformats.org/drawingml/2006/main">
+  <dsp:spTree>
+    <dsp:nvGrpSpPr>
+      <dsp:cNvPr id="0" name=""/>
+      <dsp:cNvGrpSpPr/>
+    </dsp:nvGrpSpPr>
+    <dsp:grpSpPr/>
+    <dsp:sp modelId="{EF7CA0CB-3DF2-46B8-8A88-71EA2CEEEF4A}">
+      <dsp:nvSpPr>
+        <dsp:cNvPr id="0" name=""/>
+        <dsp:cNvSpPr/>
+      </dsp:nvSpPr>
+      <dsp:spPr>
+        <a:xfrm>
+          <a:off x="585598" y="533524"/>
+          <a:ext cx="1247171" cy="1247171"/>
+        </a:xfrm>
+        <a:prstGeom prst="ellipse">
+          <a:avLst/>
+        </a:prstGeom>
+        <a:solidFill>
+          <a:schemeClr val="accent4">
+            <a:hueOff val="0"/>
+            <a:satOff val="0"/>
+            <a:lumOff val="0"/>
+            <a:alphaOff val="0"/>
+          </a:schemeClr>
+        </a:solidFill>
+        <a:ln>
+          <a:noFill/>
+        </a:ln>
+        <a:effectLst/>
+      </dsp:spPr>
+      <dsp:style>
+        <a:lnRef idx="0">
+          <a:scrgbClr r="0" g="0" b="0"/>
+        </a:lnRef>
+        <a:fillRef idx="1">
+          <a:scrgbClr r="0" g="0" b="0"/>
+        </a:fillRef>
+        <a:effectRef idx="0">
+          <a:scrgbClr r="0" g="0" b="0"/>
+        </a:effectRef>
+        <a:fontRef idx="minor"/>
+      </dsp:style>
+    </dsp:sp>
+    <dsp:sp modelId="{3D0F8A27-352A-499B-8BD8-59D4E9C1D154}">
+      <dsp:nvSpPr>
+        <dsp:cNvPr id="0" name=""/>
+        <dsp:cNvSpPr/>
+      </dsp:nvSpPr>
+      <dsp:spPr>
+        <a:xfrm>
+          <a:off x="851389" y="799314"/>
+          <a:ext cx="715590" cy="715590"/>
+        </a:xfrm>
+        <a:prstGeom prst="rect">
+          <a:avLst/>
+        </a:prstGeom>
+        <a:blipFill>
+          <a:blip xmlns:r="http://schemas.openxmlformats.org/officeDocument/2006/relationships" r:embed="rId1">
+            <a:extLst>
+              <a:ext uri="{28A0092B-C50C-407E-A947-70E740481C1C}">
+                <a14:useLocalDpi xmlns:a14="http://schemas.microsoft.com/office/drawing/2010/main" val="0"/>
+              </a:ext>
+              <a:ext uri="{96DAC541-7B7A-43D3-8B79-37D633B846F1}">
+                <asvg:svgBlip xmlns:asvg="http://schemas.microsoft.com/office/drawing/2016/SVG/main" r:embed="rId2"/>
+              </a:ext>
+            </a:extLst>
+          </a:blip>
+          <a:stretch>
+            <a:fillRect/>
+          </a:stretch>
+        </a:blipFill>
+        <a:ln w="19050" cap="rnd" cmpd="sng" algn="ctr">
+          <a:noFill/>
+          <a:prstDash val="solid"/>
+        </a:ln>
+        <a:effectLst/>
+      </dsp:spPr>
+      <dsp:style>
+        <a:lnRef idx="2">
+          <a:scrgbClr r="0" g="0" b="0"/>
+        </a:lnRef>
+        <a:fillRef idx="1">
+          <a:scrgbClr r="0" g="0" b="0"/>
+        </a:fillRef>
+        <a:effectRef idx="0">
+          <a:scrgbClr r="0" g="0" b="0"/>
+        </a:effectRef>
+        <a:fontRef idx="minor">
+          <a:schemeClr val="lt1"/>
+        </a:fontRef>
+      </dsp:style>
+    </dsp:sp>
+    <dsp:sp modelId="{0497B9B5-5703-4BC4-A3BD-ED0D569D0E9B}">
+      <dsp:nvSpPr>
+        <dsp:cNvPr id="0" name=""/>
+        <dsp:cNvSpPr/>
+      </dsp:nvSpPr>
+      <dsp:spPr>
+        <a:xfrm>
+          <a:off x="186912" y="2169158"/>
+          <a:ext cx="2044543" cy="720000"/>
+        </a:xfrm>
+        <a:prstGeom prst="rect">
+          <a:avLst/>
+        </a:prstGeom>
+        <a:noFill/>
+        <a:ln>
+          <a:noFill/>
+        </a:ln>
+        <a:effectLst/>
+      </dsp:spPr>
+      <dsp:style>
+        <a:lnRef idx="0">
+          <a:scrgbClr r="0" g="0" b="0"/>
+        </a:lnRef>
+        <a:fillRef idx="0">
+          <a:scrgbClr r="0" g="0" b="0"/>
+        </a:fillRef>
+        <a:effectRef idx="0">
+          <a:scrgbClr r="0" g="0" b="0"/>
+        </a:effectRef>
+        <a:fontRef idx="minor"/>
+      </dsp:style>
+      <dsp:txBody>
+        <a:bodyPr spcFirstLastPara="0" vert="horz" wrap="square" lIns="0" tIns="0" rIns="0" bIns="0" numCol="1" spcCol="1270" anchor="t" anchorCtr="0">
+          <a:noAutofit/>
+        </a:bodyPr>
+        <a:lstStyle/>
+        <a:p>
+          <a:pPr marL="0" lvl="0" indent="0" algn="ctr" defTabSz="800100">
+            <a:lnSpc>
+              <a:spcPct val="90000"/>
+            </a:lnSpc>
+            <a:spcBef>
+              <a:spcPct val="0"/>
+            </a:spcBef>
+            <a:spcAft>
+              <a:spcPct val="35000"/>
+            </a:spcAft>
+            <a:buNone/>
+            <a:defRPr cap="all"/>
+          </a:pPr>
+          <a:r>
+            <a:rPr lang="es-MX" sz="1800" b="0" i="0" kern="1200"/>
+            <a:t>Números perfectos</a:t>
+          </a:r>
+          <a:endParaRPr lang="en-US" sz="1800" kern="1200"/>
+        </a:p>
+      </dsp:txBody>
+      <dsp:txXfrm>
+        <a:off x="186912" y="2169158"/>
+        <a:ext cx="2044543" cy="720000"/>
+      </dsp:txXfrm>
+    </dsp:sp>
+    <dsp:sp modelId="{2399212E-A48F-4592-985C-E90E16384E4B}">
+      <dsp:nvSpPr>
+        <dsp:cNvPr id="0" name=""/>
+        <dsp:cNvSpPr/>
+      </dsp:nvSpPr>
+      <dsp:spPr>
+        <a:xfrm>
+          <a:off x="2987936" y="533524"/>
+          <a:ext cx="1247171" cy="1247171"/>
+        </a:xfrm>
+        <a:prstGeom prst="ellipse">
+          <a:avLst/>
+        </a:prstGeom>
+        <a:solidFill>
+          <a:schemeClr val="accent4">
+            <a:hueOff val="0"/>
+            <a:satOff val="0"/>
+            <a:lumOff val="0"/>
+            <a:alphaOff val="0"/>
+          </a:schemeClr>
+        </a:solidFill>
+        <a:ln>
+          <a:noFill/>
+        </a:ln>
+        <a:effectLst/>
+      </dsp:spPr>
+      <dsp:style>
+        <a:lnRef idx="0">
+          <a:scrgbClr r="0" g="0" b="0"/>
+        </a:lnRef>
+        <a:fillRef idx="1">
+          <a:scrgbClr r="0" g="0" b="0"/>
+        </a:fillRef>
+        <a:effectRef idx="0">
+          <a:scrgbClr r="0" g="0" b="0"/>
+        </a:effectRef>
+        <a:fontRef idx="minor"/>
+      </dsp:style>
+    </dsp:sp>
+    <dsp:sp modelId="{DBB7481D-2FE5-4B3B-8689-F782798F5606}">
+      <dsp:nvSpPr>
+        <dsp:cNvPr id="0" name=""/>
+        <dsp:cNvSpPr/>
+      </dsp:nvSpPr>
+      <dsp:spPr>
+        <a:xfrm>
+          <a:off x="3253727" y="799314"/>
+          <a:ext cx="715590" cy="715590"/>
+        </a:xfrm>
+        <a:prstGeom prst="rect">
+          <a:avLst/>
+        </a:prstGeom>
+        <a:blipFill>
+          <a:blip xmlns:r="http://schemas.openxmlformats.org/officeDocument/2006/relationships" r:embed="rId3">
+            <a:extLst>
+              <a:ext uri="{28A0092B-C50C-407E-A947-70E740481C1C}">
+                <a14:useLocalDpi xmlns:a14="http://schemas.microsoft.com/office/drawing/2010/main" val="0"/>
+              </a:ext>
+              <a:ext uri="{96DAC541-7B7A-43D3-8B79-37D633B846F1}">
+                <asvg:svgBlip xmlns:asvg="http://schemas.microsoft.com/office/drawing/2016/SVG/main" r:embed="rId4"/>
+              </a:ext>
+            </a:extLst>
+          </a:blip>
+          <a:stretch>
+            <a:fillRect/>
+          </a:stretch>
+        </a:blipFill>
+        <a:ln w="19050" cap="rnd" cmpd="sng" algn="ctr">
+          <a:noFill/>
+          <a:prstDash val="solid"/>
+        </a:ln>
+        <a:effectLst/>
+      </dsp:spPr>
+      <dsp:style>
+        <a:lnRef idx="2">
+          <a:scrgbClr r="0" g="0" b="0"/>
+        </a:lnRef>
+        <a:fillRef idx="1">
+          <a:scrgbClr r="0" g="0" b="0"/>
+        </a:fillRef>
+        <a:effectRef idx="0">
+          <a:scrgbClr r="0" g="0" b="0"/>
+        </a:effectRef>
+        <a:fontRef idx="minor">
+          <a:schemeClr val="lt1"/>
+        </a:fontRef>
+      </dsp:style>
+    </dsp:sp>
+    <dsp:sp modelId="{8D04E356-BFDC-4B58-8756-7B5531DB2EA2}">
+      <dsp:nvSpPr>
+        <dsp:cNvPr id="0" name=""/>
+        <dsp:cNvSpPr/>
+      </dsp:nvSpPr>
+      <dsp:spPr>
+        <a:xfrm>
+          <a:off x="2589250" y="2169158"/>
+          <a:ext cx="2044543" cy="720000"/>
+        </a:xfrm>
+        <a:prstGeom prst="rect">
+          <a:avLst/>
+        </a:prstGeom>
+        <a:noFill/>
+        <a:ln>
+          <a:noFill/>
+        </a:ln>
+        <a:effectLst/>
+      </dsp:spPr>
+      <dsp:style>
+        <a:lnRef idx="0">
+          <a:scrgbClr r="0" g="0" b="0"/>
+        </a:lnRef>
+        <a:fillRef idx="0">
+          <a:scrgbClr r="0" g="0" b="0"/>
+        </a:fillRef>
+        <a:effectRef idx="0">
+          <a:scrgbClr r="0" g="0" b="0"/>
+        </a:effectRef>
+        <a:fontRef idx="minor"/>
+      </dsp:style>
+      <dsp:txBody>
+        <a:bodyPr spcFirstLastPara="0" vert="horz" wrap="square" lIns="0" tIns="0" rIns="0" bIns="0" numCol="1" spcCol="1270" anchor="t" anchorCtr="0">
+          <a:noAutofit/>
+        </a:bodyPr>
+        <a:lstStyle/>
+        <a:p>
+          <a:pPr marL="0" lvl="0" indent="0" algn="ctr" defTabSz="800100">
+            <a:lnSpc>
+              <a:spcPct val="90000"/>
+            </a:lnSpc>
+            <a:spcBef>
+              <a:spcPct val="0"/>
+            </a:spcBef>
+            <a:spcAft>
+              <a:spcPct val="35000"/>
+            </a:spcAft>
+            <a:buNone/>
+            <a:defRPr cap="all"/>
+          </a:pPr>
+          <a:r>
+            <a:rPr lang="es-MX" sz="1800" b="0" i="0" kern="1200"/>
+            <a:t>Máximo común divisor</a:t>
+          </a:r>
+          <a:endParaRPr lang="en-US" sz="1800" kern="1200"/>
+        </a:p>
+      </dsp:txBody>
+      <dsp:txXfrm>
+        <a:off x="2589250" y="2169158"/>
+        <a:ext cx="2044543" cy="720000"/>
+      </dsp:txXfrm>
+    </dsp:sp>
+    <dsp:sp modelId="{4B22C458-619F-42D4-ABC2-B75640ACFB2C}">
+      <dsp:nvSpPr>
+        <dsp:cNvPr id="0" name=""/>
+        <dsp:cNvSpPr/>
+      </dsp:nvSpPr>
+      <dsp:spPr>
+        <a:xfrm>
+          <a:off x="5390274" y="533524"/>
+          <a:ext cx="1247171" cy="1247171"/>
+        </a:xfrm>
+        <a:prstGeom prst="ellipse">
+          <a:avLst/>
+        </a:prstGeom>
+        <a:solidFill>
+          <a:schemeClr val="accent4">
+            <a:hueOff val="0"/>
+            <a:satOff val="0"/>
+            <a:lumOff val="0"/>
+            <a:alphaOff val="0"/>
+          </a:schemeClr>
+        </a:solidFill>
+        <a:ln>
+          <a:noFill/>
+        </a:ln>
+        <a:effectLst/>
+      </dsp:spPr>
+      <dsp:style>
+        <a:lnRef idx="0">
+          <a:scrgbClr r="0" g="0" b="0"/>
+        </a:lnRef>
+        <a:fillRef idx="1">
+          <a:scrgbClr r="0" g="0" b="0"/>
+        </a:fillRef>
+        <a:effectRef idx="0">
+          <a:scrgbClr r="0" g="0" b="0"/>
+        </a:effectRef>
+        <a:fontRef idx="minor"/>
+      </dsp:style>
+    </dsp:sp>
+    <dsp:sp modelId="{BF5F8C2F-87FE-4A52-865B-54622CB4B1D7}">
+      <dsp:nvSpPr>
+        <dsp:cNvPr id="0" name=""/>
+        <dsp:cNvSpPr/>
+      </dsp:nvSpPr>
+      <dsp:spPr>
+        <a:xfrm>
+          <a:off x="5656065" y="799314"/>
+          <a:ext cx="715590" cy="715590"/>
+        </a:xfrm>
+        <a:prstGeom prst="rect">
+          <a:avLst/>
+        </a:prstGeom>
+        <a:blipFill>
+          <a:blip xmlns:r="http://schemas.openxmlformats.org/officeDocument/2006/relationships" r:embed="rId5">
+            <a:extLst>
+              <a:ext uri="{28A0092B-C50C-407E-A947-70E740481C1C}">
+                <a14:useLocalDpi xmlns:a14="http://schemas.microsoft.com/office/drawing/2010/main" val="0"/>
+              </a:ext>
+              <a:ext uri="{96DAC541-7B7A-43D3-8B79-37D633B846F1}">
+                <asvg:svgBlip xmlns:asvg="http://schemas.microsoft.com/office/drawing/2016/SVG/main" r:embed="rId6"/>
+              </a:ext>
+            </a:extLst>
+          </a:blip>
+          <a:stretch>
+            <a:fillRect/>
+          </a:stretch>
+        </a:blipFill>
+        <a:ln w="19050" cap="rnd" cmpd="sng" algn="ctr">
+          <a:noFill/>
+          <a:prstDash val="solid"/>
+        </a:ln>
+        <a:effectLst/>
+      </dsp:spPr>
+      <dsp:style>
+        <a:lnRef idx="2">
+          <a:scrgbClr r="0" g="0" b="0"/>
+        </a:lnRef>
+        <a:fillRef idx="1">
+          <a:scrgbClr r="0" g="0" b="0"/>
+        </a:fillRef>
+        <a:effectRef idx="0">
+          <a:scrgbClr r="0" g="0" b="0"/>
+        </a:effectRef>
+        <a:fontRef idx="minor">
+          <a:schemeClr val="lt1"/>
+        </a:fontRef>
+      </dsp:style>
+    </dsp:sp>
+    <dsp:sp modelId="{3708770F-1433-4A06-B086-C0C507C1B0ED}">
+      <dsp:nvSpPr>
+        <dsp:cNvPr id="0" name=""/>
+        <dsp:cNvSpPr/>
+      </dsp:nvSpPr>
+      <dsp:spPr>
+        <a:xfrm>
+          <a:off x="4991589" y="2169158"/>
+          <a:ext cx="2044543" cy="720000"/>
+        </a:xfrm>
+        <a:prstGeom prst="rect">
+          <a:avLst/>
+        </a:prstGeom>
+        <a:noFill/>
+        <a:ln>
+          <a:noFill/>
+        </a:ln>
+        <a:effectLst/>
+      </dsp:spPr>
+      <dsp:style>
+        <a:lnRef idx="0">
+          <a:scrgbClr r="0" g="0" b="0"/>
+        </a:lnRef>
+        <a:fillRef idx="0">
+          <a:scrgbClr r="0" g="0" b="0"/>
+        </a:fillRef>
+        <a:effectRef idx="0">
+          <a:scrgbClr r="0" g="0" b="0"/>
+        </a:effectRef>
+        <a:fontRef idx="minor"/>
+      </dsp:style>
+      <dsp:txBody>
+        <a:bodyPr spcFirstLastPara="0" vert="horz" wrap="square" lIns="0" tIns="0" rIns="0" bIns="0" numCol="1" spcCol="1270" anchor="t" anchorCtr="0">
+          <a:noAutofit/>
+        </a:bodyPr>
+        <a:lstStyle/>
+        <a:p>
+          <a:pPr marL="0" lvl="0" indent="0" algn="ctr" defTabSz="800100">
+            <a:lnSpc>
+              <a:spcPct val="90000"/>
+            </a:lnSpc>
+            <a:spcBef>
+              <a:spcPct val="0"/>
+            </a:spcBef>
+            <a:spcAft>
+              <a:spcPct val="35000"/>
+            </a:spcAft>
+            <a:buNone/>
+            <a:defRPr cap="all"/>
+          </a:pPr>
+          <a:r>
+            <a:rPr lang="es-MX" sz="1800" b="0" i="0" kern="1200"/>
+            <a:t>Detectar el tipo de triángulo</a:t>
+          </a:r>
+          <a:endParaRPr lang="en-US" sz="1800" kern="1200"/>
+        </a:p>
+      </dsp:txBody>
+      <dsp:txXfrm>
+        <a:off x="4991589" y="2169158"/>
+        <a:ext cx="2044543" cy="720000"/>
+      </dsp:txXfrm>
+    </dsp:sp>
+    <dsp:sp modelId="{DD2EBC54-68FB-4641-A27D-C05072467F7C}">
+      <dsp:nvSpPr>
+        <dsp:cNvPr id="0" name=""/>
+        <dsp:cNvSpPr/>
+      </dsp:nvSpPr>
+      <dsp:spPr>
+        <a:xfrm>
+          <a:off x="7792613" y="533524"/>
+          <a:ext cx="1247171" cy="1247171"/>
+        </a:xfrm>
+        <a:prstGeom prst="ellipse">
+          <a:avLst/>
+        </a:prstGeom>
+        <a:solidFill>
+          <a:schemeClr val="accent4">
+            <a:hueOff val="0"/>
+            <a:satOff val="0"/>
+            <a:lumOff val="0"/>
+            <a:alphaOff val="0"/>
+          </a:schemeClr>
+        </a:solidFill>
+        <a:ln>
+          <a:noFill/>
+        </a:ln>
+        <a:effectLst/>
+      </dsp:spPr>
+      <dsp:style>
+        <a:lnRef idx="0">
+          <a:scrgbClr r="0" g="0" b="0"/>
+        </a:lnRef>
+        <a:fillRef idx="1">
+          <a:scrgbClr r="0" g="0" b="0"/>
+        </a:fillRef>
+        <a:effectRef idx="0">
+          <a:scrgbClr r="0" g="0" b="0"/>
+        </a:effectRef>
+        <a:fontRef idx="minor"/>
+      </dsp:style>
+    </dsp:sp>
+    <dsp:sp modelId="{BB2BF3D1-4E10-4A20-8C04-CE5B8F393261}">
+      <dsp:nvSpPr>
+        <dsp:cNvPr id="0" name=""/>
+        <dsp:cNvSpPr/>
+      </dsp:nvSpPr>
+      <dsp:spPr>
+        <a:xfrm>
+          <a:off x="8058403" y="799314"/>
+          <a:ext cx="715590" cy="715590"/>
+        </a:xfrm>
+        <a:prstGeom prst="rect">
+          <a:avLst/>
+        </a:prstGeom>
+        <a:blipFill>
+          <a:blip xmlns:r="http://schemas.openxmlformats.org/officeDocument/2006/relationships" r:embed="rId7">
+            <a:extLst>
+              <a:ext uri="{28A0092B-C50C-407E-A947-70E740481C1C}">
+                <a14:useLocalDpi xmlns:a14="http://schemas.microsoft.com/office/drawing/2010/main" val="0"/>
+              </a:ext>
+              <a:ext uri="{96DAC541-7B7A-43D3-8B79-37D633B846F1}">
+                <asvg:svgBlip xmlns:asvg="http://schemas.microsoft.com/office/drawing/2016/SVG/main" r:embed="rId8"/>
+              </a:ext>
+            </a:extLst>
+          </a:blip>
+          <a:stretch>
+            <a:fillRect/>
+          </a:stretch>
+        </a:blipFill>
+        <a:ln w="19050" cap="rnd" cmpd="sng" algn="ctr">
+          <a:noFill/>
+          <a:prstDash val="solid"/>
+        </a:ln>
+        <a:effectLst/>
+      </dsp:spPr>
+      <dsp:style>
+        <a:lnRef idx="2">
+          <a:scrgbClr r="0" g="0" b="0"/>
+        </a:lnRef>
+        <a:fillRef idx="1">
+          <a:scrgbClr r="0" g="0" b="0"/>
+        </a:fillRef>
+        <a:effectRef idx="0">
+          <a:scrgbClr r="0" g="0" b="0"/>
+        </a:effectRef>
+        <a:fontRef idx="minor">
+          <a:schemeClr val="lt1"/>
+        </a:fontRef>
+      </dsp:style>
+    </dsp:sp>
+    <dsp:sp modelId="{C2F6640A-74A0-411A-B4B1-6DAA6292458E}">
+      <dsp:nvSpPr>
+        <dsp:cNvPr id="0" name=""/>
+        <dsp:cNvSpPr/>
+      </dsp:nvSpPr>
+      <dsp:spPr>
+        <a:xfrm>
+          <a:off x="7393927" y="2169158"/>
+          <a:ext cx="2044543" cy="720000"/>
+        </a:xfrm>
+        <a:prstGeom prst="rect">
+          <a:avLst/>
+        </a:prstGeom>
+        <a:noFill/>
+        <a:ln>
+          <a:noFill/>
+        </a:ln>
+        <a:effectLst/>
+      </dsp:spPr>
+      <dsp:style>
+        <a:lnRef idx="0">
+          <a:scrgbClr r="0" g="0" b="0"/>
+        </a:lnRef>
+        <a:fillRef idx="0">
+          <a:scrgbClr r="0" g="0" b="0"/>
+        </a:fillRef>
+        <a:effectRef idx="0">
+          <a:scrgbClr r="0" g="0" b="0"/>
+        </a:effectRef>
+        <a:fontRef idx="minor"/>
+      </dsp:style>
+      <dsp:txBody>
+        <a:bodyPr spcFirstLastPara="0" vert="horz" wrap="square" lIns="0" tIns="0" rIns="0" bIns="0" numCol="1" spcCol="1270" anchor="t" anchorCtr="0">
+          <a:noAutofit/>
+        </a:bodyPr>
+        <a:lstStyle/>
+        <a:p>
+          <a:pPr marL="0" lvl="0" indent="0" algn="ctr" defTabSz="800100">
+            <a:lnSpc>
+              <a:spcPct val="90000"/>
+            </a:lnSpc>
+            <a:spcBef>
+              <a:spcPct val="0"/>
+            </a:spcBef>
+            <a:spcAft>
+              <a:spcPct val="35000"/>
+            </a:spcAft>
+            <a:buNone/>
+            <a:defRPr cap="all"/>
+          </a:pPr>
+          <a:r>
+            <a:rPr lang="es-MX" sz="1800" b="0" i="0" kern="1200"/>
+            <a:t>Selective sort</a:t>
+          </a:r>
+          <a:endParaRPr lang="en-US" sz="1800" kern="1200"/>
+        </a:p>
+      </dsp:txBody>
+      <dsp:txXfrm>
+        <a:off x="7393927" y="2169158"/>
+        <a:ext cx="2044543" cy="720000"/>
+      </dsp:txXfrm>
+    </dsp:sp>
+  </dsp:spTree>
+</dsp:drawing>
+</file>
+
+<file path=ppt/diagrams/layout1.xml><?xml version="1.0" encoding="utf-8"?>
+<dgm:layoutDef xmlns:dgm="http://schemas.openxmlformats.org/drawingml/2006/diagram" xmlns:a="http://schemas.openxmlformats.org/drawingml/2006/main" uniqueId="urn:microsoft.com/office/officeart/2018/5/layout/IconCircleLabelList">
+  <dgm:title val="Icon Circle Label List"/>
+  <dgm:desc val="Use to show non-sequential or grouped chunks of information accompanied by a related visuals. Works best with icons or small pictures with short text captions."/>
+  <dgm:catLst>
+    <dgm:cat type="icon" pri="500"/>
+  </dgm:catLst>
+  <dgm:sampData useDef="1">
+    <dgm:dataModel>
+      <dgm:ptLst/>
+      <dgm:bg/>
+      <dgm:whole/>
+    </dgm:dataModel>
+  </dgm:sampData>
+  <dgm:styleData useDef="1">
+    <dgm:dataModel>
+      <dgm:ptLst/>
+      <dgm:bg/>
+      <dgm:whole/>
+    </dgm:dataModel>
+  </dgm:styleData>
+  <dgm:clrData useDef="1">
+    <dgm:dataModel>
+      <dgm:ptLst/>
+      <dgm:bg/>
+      <dgm:whole/>
+    </dgm:dataModel>
+  </dgm:clrData>
+  <dgm:layoutNode name="root">
+    <dgm:varLst>
+      <dgm:dir/>
+      <dgm:resizeHandles val="exact"/>
+    </dgm:varLst>
+    <dgm:choose name="Name0">
+      <dgm:if name="Name1" axis="self" func="var" arg="dir" op="equ" val="norm">
+        <dgm:alg type="snake">
+          <dgm:param type="grDir" val="tL"/>
+          <dgm:param type="flowDir" val="row"/>
+          <dgm:param type="contDir" val="sameDir"/>
+          <dgm:param type="off" val="ctr"/>
+          <dgm:param type="vertAlign" val="mid"/>
+          <dgm:param type="horzAlign" val="ctr"/>
+        </dgm:alg>
+      </dgm:if>
+      <dgm:else name="Name2">
+        <dgm:alg type="snake">
+          <dgm:param type="grDir" val="tR"/>
+          <dgm:param type="flowDir" val="row"/>
+          <dgm:param type="contDir" val="sameDir"/>
+          <dgm:param type="off" val="ctr"/>
+          <dgm:param type="vertAlign" val="mid"/>
+          <dgm:param type="horzAlign" val="ctr"/>
+        </dgm:alg>
+      </dgm:else>
+    </dgm:choose>
+    <dgm:shape xmlns:r="http://schemas.openxmlformats.org/officeDocument/2006/relationships" r:blip="">
+      <dgm:adjLst/>
+    </dgm:shape>
+    <dgm:presOf/>
+    <dgm:choose name="Name3">
+      <dgm:if name="Name4" axis="ch" ptType="node" func="cnt" op="lte" val="2">
+        <dgm:constrLst>
+          <dgm:constr type="h" for="ch" forName="compNode" refType="h" fact="0.4"/>
+          <dgm:constr type="w" for="ch" forName="compNode" val="100"/>
+          <dgm:constr type="w" for="ch" forName="sibTrans" refType="w" refFor="ch" refForName="compNode" fact="0.175"/>
+          <dgm:constr type="sp" refType="w" refFor="ch" refForName="compNode" op="equ" fact="0.25"/>
+          <dgm:constr type="primFontSz" for="des" ptType="node" op="equ" val="44"/>
+          <dgm:constr type="h" for="des" forName="compNode" op="equ"/>
+          <dgm:constr type="h" for="des" forName="textRect" op="equ"/>
+        </dgm:constrLst>
+      </dgm:if>
+      <dgm:if name="Name5" axis="ch" ptType="node" func="cnt" op="lte" val="3">
+        <dgm:constrLst>
+          <dgm:constr type="h" for="ch" forName="compNode" refType="h" fact="0.4"/>
+          <dgm:constr type="w" for="ch" forName="compNode" val="100"/>
+          <dgm:constr type="w" for="ch" forName="sibTrans" refType="w" refFor="ch" refForName="compNode" fact="0.175"/>
+          <dgm:constr type="sp" refType="w" refFor="ch" refForName="compNode" op="equ" fact="0.25"/>
+          <dgm:constr type="primFontSz" for="des" ptType="node" op="equ" val="40"/>
+          <dgm:constr type="h" for="des" forName="compNode" op="equ"/>
+          <dgm:constr type="h" for="des" forName="textRect" op="equ"/>
+        </dgm:constrLst>
+      </dgm:if>
+      <dgm:if name="Name6" axis="ch" ptType="node" func="cnt" op="lte" val="4">
+        <dgm:constrLst>
+          <dgm:constr type="h" for="ch" forName="compNode" refType="h" fact="0.4"/>
+          <dgm:constr type="w" for="ch" forName="compNode" refType="w"/>
+          <dgm:constr type="w" for="ch" forName="sibTrans" refType="w" refFor="ch" refForName="compNode" fact="0.175"/>
+          <dgm:constr type="sp" refType="w" refFor="ch" refForName="compNode" op="equ" fact="0.25"/>
+          <dgm:constr type="primFontSz" for="des" ptType="node" op="equ" val="32"/>
+          <dgm:constr type="h" for="des" forName="compNode" op="equ"/>
+          <dgm:constr type="h" for="des" forName="textRect" op="equ"/>
+        </dgm:constrLst>
+      </dgm:if>
+      <dgm:else name="Name7">
+        <dgm:constrLst>
+          <dgm:constr type="h" for="ch" forName="compNode" refType="h" fact="0.4"/>
+          <dgm:constr type="w" for="ch" forName="compNode" refType="w"/>
+          <dgm:constr type="w" for="ch" forName="sibTrans" refType="w" refFor="ch" refForName="compNode" fact="0.175"/>
+          <dgm:constr type="sp" refType="w" refFor="ch" refForName="compNode" op="equ" fact="0.25"/>
+          <dgm:constr type="primFontSz" for="des" ptType="node" op="equ" val="24"/>
+          <dgm:constr type="h" for="des" forName="compNode" op="equ"/>
+          <dgm:constr type="h" for="des" forName="textRect" op="equ"/>
+        </dgm:constrLst>
+      </dgm:else>
+    </dgm:choose>
+    <dgm:ruleLst>
+      <dgm:rule type="w" for="ch" forName="compNode" val="50" fact="NaN" max="NaN"/>
+    </dgm:ruleLst>
+    <dgm:forEach name="Name8" axis="ch" ptType="node">
+      <dgm:layoutNode name="compNode">
+        <dgm:alg type="composite"/>
+        <dgm:shape xmlns:r="http://schemas.openxmlformats.org/officeDocument/2006/relationships" r:blip="">
+          <dgm:adjLst/>
+        </dgm:shape>
+        <dgm:presOf axis="self"/>
+        <dgm:constrLst>
+          <dgm:constr type="w" for="ch" forName="iconBgRect" refType="w" fact="0.61"/>
+          <dgm:constr type="h" for="ch" forName="iconBgRect" refType="w" refFor="ch" refForName="iconBgRect"/>
+          <dgm:constr type="t" for="ch" forName="iconBgRect"/>
+          <dgm:constr type="ctrX" for="ch" forName="iconBgRect" refType="w" fact="0.5"/>
+          <dgm:constr type="w" for="ch" forName="iconRect" refType="w" fact="0.35"/>
+          <dgm:constr type="h" for="ch" forName="iconRect" refType="w" refFor="ch" refForName="iconRect"/>
+          <dgm:constr type="ctrX" for="ch" forName="iconRect" refType="ctrX" refFor="ch" refForName="iconBgRect"/>
+          <dgm:constr type="ctrY" for="ch" forName="iconRect" refType="ctrY" refFor="ch" refForName="iconBgRect"/>
+          <dgm:constr type="h" for="ch" forName="spaceRect" refType="w" fact="0.19"/>
+          <dgm:constr type="w" for="ch" forName="spaceRect" refType="w"/>
+          <dgm:constr type="l" for="ch" forName="spaceRect"/>
+          <dgm:constr type="t" for="ch" forName="spaceRect" refType="b" refFor="ch" refForName="iconBgRect"/>
+          <dgm:constr type="h" for="ch" forName="textRect" val="20"/>
+          <dgm:constr type="w" for="ch" forName="textRect" refType="w"/>
+          <dgm:constr type="l" for="ch" forName="textRect"/>
+          <dgm:constr type="t" for="ch" forName="textRect" refType="b" refFor="ch" refForName="spaceRect"/>
+        </dgm:constrLst>
+        <dgm:ruleLst>
+          <dgm:rule type="h" val="INF" fact="NaN" max="NaN"/>
+        </dgm:ruleLst>
+        <dgm:layoutNode name="iconBgRect" styleLbl="bgShp">
+          <dgm:alg type="sp"/>
+          <dgm:shape xmlns:r="http://schemas.openxmlformats.org/officeDocument/2006/relationships" type="ellipse" r:blip="">
+            <dgm:adjLst/>
+          </dgm:shape>
+          <dgm:presOf/>
+          <dgm:constrLst/>
+          <dgm:ruleLst/>
+        </dgm:layoutNode>
+        <dgm:layoutNode name="iconRect" styleLbl="node1">
+          <dgm:alg type="sp"/>
+          <dgm:shape xmlns:r="http://schemas.openxmlformats.org/officeDocument/2006/relationships" type="rect" r:blip="" blipPhldr="1">
+            <dgm:adjLst/>
+          </dgm:shape>
+          <dgm:presOf/>
+          <dgm:constrLst/>
+          <dgm:ruleLst/>
+        </dgm:layoutNode>
+        <dgm:layoutNode name="spaceRect">
+          <dgm:alg type="sp"/>
+          <dgm:shape xmlns:r="http://schemas.openxmlformats.org/officeDocument/2006/relationships" r:blip="">
+            <dgm:adjLst/>
+          </dgm:shape>
+          <dgm:presOf/>
+          <dgm:constrLst/>
+          <dgm:ruleLst/>
+        </dgm:layoutNode>
+        <dgm:layoutNode name="textRect" styleLbl="revTx">
+          <dgm:varLst>
+            <dgm:chMax val="1"/>
+            <dgm:chPref val="1"/>
+          </dgm:varLst>
+          <dgm:alg type="tx">
+            <dgm:param type="txAnchorVert" val="t"/>
+          </dgm:alg>
+          <dgm:shape xmlns:r="http://schemas.openxmlformats.org/officeDocument/2006/relationships" type="rect" r:blip="">
+            <dgm:adjLst/>
+          </dgm:shape>
+          <dgm:presOf axis="self" ptType="node"/>
+          <dgm:constrLst>
+            <dgm:constr type="lMarg"/>
+            <dgm:constr type="rMarg"/>
+            <dgm:constr type="tMarg"/>
+            <dgm:constr type="bMarg"/>
+          </dgm:constrLst>
+          <dgm:ruleLst>
+            <dgm:rule type="primFontSz" val="11" fact="NaN" max="NaN"/>
+            <dgm:rule type="h" val="INF" fact="NaN" max="NaN"/>
+          </dgm:ruleLst>
+        </dgm:layoutNode>
+      </dgm:layoutNode>
+      <dgm:forEach name="Name9" axis="followSib" ptType="sibTrans" cnt="1">
+        <dgm:layoutNode name="sibTrans">
+          <dgm:alg type="sp"/>
+          <dgm:shape xmlns:r="http://schemas.openxmlformats.org/officeDocument/2006/relationships" r:blip="">
+            <dgm:adjLst/>
+          </dgm:shape>
+          <dgm:presOf axis="self"/>
+          <dgm:constrLst/>
+          <dgm:ruleLst/>
+        </dgm:layoutNode>
+      </dgm:forEach>
+    </dgm:forEach>
+  </dgm:layoutNode>
+  <dgm:extLst>
+    <a:ext uri="{68A01E43-0DF5-4B5B-8FA6-DAF915123BFB}">
+      <dgm1612:lstStyle xmlns:dgm1612="http://schemas.microsoft.com/office/drawing/2016/12/diagram">
+        <a:lvl1pPr>
+          <a:lnSpc>
+            <a:spcPct val="100000"/>
+          </a:lnSpc>
+          <a:defRPr cap="all"/>
+        </a:lvl1pPr>
+      </dgm1612:lstStyle>
+    </a:ext>
+  </dgm:extLst>
+</dgm:layoutDef>
+</file>
+
+<file path=ppt/diagrams/quickStyle1.xml><?xml version="1.0" encoding="utf-8"?>
+<dgm:styleDef xmlns:dgm="http://schemas.openxmlformats.org/drawingml/2006/diagram" xmlns:a="http://schemas.openxmlformats.org/drawingml/2006/main" uniqueId="urn:microsoft.com/office/officeart/2005/8/quickstyle/simple1">
+  <dgm:title val=""/>
+  <dgm:desc val=""/>
+  <dgm:catLst>
+    <dgm:cat type="simple" pri="10100"/>
+  </dgm:catLst>
+  <dgm:scene3d>
+    <a:camera prst="orthographicFront"/>
+    <a:lightRig rig="threePt" dir="t"/>
+  </dgm:scene3d>
+  <dgm:styleLbl name="node0">
+    <dgm:scene3d>
+      <a:camera prst="orthographicFront"/>
+      <a:lightRig rig="threePt" dir="t"/>
+    </dgm:scene3d>
+    <dgm:sp3d/>
+    <dgm:txPr/>
+    <dgm:style>
+      <a:lnRef idx="2">
+        <a:scrgbClr r="0" g="0" b="0"/>
+      </a:lnRef>
+      <a:fillRef idx="1">
+        <a:scrgbClr r="0" g="0" b="0"/>
+      </a:fillRef>
+      <a:effectRef idx="0">
+        <a:scrgbClr r="0" g="0" b="0"/>
+      </a:effectRef>
+      <a:fontRef idx="minor">
+        <a:schemeClr val="lt1"/>
+      </a:fontRef>
+    </dgm:style>
+  </dgm:styleLbl>
+  <dgm:styleLbl name="lnNode1">
+    <dgm:scene3d>
+      <a:camera prst="orthographicFront"/>
+      <a:lightRig rig="threePt" dir="t"/>
+    </dgm:scene3d>
+    <dgm:sp3d/>
+    <dgm:txPr/>
+    <dgm:style>
+      <a:lnRef idx="2">
+        <a:scrgbClr r="0" g="0" b="0"/>
+      </a:lnRef>
+      <a:fillRef idx="1">
+        <a:scrgbClr r="0" g="0" b="0"/>
+      </a:fillRef>
+      <a:effectRef idx="0">
+        <a:scrgbClr r="0" g="0" b="0"/>
+      </a:effectRef>
+      <a:fontRef idx="minor">
+        <a:schemeClr val="lt1"/>
+      </a:fontRef>
+    </dgm:style>
+  </dgm:styleLbl>
+  <dgm:styleLbl name="vennNode1">
+    <dgm:scene3d>
+      <a:camera prst="orthographicFront"/>
+      <a:lightRig rig="threePt" dir="t"/>
+    </dgm:scene3d>
+    <dgm:sp3d/>
+    <dgm:txPr/>
+    <dgm:style>
+      <a:lnRef idx="2">
+        <a:scrgbClr r="0" g="0" b="0"/>
+      </a:lnRef>
+      <a:fillRef idx="1">
+        <a:scrgbClr r="0" g="0" b="0"/>
+      </a:fillRef>
+      <a:effectRef idx="0">
+        <a:scrgbClr r="0" g="0" b="0"/>
+      </a:effectRef>
+      <a:fontRef idx="minor">
+        <a:schemeClr val="tx1"/>
+      </a:fontRef>
+    </dgm:style>
+  </dgm:styleLbl>
+  <dgm:styleLbl name="alignNode1">
+    <dgm:scene3d>
+      <a:camera prst="orthographicFront"/>
+      <a:lightRig rig="threePt" dir="t"/>
+    </dgm:scene3d>
+    <dgm:sp3d/>
+    <dgm:txPr/>
+    <dgm:style>
+      <a:lnRef idx="2">
+        <a:scrgbClr r="0" g="0" b="0"/>
+      </a:lnRef>
+      <a:fillRef idx="1">
+        <a:scrgbClr r="0" g="0" b="0"/>
+      </a:fillRef>
+      <a:effectRef idx="0">
+        <a:scrgbClr r="0" g="0" b="0"/>
+      </a:effectRef>
+      <a:fontRef idx="minor">
+        <a:schemeClr val="lt1"/>
+      </a:fontRef>
+    </dgm:style>
+  </dgm:styleLbl>
+  <dgm:styleLbl name="node1">
+    <dgm:scene3d>
+      <a:camera prst="orthographicFront"/>
+      <a:lightRig rig="threePt" dir="t"/>
+    </dgm:scene3d>
+    <dgm:sp3d/>
+    <dgm:txPr/>
+    <dgm:style>
+      <a:lnRef idx="2">
+        <a:scrgbClr r="0" g="0" b="0"/>
+      </a:lnRef>
+      <a:fillRef idx="1">
+        <a:scrgbClr r="0" g="0" b="0"/>
+      </a:fillRef>
+      <a:effectRef idx="0">
+        <a:scrgbClr r="0" g="0" b="0"/>
+      </a:effectRef>
+      <a:fontRef idx="minor">
+        <a:schemeClr val="lt1"/>
+      </a:fontRef>
+    </dgm:style>
+  </dgm:styleLbl>
+  <dgm:styleLbl name="node2">
+    <dgm:scene3d>
+      <a:camera prst="orthographicFront"/>
+      <a:lightRig rig="threePt" dir="t"/>
+    </dgm:scene3d>
+    <dgm:sp3d/>
+    <dgm:txPr/>
+    <dgm:style>
+      <a:lnRef idx="2">
+        <a:scrgbClr r="0" g="0" b="0"/>
+      </a:lnRef>
+      <a:fillRef idx="1">
+        <a:scrgbClr r="0" g="0" b="0"/>
+      </a:fillRef>
+      <a:effectRef idx="0">
+        <a:scrgbClr r="0" g="0" b="0"/>
+      </a:effectRef>
+      <a:fontRef idx="minor">
+        <a:schemeClr val="lt1"/>
+      </a:fontRef>
+    </dgm:style>
+  </dgm:styleLbl>
+  <dgm:styleLbl name="node3">
+    <dgm:scene3d>
+      <a:camera prst="orthographicFront"/>
+      <a:lightRig rig="threePt" dir="t"/>
+    </dgm:scene3d>
+    <dgm:sp3d/>
+    <dgm:txPr/>
+    <dgm:style>
+      <a:lnRef idx="2">
+        <a:scrgbClr r="0" g="0" b="0"/>
+      </a:lnRef>
+      <a:fillRef idx="1">
+        <a:scrgbClr r="0" g="0" b="0"/>
+      </a:fillRef>
+      <a:effectRef idx="0">
+        <a:scrgbClr r="0" g="0" b="0"/>
+      </a:effectRef>
+      <a:fontRef idx="minor">
+        <a:schemeClr val="lt1"/>
+      </a:fontRef>
+    </dgm:style>
+  </dgm:styleLbl>
+  <dgm:styleLbl name="node4">
+    <dgm:scene3d>
+      <a:camera prst="orthographicFront"/>
+      <a:lightRig rig="threePt" dir="t"/>
+    </dgm:scene3d>
+    <dgm:sp3d/>
+    <dgm:txPr/>
+    <dgm:style>
+      <a:lnRef idx="2">
+        <a:scrgbClr r="0" g="0" b="0"/>
+      </a:lnRef>
+      <a:fillRef idx="1">
+        <a:scrgbClr r="0" g="0" b="0"/>
+      </a:fillRef>
+      <a:effectRef idx="0">
+        <a:scrgbClr r="0" g="0" b="0"/>
+      </a:effectRef>
+      <a:fontRef idx="minor">
+        <a:schemeClr val="lt1"/>
+      </a:fontRef>
+    </dgm:style>
+  </dgm:styleLbl>
+  <dgm:styleLbl name="fgImgPlace1">
+    <dgm:scene3d>
+      <a:camera prst="orthographicFront"/>
+      <a:lightRig rig="threePt" dir="t"/>
+    </dgm:scene3d>
+    <dgm:sp3d/>
+    <dgm:txPr/>
+    <dgm:style>
+      <a:lnRef idx="2">
+        <a:scrgbClr r="0" g="0" b="0"/>
+      </a:lnRef>
+      <a:fillRef idx="1">
+        <a:scrgbClr r="0" g="0" b="0"/>
+      </a:fillRef>
+      <a:effectRef idx="0">
+        <a:scrgbClr r="0" g="0" b="0"/>
+      </a:effectRef>
+      <a:fontRef idx="minor"/>
+    </dgm:style>
+  </dgm:styleLbl>
+  <dgm:styleLbl name="alignImgPlace1">
+    <dgm:scene3d>
+      <a:camera prst="orthographicFront"/>
+      <a:lightRig rig="threePt" dir="t"/>
+    </dgm:scene3d>
+    <dgm:sp3d/>
+    <dgm:txPr/>
+    <dgm:style>
+      <a:lnRef idx="2">
+        <a:scrgbClr r="0" g="0" b="0"/>
+      </a:lnRef>
+      <a:fillRef idx="1">
+        <a:scrgbClr r="0" g="0" b="0"/>
+      </a:fillRef>
+      <a:effectRef idx="0">
+        <a:scrgbClr r="0" g="0" b="0"/>
+      </a:effectRef>
+      <a:fontRef idx="minor"/>
+    </dgm:style>
+  </dgm:styleLbl>
+  <dgm:styleLbl name="bgImgPlace1">
+    <dgm:scene3d>
+      <a:camera prst="orthographicFront"/>
+      <a:lightRig rig="threePt" dir="t"/>
+    </dgm:scene3d>
+    <dgm:sp3d/>
+    <dgm:txPr/>
+    <dgm:style>
+      <a:lnRef idx="2">
+        <a:scrgbClr r="0" g="0" b="0"/>
+      </a:lnRef>
+      <a:fillRef idx="1">
+        <a:scrgbClr r="0" g="0" b="0"/>
+      </a:fillRef>
+      <a:effectRef idx="0">
+        <a:scrgbClr r="0" g="0" b="0"/>
+      </a:effectRef>
+      <a:fontRef idx="minor"/>
+    </dgm:style>
+  </dgm:styleLbl>
+  <dgm:styleLbl name="sibTrans2D1">
+    <dgm:scene3d>
+      <a:camera prst="orthographicFront"/>
+      <a:lightRig rig="threePt" dir="t"/>
+    </dgm:scene3d>
+    <dgm:sp3d/>
+    <dgm:txPr/>
+    <dgm:style>
+      <a:lnRef idx="0">
+        <a:scrgbClr r="0" g="0" b="0"/>
+      </a:lnRef>
+      <a:fillRef idx="1">
+        <a:scrgbClr r="0" g="0" b="0"/>
+      </a:fillRef>
+      <a:effectRef idx="0">
+        <a:scrgbClr r="0" g="0" b="0"/>
+      </a:effectRef>
+      <a:fontRef idx="minor">
+        <a:schemeClr val="lt1"/>
+      </a:fontRef>
+    </dgm:style>
+  </dgm:styleLbl>
+  <dgm:styleLbl name="fgSibTrans2D1">
+    <dgm:scene3d>
+      <a:camera prst="orthographicFront"/>
+      <a:lightRig rig="threePt" dir="t"/>
+    </dgm:scene3d>
+    <dgm:sp3d/>
+    <dgm:txPr/>
+    <dgm:style>
+      <a:lnRef idx="0">
+        <a:scrgbClr r="0" g="0" b="0"/>
+      </a:lnRef>
+      <a:fillRef idx="1">
+        <a:scrgbClr r="0" g="0" b="0"/>
+      </a:fillRef>
+      <a:effectRef idx="0">
+        <a:scrgbClr r="0" g="0" b="0"/>
+      </a:effectRef>
+      <a:fontRef idx="minor">
+        <a:schemeClr val="lt1"/>
+      </a:fontRef>
+    </dgm:style>
+  </dgm:styleLbl>
+  <dgm:styleLbl name="bgSibTrans2D1">
+    <dgm:scene3d>
+      <a:camera prst="orthographicFront"/>
+      <a:lightRig rig="threePt" dir="t"/>
+    </dgm:scene3d>
+    <dgm:sp3d/>
+    <dgm:txPr/>
+    <dgm:style>
+      <a:lnRef idx="0">
+        <a:scrgbClr r="0" g="0" b="0"/>
+      </a:lnRef>
+      <a:fillRef idx="1">
+        <a:scrgbClr r="0" g="0" b="0"/>
+      </a:fillRef>
+      <a:effectRef idx="0">
+        <a:scrgbClr r="0" g="0" b="0"/>
+      </a:effectRef>
+      <a:fontRef idx="minor">
+        <a:schemeClr val="lt1"/>
+      </a:fontRef>
+    </dgm:style>
+  </dgm:styleLbl>
+  <dgm:styleLbl name="sibTrans1D1">
+    <dgm:scene3d>
+      <a:camera prst="orthographicFront"/>
+      <a:lightRig rig="threePt" dir="t"/>
+    </dgm:scene3d>
+    <dgm:sp3d/>
+    <dgm:txPr/>
+    <dgm:style>
+      <a:lnRef idx="1">
+        <a:scrgbClr r="0" g="0" b="0"/>
+      </a:lnRef>
+      <a:fillRef idx="0">
+        <a:scrgbClr r="0" g="0" b="0"/>
+      </a:fillRef>
+      <a:effectRef idx="0">
+        <a:scrgbClr r="0" g="0" b="0"/>
+      </a:effectRef>
+      <a:fontRef idx="minor"/>
+    </dgm:style>
+  </dgm:styleLbl>
+  <dgm:styleLbl name="callout">
+    <dgm:scene3d>
+      <a:camera prst="orthographicFront"/>
+      <a:lightRig rig="threePt" dir="t"/>
+    </dgm:scene3d>
+    <dgm:sp3d/>
+    <dgm:txPr/>
+    <dgm:style>
+      <a:lnRef idx="2">
+        <a:scrgbClr r="0" g="0" b="0"/>
+      </a:lnRef>
+      <a:fillRef idx="1">
+        <a:scrgbClr r="0" g="0" b="0"/>
+      </a:fillRef>
+      <a:effectRef idx="0">
+        <a:scrgbClr r="0" g="0" b="0"/>
+      </a:effectRef>
+      <a:fontRef idx="minor"/>
+    </dgm:style>
+  </dgm:styleLbl>
+  <dgm:styleLbl name="asst0">
+    <dgm:scene3d>
+      <a:camera prst="orthographicFront"/>
+      <a:lightRig rig="threePt" dir="t"/>
+    </dgm:scene3d>
+    <dgm:sp3d/>
+    <dgm:txPr/>
+    <dgm:style>
+      <a:lnRef idx="2">
+        <a:scrgbClr r="0" g="0" b="0"/>
+      </a:lnRef>
+      <a:fillRef idx="1">
+        <a:scrgbClr r="0" g="0" b="0"/>
+      </a:fillRef>
+      <a:effectRef idx="0">
+        <a:scrgbClr r="0" g="0" b="0"/>
+      </a:effectRef>
+      <a:fontRef idx="minor">
+        <a:schemeClr val="lt1"/>
+      </a:fontRef>
+    </dgm:style>
+  </dgm:styleLbl>
+  <dgm:styleLbl name="asst1">
+    <dgm:scene3d>
+      <a:camera prst="orthographicFront"/>
+      <a:lightRig rig="threePt" dir="t"/>
+    </dgm:scene3d>
+    <dgm:sp3d/>
+    <dgm:txPr/>
+    <dgm:style>
+      <a:lnRef idx="2">
+        <a:scrgbClr r="0" g="0" b="0"/>
+      </a:lnRef>
+      <a:fillRef idx="1">
+        <a:scrgbClr r="0" g="0" b="0"/>
+      </a:fillRef>
+      <a:effectRef idx="0">
+        <a:scrgbClr r="0" g="0" b="0"/>
+      </a:effectRef>
+      <a:fontRef idx="minor">
+        <a:schemeClr val="lt1"/>
+      </a:fontRef>
+    </dgm:style>
+  </dgm:styleLbl>
+  <dgm:styleLbl name="asst2">
+    <dgm:scene3d>
+      <a:camera prst="orthographicFront"/>
+      <a:lightRig rig="threePt" dir="t"/>
+    </dgm:scene3d>
+    <dgm:sp3d/>
+    <dgm:txPr/>
+    <dgm:style>
+      <a:lnRef idx="2">
+        <a:scrgbClr r="0" g="0" b="0"/>
+      </a:lnRef>
+      <a:fillRef idx="1">
+        <a:scrgbClr r="0" g="0" b="0"/>
+      </a:fillRef>
+      <a:effectRef idx="0">
+        <a:scrgbClr r="0" g="0" b="0"/>
+      </a:effectRef>
+      <a:fontRef idx="minor">
+        <a:schemeClr val="lt1"/>
+      </a:fontRef>
+    </dgm:style>
+  </dgm:styleLbl>
+  <dgm:styleLbl name="asst3">
+    <dgm:scene3d>
+      <a:camera prst="orthographicFront"/>
+      <a:lightRig rig="threePt" dir="t"/>
+    </dgm:scene3d>
+    <dgm:sp3d/>
+    <dgm:txPr/>
+    <dgm:style>
+      <a:lnRef idx="2">
+        <a:scrgbClr r="0" g="0" b="0"/>
+      </a:lnRef>
+      <a:fillRef idx="1">
+        <a:scrgbClr r="0" g="0" b="0"/>
+      </a:fillRef>
+      <a:effectRef idx="0">
+        <a:scrgbClr r="0" g="0" b="0"/>
+      </a:effectRef>
+      <a:fontRef idx="minor">
+        <a:schemeClr val="lt1"/>
+      </a:fontRef>
+    </dgm:style>
+  </dgm:styleLbl>
+  <dgm:styleLbl name="asst4">
+    <dgm:scene3d>
+      <a:camera prst="orthographicFront"/>
+      <a:lightRig rig="threePt" dir="t"/>
+    </dgm:scene3d>
+    <dgm:sp3d/>
+    <dgm:txPr/>
+    <dgm:style>
+      <a:lnRef idx="2">
+        <a:scrgbClr r="0" g="0" b="0"/>
+      </a:lnRef>
+      <a:fillRef idx="1">
+        <a:scrgbClr r="0" g="0" b="0"/>
+      </a:fillRef>
+      <a:effectRef idx="0">
+        <a:scrgbClr r="0" g="0" b="0"/>
+      </a:effectRef>
+      <a:fontRef idx="minor">
+        <a:schemeClr val="lt1"/>
+      </a:fontRef>
+    </dgm:style>
+  </dgm:styleLbl>
+  <dgm:styleLbl name="parChTrans2D1">
+    <dgm:scene3d>
+      <a:camera prst="orthographicFront"/>
+      <a:lightRig rig="threePt" dir="t"/>
+    </dgm:scene3d>
+    <dgm:sp3d/>
+    <dgm:txPr/>
+    <dgm:style>
+      <a:lnRef idx="2">
+        <a:scrgbClr r="0" g="0" b="0"/>
+      </a:lnRef>
+      <a:fillRef idx="1">
+        <a:scrgbClr r="0" g="0" b="0"/>
+      </a:fillRef>
+      <a:effectRef idx="0">
+        <a:scrgbClr r="0" g="0" b="0"/>
+      </a:effectRef>
+      <a:fontRef idx="minor">
+        <a:schemeClr val="lt1"/>
+      </a:fontRef>
+    </dgm:style>
+  </dgm:styleLbl>
+  <dgm:styleLbl name="parChTrans2D2">
+    <dgm:scene3d>
+      <a:camera prst="orthographicFront"/>
+      <a:lightRig rig="threePt" dir="t"/>
+    </dgm:scene3d>
+    <dgm:sp3d/>
+    <dgm:txPr/>
+    <dgm:style>
+      <a:lnRef idx="2">
+        <a:scrgbClr r="0" g="0" b="0"/>
+      </a:lnRef>
+      <a:fillRef idx="1">
+        <a:scrgbClr r="0" g="0" b="0"/>
+      </a:fillRef>
+      <a:effectRef idx="0">
+        <a:scrgbClr r="0" g="0" b="0"/>
+      </a:effectRef>
+      <a:fontRef idx="minor">
+        <a:schemeClr val="lt1"/>
+      </a:fontRef>
+    </dgm:style>
+  </dgm:styleLbl>
+  <dgm:styleLbl name="parChTrans2D3">
+    <dgm:scene3d>
+      <a:camera prst="orthographicFront"/>
+      <a:lightRig rig="threePt" dir="t"/>
+    </dgm:scene3d>
+    <dgm:sp3d/>
+    <dgm:txPr/>
+    <dgm:style>
+      <a:lnRef idx="2">
+        <a:scrgbClr r="0" g="0" b="0"/>
+      </a:lnRef>
+      <a:fillRef idx="1">
+        <a:scrgbClr r="0" g="0" b="0"/>
+      </a:fillRef>
+      <a:effectRef idx="0">
+        <a:scrgbClr r="0" g="0" b="0"/>
+      </a:effectRef>
+      <a:fontRef idx="minor">
+        <a:schemeClr val="lt1"/>
+      </a:fontRef>
+    </dgm:style>
+  </dgm:styleLbl>
+  <dgm:styleLbl name="parChTrans2D4">
+    <dgm:scene3d>
+      <a:camera prst="orthographicFront"/>
+      <a:lightRig rig="threePt" dir="t"/>
+    </dgm:scene3d>
+    <dgm:sp3d/>
+    <dgm:txPr/>
+    <dgm:style>
+      <a:lnRef idx="2">
+        <a:scrgbClr r="0" g="0" b="0"/>
+      </a:lnRef>
+      <a:fillRef idx="1">
+        <a:scrgbClr r="0" g="0" b="0"/>
+      </a:fillRef>
+      <a:effectRef idx="0">
+        <a:scrgbClr r="0" g="0" b="0"/>
+      </a:effectRef>
+      <a:fontRef idx="minor">
+        <a:schemeClr val="lt1"/>
+      </a:fontRef>
+    </dgm:style>
+  </dgm:styleLbl>
+  <dgm:styleLbl name="parChTrans1D1">
+    <dgm:scene3d>
+      <a:camera prst="orthographicFront"/>
+      <a:lightRig rig="threePt" dir="t"/>
+    </dgm:scene3d>
+    <dgm:sp3d/>
+    <dgm:txPr/>
+    <dgm:style>
+      <a:lnRef idx="2">
+        <a:scrgbClr r="0" g="0" b="0"/>
+      </a:lnRef>
+      <a:fillRef idx="0">
+        <a:scrgbClr r="0" g="0" b="0"/>
+      </a:fillRef>
+      <a:effectRef idx="0">
+        <a:scrgbClr r="0" g="0" b="0"/>
+      </a:effectRef>
+      <a:fontRef idx="minor"/>
+    </dgm:style>
+  </dgm:styleLbl>
+  <dgm:styleLbl name="parChTrans1D2">
+    <dgm:scene3d>
+      <a:camera prst="orthographicFront"/>
+      <a:lightRig rig="threePt" dir="t"/>
+    </dgm:scene3d>
+    <dgm:sp3d/>
+    <dgm:txPr/>
+    <dgm:style>
+      <a:lnRef idx="2">
+        <a:scrgbClr r="0" g="0" b="0"/>
+      </a:lnRef>
+      <a:fillRef idx="0">
+        <a:scrgbClr r="0" g="0" b="0"/>
+      </a:fillRef>
+      <a:effectRef idx="0">
+        <a:scrgbClr r="0" g="0" b="0"/>
+      </a:effectRef>
+      <a:fontRef idx="minor"/>
+    </dgm:style>
+  </dgm:styleLbl>
+  <dgm:styleLbl name="parChTrans1D3">
+    <dgm:scene3d>
+      <a:camera prst="orthographicFront"/>
+      <a:lightRig rig="threePt" dir="t"/>
+    </dgm:scene3d>
+    <dgm:sp3d/>
+    <dgm:txPr/>
+    <dgm:style>
+      <a:lnRef idx="2">
+        <a:scrgbClr r="0" g="0" b="0"/>
+      </a:lnRef>
+      <a:fillRef idx="0">
+        <a:scrgbClr r="0" g="0" b="0"/>
+      </a:fillRef>
+      <a:effectRef idx="0">
+        <a:scrgbClr r="0" g="0" b="0"/>
+      </a:effectRef>
+      <a:fontRef idx="minor"/>
+    </dgm:style>
+  </dgm:styleLbl>
+  <dgm:styleLbl name="parChTrans1D4">
+    <dgm:scene3d>
+      <a:camera prst="orthographicFront"/>
+      <a:lightRig rig="threePt" dir="t"/>
+    </dgm:scene3d>
+    <dgm:sp3d/>
+    <dgm:txPr/>
+    <dgm:style>
+      <a:lnRef idx="2">
+        <a:scrgbClr r="0" g="0" b="0"/>
+      </a:lnRef>
+      <a:fillRef idx="0">
+        <a:scrgbClr r="0" g="0" b="0"/>
+      </a:fillRef>
+      <a:effectRef idx="0">
+        <a:scrgbClr r="0" g="0" b="0"/>
+      </a:effectRef>
+      <a:fontRef idx="minor"/>
+    </dgm:style>
+  </dgm:styleLbl>
+  <dgm:styleLbl name="fgAcc1">
+    <dgm:scene3d>
+      <a:camera prst="orthographicFront"/>
+      <a:lightRig rig="threePt" dir="t"/>
+    </dgm:scene3d>
+    <dgm:sp3d/>
+    <dgm:txPr/>
+    <dgm:style>
+      <a:lnRef idx="2">
+        <a:scrgbClr r="0" g="0" b="0"/>
+      </a:lnRef>
+      <a:fillRef idx="1">
+        <a:scrgbClr r="0" g="0" b="0"/>
+      </a:fillRef>
+      <a:effectRef idx="0">
+        <a:scrgbClr r="0" g="0" b="0"/>
+      </a:effectRef>
+      <a:fontRef idx="minor"/>
+    </dgm:style>
+  </dgm:styleLbl>
+  <dgm:styleLbl name="conFgAcc1">
+    <dgm:scene3d>
+      <a:camera prst="orthographicFront"/>
+      <a:lightRig rig="threePt" dir="t"/>
+    </dgm:scene3d>
+    <dgm:sp3d/>
+    <dgm:txPr/>
+    <dgm:style>
+      <a:lnRef idx="2">
+        <a:scrgbClr r="0" g="0" b="0"/>
+      </a:lnRef>
+      <a:fillRef idx="1">
+        <a:scrgbClr r="0" g="0" b="0"/>
+      </a:fillRef>
+      <a:effectRef idx="0">
+        <a:scrgbClr r="0" g="0" b="0"/>
+      </a:effectRef>
+      <a:fontRef idx="minor"/>
+    </dgm:style>
+  </dgm:styleLbl>
+  <dgm:styleLbl name="alignAcc1">
+    <dgm:scene3d>
+      <a:camera prst="orthographicFront"/>
+      <a:lightRig rig="threePt" dir="t"/>
+    </dgm:scene3d>
+    <dgm:sp3d/>
+    <dgm:txPr/>
+    <dgm:style>
+      <a:lnRef idx="2">
+        <a:scrgbClr r="0" g="0" b="0"/>
+      </a:lnRef>
+      <a:fillRef idx="1">
+        <a:scrgbClr r="0" g="0" b="0"/>
+      </a:fillRef>
+      <a:effectRef idx="0">
+        <a:scrgbClr r="0" g="0" b="0"/>
+      </a:effectRef>
+      <a:fontRef idx="minor"/>
+    </dgm:style>
+  </dgm:styleLbl>
+  <dgm:styleLbl name="trAlignAcc1">
+    <dgm:scene3d>
+      <a:camera prst="orthographicFront"/>
+      <a:lightRig rig="threePt" dir="t"/>
+    </dgm:scene3d>
+    <dgm:sp3d/>
+    <dgm:txPr/>
+    <dgm:style>
+      <a:lnRef idx="1">
+        <a:scrgbClr r="0" g="0" b="0"/>
+      </a:lnRef>
+      <a:fillRef idx="1">
+        <a:scrgbClr r="0" g="0" b="0"/>
+      </a:fillRef>
+      <a:effectRef idx="0">
+        <a:scrgbClr r="0" g="0" b="0"/>
+      </a:effectRef>
+      <a:fontRef idx="minor"/>
+    </dgm:style>
+  </dgm:styleLbl>
+  <dgm:styleLbl name="bgAcc1">
+    <dgm:scene3d>
+      <a:camera prst="orthographicFront"/>
+      <a:lightRig rig="threePt" dir="t"/>
+    </dgm:scene3d>
+    <dgm:sp3d/>
+    <dgm:txPr/>
+    <dgm:style>
+      <a:lnRef idx="2">
+        <a:scrgbClr r="0" g="0" b="0"/>
+      </a:lnRef>
+      <a:fillRef idx="1">
+        <a:scrgbClr r="0" g="0" b="0"/>
+      </a:fillRef>
+      <a:effectRef idx="0">
+        <a:scrgbClr r="0" g="0" b="0"/>
+      </a:effectRef>
+      <a:fontRef idx="minor"/>
+    </dgm:style>
+  </dgm:styleLbl>
+  <dgm:styleLbl name="solidFgAcc1">
+    <dgm:scene3d>
+      <a:camera prst="orthographicFront"/>
+      <a:lightRig rig="threePt" dir="t"/>
+    </dgm:scene3d>
+    <dgm:sp3d/>
+    <dgm:txPr/>
+    <dgm:style>
+      <a:lnRef idx="2">
+        <a:scrgbClr r="0" g="0" b="0"/>
+      </a:lnRef>
+      <a:fillRef idx="1">
+        <a:scrgbClr r="0" g="0" b="0"/>
+      </a:fillRef>
+      <a:effectRef idx="0">
+        <a:scrgbClr r="0" g="0" b="0"/>
+      </a:effectRef>
+      <a:fontRef idx="minor"/>
+    </dgm:style>
+  </dgm:styleLbl>
+  <dgm:styleLbl name="solidAlignAcc1">
+    <dgm:scene3d>
+      <a:camera prst="orthographicFront"/>
+      <a:lightRig rig="threePt" dir="t"/>
+    </dgm:scene3d>
+    <dgm:sp3d/>
+    <dgm:txPr/>
+    <dgm:style>
+      <a:lnRef idx="2">
+        <a:scrgbClr r="0" g="0" b="0"/>
+      </a:lnRef>
+      <a:fillRef idx="1">
+        <a:scrgbClr r="0" g="0" b="0"/>
+      </a:fillRef>
+      <a:effectRef idx="0">
+        <a:scrgbClr r="0" g="0" b="0"/>
+      </a:effectRef>
+      <a:fontRef idx="minor"/>
+    </dgm:style>
+  </dgm:styleLbl>
+  <dgm:styleLbl name="solidBgAcc1">
+    <dgm:scene3d>
+      <a:camera prst="orthographicFront"/>
+      <a:lightRig rig="threePt" dir="t"/>
+    </dgm:scene3d>
+    <dgm:sp3d/>
+    <dgm:txPr/>
+    <dgm:style>
+      <a:lnRef idx="2">
+        <a:scrgbClr r="0" g="0" b="0"/>
+      </a:lnRef>
+      <a:fillRef idx="1">
+        <a:scrgbClr r="0" g="0" b="0"/>
+      </a:fillRef>
+      <a:effectRef idx="0">
+        <a:scrgbClr r="0" g="0" b="0"/>
+      </a:effectRef>
+      <a:fontRef idx="minor"/>
+    </dgm:style>
+  </dgm:styleLbl>
+  <dgm:styleLbl name="fgAccFollowNode1">
+    <dgm:scene3d>
+      <a:camera prst="orthographicFront"/>
+      <a:lightRig rig="threePt" dir="t"/>
+    </dgm:scene3d>
+    <dgm:sp3d/>
+    <dgm:txPr/>
+    <dgm:style>
+      <a:lnRef idx="2">
+        <a:scrgbClr r="0" g="0" b="0"/>
+      </a:lnRef>
+      <a:fillRef idx="1">
+        <a:scrgbClr r="0" g="0" b="0"/>
+      </a:fillRef>
+      <a:effectRef idx="0">
+        <a:scrgbClr r="0" g="0" b="0"/>
+      </a:effectRef>
+      <a:fontRef idx="minor"/>
+    </dgm:style>
+  </dgm:styleLbl>
+  <dgm:styleLbl name="alignAccFollowNode1">
+    <dgm:scene3d>
+      <a:camera prst="orthographicFront"/>
+      <a:lightRig rig="threePt" dir="t"/>
+    </dgm:scene3d>
+    <dgm:sp3d/>
+    <dgm:txPr/>
+    <dgm:style>
+      <a:lnRef idx="2">
+        <a:scrgbClr r="0" g="0" b="0"/>
+      </a:lnRef>
+      <a:fillRef idx="1">
+        <a:scrgbClr r="0" g="0" b="0"/>
+      </a:fillRef>
+      <a:effectRef idx="0">
+        <a:scrgbClr r="0" g="0" b="0"/>
+      </a:effectRef>
+      <a:fontRef idx="minor"/>
+    </dgm:style>
+  </dgm:styleLbl>
+  <dgm:styleLbl name="bgAccFollowNode1">
+    <dgm:scene3d>
+      <a:camera prst="orthographicFront"/>
+      <a:lightRig rig="threePt" dir="t"/>
+    </dgm:scene3d>
+    <dgm:sp3d/>
+    <dgm:txPr/>
+    <dgm:style>
+      <a:lnRef idx="2">
+        <a:scrgbClr r="0" g="0" b="0"/>
+      </a:lnRef>
+      <a:fillRef idx="1">
+        <a:scrgbClr r="0" g="0" b="0"/>
+      </a:fillRef>
+      <a:effectRef idx="0">
+        <a:scrgbClr r="0" g="0" b="0"/>
+      </a:effectRef>
+      <a:fontRef idx="minor"/>
+    </dgm:style>
+  </dgm:styleLbl>
+  <dgm:styleLbl name="fgAcc0">
+    <dgm:scene3d>
+      <a:camera prst="orthographicFront"/>
+      <a:lightRig rig="threePt" dir="t"/>
+    </dgm:scene3d>
+    <dgm:sp3d/>
+    <dgm:txPr/>
+    <dgm:style>
+      <a:lnRef idx="2">
+        <a:scrgbClr r="0" g="0" b="0"/>
+      </a:lnRef>
+      <a:fillRef idx="1">
+        <a:scrgbClr r="0" g="0" b="0"/>
+      </a:fillRef>
+      <a:effectRef idx="0">
+        <a:scrgbClr r="0" g="0" b="0"/>
+      </a:effectRef>
+      <a:fontRef idx="minor"/>
+    </dgm:style>
+  </dgm:styleLbl>
+  <dgm:styleLbl name="fgAcc2">
+    <dgm:scene3d>
+      <a:camera prst="orthographicFront"/>
+      <a:lightRig rig="threePt" dir="t"/>
+    </dgm:scene3d>
+    <dgm:sp3d/>
+    <dgm:txPr/>
+    <dgm:style>
+      <a:lnRef idx="2">
+        <a:scrgbClr r="0" g="0" b="0"/>
+      </a:lnRef>
+      <a:fillRef idx="1">
+        <a:scrgbClr r="0" g="0" b="0"/>
+      </a:fillRef>
+      <a:effectRef idx="0">
+        <a:scrgbClr r="0" g="0" b="0"/>
+      </a:effectRef>
+      <a:fontRef idx="minor"/>
+    </dgm:style>
+  </dgm:styleLbl>
+  <dgm:styleLbl name="fgAcc3">
+    <dgm:scene3d>
+      <a:camera prst="orthographicFront"/>
+      <a:lightRig rig="threePt" dir="t"/>
+    </dgm:scene3d>
+    <dgm:sp3d/>
+    <dgm:txPr/>
+    <dgm:style>
+      <a:lnRef idx="2">
+        <a:scrgbClr r="0" g="0" b="0"/>
+      </a:lnRef>
+      <a:fillRef idx="1">
+        <a:scrgbClr r="0" g="0" b="0"/>
+      </a:fillRef>
+      <a:effectRef idx="0">
+        <a:scrgbClr r="0" g="0" b="0"/>
+      </a:effectRef>
+      <a:fontRef idx="minor"/>
+    </dgm:style>
+  </dgm:styleLbl>
+  <dgm:styleLbl name="fgAcc4">
+    <dgm:scene3d>
+      <a:camera prst="orthographicFront"/>
+      <a:lightRig rig="threePt" dir="t"/>
+    </dgm:scene3d>
+    <dgm:sp3d/>
+    <dgm:txPr/>
+    <dgm:style>
+      <a:lnRef idx="2">
+        <a:scrgbClr r="0" g="0" b="0"/>
+      </a:lnRef>
+      <a:fillRef idx="1">
+        <a:scrgbClr r="0" g="0" b="0"/>
+      </a:fillRef>
+      <a:effectRef idx="0">
+        <a:scrgbClr r="0" g="0" b="0"/>
+      </a:effectRef>
+      <a:fontRef idx="minor"/>
+    </dgm:style>
+  </dgm:styleLbl>
+  <dgm:styleLbl name="bgShp">
+    <dgm:scene3d>
+      <a:camera prst="orthographicFront"/>
+      <a:lightRig rig="threePt" dir="t"/>
+    </dgm:scene3d>
+    <dgm:sp3d/>
+    <dgm:txPr/>
+    <dgm:style>
+      <a:lnRef idx="0">
+        <a:scrgbClr r="0" g="0" b="0"/>
+      </a:lnRef>
+      <a:fillRef idx="1">
+        <a:scrgbClr r="0" g="0" b="0"/>
+      </a:fillRef>
+      <a:effectRef idx="0">
+        <a:scrgbClr r="0" g="0" b="0"/>
+      </a:effectRef>
+      <a:fontRef idx="minor"/>
+    </dgm:style>
+  </dgm:styleLbl>
+  <dgm:styleLbl name="dkBgShp">
+    <dgm:scene3d>
+      <a:camera prst="orthographicFront"/>
+      <a:lightRig rig="threePt" dir="t"/>
+    </dgm:scene3d>
+    <dgm:sp3d/>
+    <dgm:txPr/>
+    <dgm:style>
+      <a:lnRef idx="0">
+        <a:scrgbClr r="0" g="0" b="0"/>
+      </a:lnRef>
+      <a:fillRef idx="1">
+        <a:scrgbClr r="0" g="0" b="0"/>
+      </a:fillRef>
+      <a:effectRef idx="0">
+        <a:scrgbClr r="0" g="0" b="0"/>
+      </a:effectRef>
+      <a:fontRef idx="minor"/>
+    </dgm:style>
+  </dgm:styleLbl>
+  <dgm:styleLbl name="trBgShp">
+    <dgm:scene3d>
+      <a:camera prst="orthographicFront"/>
+      <a:lightRig rig="threePt" dir="t"/>
+    </dgm:scene3d>
+    <dgm:sp3d/>
+    <dgm:txPr/>
+    <dgm:style>
+      <a:lnRef idx="0">
+        <a:scrgbClr r="0" g="0" b="0"/>
+      </a:lnRef>
+      <a:fillRef idx="1">
+        <a:scrgbClr r="0" g="0" b="0"/>
+      </a:fillRef>
+      <a:effectRef idx="0">
+        <a:scrgbClr r="0" g="0" b="0"/>
+      </a:effectRef>
+      <a:fontRef idx="minor"/>
+    </dgm:style>
+  </dgm:styleLbl>
+  <dgm:styleLbl name="fgShp">
+    <dgm:scene3d>
+      <a:camera prst="orthographicFront"/>
+      <a:lightRig rig="threePt" dir="t"/>
+    </dgm:scene3d>
+    <dgm:sp3d/>
+    <dgm:txPr/>
+    <dgm:style>
+      <a:lnRef idx="2">
+        <a:scrgbClr r="0" g="0" b="0"/>
+      </a:lnRef>
+      <a:fillRef idx="1">
+        <a:scrgbClr r="0" g="0" b="0"/>
+      </a:fillRef>
+      <a:effectRef idx="0">
+        <a:scrgbClr r="0" g="0" b="0"/>
+      </a:effectRef>
+      <a:fontRef idx="minor"/>
+    </dgm:style>
+  </dgm:styleLbl>
+  <dgm:styleLbl name="revTx">
+    <dgm:scene3d>
+      <a:camera prst="orthographicFront"/>
+      <a:lightRig rig="threePt" dir="t"/>
+    </dgm:scene3d>
+    <dgm:sp3d/>
+    <dgm:txPr/>
+    <dgm:style>
+      <a:lnRef idx="0">
+        <a:scrgbClr r="0" g="0" b="0"/>
+      </a:lnRef>
+      <a:fillRef idx="0">
+        <a:scrgbClr r="0" g="0" b="0"/>
+      </a:fillRef>
+      <a:effectRef idx="0">
+        <a:scrgbClr r="0" g="0" b="0"/>
+      </a:effectRef>
+      <a:fontRef idx="minor"/>
+    </dgm:style>
+  </dgm:styleLbl>
+</dgm:styleDef>
 </file>
 
 <file path=ppt/slideLayouts/slideLayout1.xml><?xml version="1.0" encoding="utf-8"?>
@@ -13287,6 +16334,14 @@
 <file path=ppt/slides/slide10.xml><?xml version="1.0" encoding="utf-8"?>
 <p:sld xmlns:a="http://schemas.openxmlformats.org/drawingml/2006/main" xmlns:r="http://schemas.openxmlformats.org/officeDocument/2006/relationships" xmlns:p="http://schemas.openxmlformats.org/presentationml/2006/main">
   <p:cSld>
+    <p:bg>
+      <p:bgPr>
+        <a:solidFill>
+          <a:schemeClr val="bg1"/>
+        </a:solidFill>
+        <a:effectLst/>
+      </p:bgPr>
+    </p:bg>
     <p:spTree>
       <p:nvGrpSpPr>
         <p:cNvPr id="1" name=""/>
@@ -13303,6 +16358,1345 @@
       </p:grpSpPr>
       <p:sp>
         <p:nvSpPr>
+          <p:cNvPr id="10" name="Rectangle 9">
+            <a:extLst>
+              <a:ext uri="{FF2B5EF4-FFF2-40B4-BE49-F238E27FC236}">
+                <a16:creationId xmlns:a16="http://schemas.microsoft.com/office/drawing/2014/main" id="{72C6E0B7-C37D-4D54-8F3E-8D9F9097F676}"/>
+              </a:ext>
+              <a:ext uri="{C183D7F6-B498-43B3-948B-1728B52AA6E4}">
+                <adec:decorative xmlns:adec="http://schemas.microsoft.com/office/drawing/2017/decorative" val="1"/>
+              </a:ext>
+            </a:extLst>
+          </p:cNvPr>
+          <p:cNvSpPr>
+            <a:spLocks noGrp="1" noRot="1" noChangeAspect="1" noMove="1" noResize="1" noEditPoints="1" noAdjustHandles="1" noChangeArrowheads="1" noChangeShapeType="1" noTextEdit="1"/>
+          </p:cNvSpPr>
+          <p:nvPr>
+            <p:extLst>
+              <p:ext uri="{386F3935-93C4-4BCD-93E2-E3B085C9AB24}">
+                <p16:designElem xmlns:p16="http://schemas.microsoft.com/office/powerpoint/2015/main" val="1"/>
+              </p:ext>
+            </p:extLst>
+          </p:nvPr>
+        </p:nvSpPr>
+        <p:spPr>
+          <a:xfrm>
+            <a:off x="0" y="0"/>
+            <a:ext cx="12192000" cy="6858000"/>
+          </a:xfrm>
+          <a:prstGeom prst="rect">
+            <a:avLst/>
+          </a:prstGeom>
+          <a:ln>
+            <a:noFill/>
+          </a:ln>
+        </p:spPr>
+        <p:style>
+          <a:lnRef idx="2">
+            <a:schemeClr val="accent1">
+              <a:shade val="50000"/>
+            </a:schemeClr>
+          </a:lnRef>
+          <a:fillRef idx="1003">
+            <a:schemeClr val="dk2"/>
+          </a:fillRef>
+          <a:effectRef idx="0">
+            <a:schemeClr val="accent1"/>
+          </a:effectRef>
+          <a:fontRef idx="minor">
+            <a:schemeClr val="lt1"/>
+          </a:fontRef>
+        </p:style>
+      </p:sp>
+      <p:sp>
+        <p:nvSpPr>
+          <p:cNvPr id="12" name="Freeform: Shape 11">
+            <a:extLst>
+              <a:ext uri="{FF2B5EF4-FFF2-40B4-BE49-F238E27FC236}">
+                <a16:creationId xmlns:a16="http://schemas.microsoft.com/office/drawing/2014/main" id="{B7B653ED-BC47-4D34-B612-473D6AFAD041}"/>
+              </a:ext>
+              <a:ext uri="{C183D7F6-B498-43B3-948B-1728B52AA6E4}">
+                <adec:decorative xmlns:adec="http://schemas.microsoft.com/office/drawing/2017/decorative" val="1"/>
+              </a:ext>
+            </a:extLst>
+          </p:cNvPr>
+          <p:cNvSpPr>
+            <a:spLocks noGrp="1" noRot="1" noChangeAspect="1" noMove="1" noResize="1" noEditPoints="1" noAdjustHandles="1" noChangeArrowheads="1" noChangeShapeType="1" noTextEdit="1"/>
+          </p:cNvSpPr>
+          <p:nvPr>
+            <p:extLst>
+              <p:ext uri="{386F3935-93C4-4BCD-93E2-E3B085C9AB24}">
+                <p16:designElem xmlns:p16="http://schemas.microsoft.com/office/powerpoint/2015/main" val="1"/>
+              </p:ext>
+            </p:extLst>
+          </p:nvPr>
+        </p:nvSpPr>
+        <p:spPr bwMode="gray">
+          <a:xfrm rot="16200000">
+            <a:off x="6290102" y="977273"/>
+            <a:ext cx="6053670" cy="4903455"/>
+          </a:xfrm>
+          <a:custGeom>
+            <a:avLst/>
+            <a:gdLst>
+              <a:gd name="connsiteX0" fmla="*/ 6053670 w 6053670"/>
+              <a:gd name="connsiteY0" fmla="*/ 1098 h 4903455"/>
+              <a:gd name="connsiteX1" fmla="*/ 6053670 w 6053670"/>
+              <a:gd name="connsiteY1" fmla="*/ 424590 h 4903455"/>
+              <a:gd name="connsiteX2" fmla="*/ 6053670 w 6053670"/>
+              <a:gd name="connsiteY2" fmla="*/ 1254558 h 4903455"/>
+              <a:gd name="connsiteX3" fmla="*/ 6053670 w 6053670"/>
+              <a:gd name="connsiteY3" fmla="*/ 4903455 h 4903455"/>
+              <a:gd name="connsiteX4" fmla="*/ 0 w 6053670"/>
+              <a:gd name="connsiteY4" fmla="*/ 4903455 h 4903455"/>
+              <a:gd name="connsiteX5" fmla="*/ 0 w 6053670"/>
+              <a:gd name="connsiteY5" fmla="*/ 1249853 h 4903455"/>
+              <a:gd name="connsiteX6" fmla="*/ 0 w 6053670"/>
+              <a:gd name="connsiteY6" fmla="*/ 424590 h 4903455"/>
+              <a:gd name="connsiteX7" fmla="*/ 0 w 6053670"/>
+              <a:gd name="connsiteY7" fmla="*/ 0 h 4903455"/>
+              <a:gd name="connsiteX8" fmla="*/ 35717 w 6053670"/>
+              <a:gd name="connsiteY8" fmla="*/ 5488 h 4903455"/>
+              <a:gd name="connsiteX9" fmla="*/ 140445 w 6053670"/>
+              <a:gd name="connsiteY9" fmla="*/ 21641 h 4903455"/>
+              <a:gd name="connsiteX10" fmla="*/ 216722 w 6053670"/>
+              <a:gd name="connsiteY10" fmla="*/ 32932 h 4903455"/>
+              <a:gd name="connsiteX11" fmla="*/ 307527 w 6053670"/>
+              <a:gd name="connsiteY11" fmla="*/ 44850 h 4903455"/>
+              <a:gd name="connsiteX12" fmla="*/ 415282 w 6053670"/>
+              <a:gd name="connsiteY12" fmla="*/ 59121 h 4903455"/>
+              <a:gd name="connsiteX13" fmla="*/ 534539 w 6053670"/>
+              <a:gd name="connsiteY13" fmla="*/ 74175 h 4903455"/>
+              <a:gd name="connsiteX14" fmla="*/ 668931 w 6053670"/>
+              <a:gd name="connsiteY14" fmla="*/ 90014 h 4903455"/>
+              <a:gd name="connsiteX15" fmla="*/ 815430 w 6053670"/>
+              <a:gd name="connsiteY15" fmla="*/ 106794 h 4903455"/>
+              <a:gd name="connsiteX16" fmla="*/ 974641 w 6053670"/>
+              <a:gd name="connsiteY16" fmla="*/ 123574 h 4903455"/>
+              <a:gd name="connsiteX17" fmla="*/ 1144144 w 6053670"/>
+              <a:gd name="connsiteY17" fmla="*/ 140667 h 4903455"/>
+              <a:gd name="connsiteX18" fmla="*/ 1326965 w 6053670"/>
+              <a:gd name="connsiteY18" fmla="*/ 156506 h 4903455"/>
+              <a:gd name="connsiteX19" fmla="*/ 1518261 w 6053670"/>
+              <a:gd name="connsiteY19" fmla="*/ 171717 h 4903455"/>
+              <a:gd name="connsiteX20" fmla="*/ 1720453 w 6053670"/>
+              <a:gd name="connsiteY20" fmla="*/ 185518 h 4903455"/>
+              <a:gd name="connsiteX21" fmla="*/ 1931121 w 6053670"/>
+              <a:gd name="connsiteY21" fmla="*/ 198690 h 4903455"/>
+              <a:gd name="connsiteX22" fmla="*/ 2150869 w 6053670"/>
+              <a:gd name="connsiteY22" fmla="*/ 211079 h 4903455"/>
+              <a:gd name="connsiteX23" fmla="*/ 2263467 w 6053670"/>
+              <a:gd name="connsiteY23" fmla="*/ 215470 h 4903455"/>
+              <a:gd name="connsiteX24" fmla="*/ 2378487 w 6053670"/>
+              <a:gd name="connsiteY24" fmla="*/ 220332 h 4903455"/>
+              <a:gd name="connsiteX25" fmla="*/ 2495323 w 6053670"/>
+              <a:gd name="connsiteY25" fmla="*/ 224879 h 4903455"/>
+              <a:gd name="connsiteX26" fmla="*/ 2612764 w 6053670"/>
+              <a:gd name="connsiteY26" fmla="*/ 227859 h 4903455"/>
+              <a:gd name="connsiteX27" fmla="*/ 2732627 w 6053670"/>
+              <a:gd name="connsiteY27" fmla="*/ 230525 h 4903455"/>
+              <a:gd name="connsiteX28" fmla="*/ 2853700 w 6053670"/>
+              <a:gd name="connsiteY28" fmla="*/ 233348 h 4903455"/>
+              <a:gd name="connsiteX29" fmla="*/ 2977195 w 6053670"/>
+              <a:gd name="connsiteY29" fmla="*/ 235229 h 4903455"/>
+              <a:gd name="connsiteX30" fmla="*/ 3101900 w 6053670"/>
+              <a:gd name="connsiteY30" fmla="*/ 235229 h 4903455"/>
+              <a:gd name="connsiteX31" fmla="*/ 3227817 w 6053670"/>
+              <a:gd name="connsiteY31" fmla="*/ 236170 h 4903455"/>
+              <a:gd name="connsiteX32" fmla="*/ 3354944 w 6053670"/>
+              <a:gd name="connsiteY32" fmla="*/ 235229 h 4903455"/>
+              <a:gd name="connsiteX33" fmla="*/ 3483887 w 6053670"/>
+              <a:gd name="connsiteY33" fmla="*/ 233348 h 4903455"/>
+              <a:gd name="connsiteX34" fmla="*/ 3612830 w 6053670"/>
+              <a:gd name="connsiteY34" fmla="*/ 231623 h 4903455"/>
+              <a:gd name="connsiteX35" fmla="*/ 3743589 w 6053670"/>
+              <a:gd name="connsiteY35" fmla="*/ 227859 h 4903455"/>
+              <a:gd name="connsiteX36" fmla="*/ 3875559 w 6053670"/>
+              <a:gd name="connsiteY36" fmla="*/ 223938 h 4903455"/>
+              <a:gd name="connsiteX37" fmla="*/ 4007529 w 6053670"/>
+              <a:gd name="connsiteY37" fmla="*/ 219391 h 4903455"/>
+              <a:gd name="connsiteX38" fmla="*/ 4140710 w 6053670"/>
+              <a:gd name="connsiteY38" fmla="*/ 212961 h 4903455"/>
+              <a:gd name="connsiteX39" fmla="*/ 4275102 w 6053670"/>
+              <a:gd name="connsiteY39" fmla="*/ 205277 h 4903455"/>
+              <a:gd name="connsiteX40" fmla="*/ 4410098 w 6053670"/>
+              <a:gd name="connsiteY40" fmla="*/ 197907 h 4903455"/>
+              <a:gd name="connsiteX41" fmla="*/ 4545096 w 6053670"/>
+              <a:gd name="connsiteY41" fmla="*/ 188498 h 4903455"/>
+              <a:gd name="connsiteX42" fmla="*/ 4681909 w 6053670"/>
+              <a:gd name="connsiteY42" fmla="*/ 177207 h 4903455"/>
+              <a:gd name="connsiteX43" fmla="*/ 4816905 w 6053670"/>
+              <a:gd name="connsiteY43" fmla="*/ 165916 h 4903455"/>
+              <a:gd name="connsiteX44" fmla="*/ 4954323 w 6053670"/>
+              <a:gd name="connsiteY44" fmla="*/ 152899 h 4903455"/>
+              <a:gd name="connsiteX45" fmla="*/ 5092347 w 6053670"/>
+              <a:gd name="connsiteY45" fmla="*/ 138629 h 4903455"/>
+              <a:gd name="connsiteX46" fmla="*/ 5228555 w 6053670"/>
+              <a:gd name="connsiteY46" fmla="*/ 123574 h 4903455"/>
+              <a:gd name="connsiteX47" fmla="*/ 5366578 w 6053670"/>
+              <a:gd name="connsiteY47" fmla="*/ 106010 h 4903455"/>
+              <a:gd name="connsiteX48" fmla="*/ 5503997 w 6053670"/>
+              <a:gd name="connsiteY48" fmla="*/ 87192 h 4903455"/>
+              <a:gd name="connsiteX49" fmla="*/ 5642020 w 6053670"/>
+              <a:gd name="connsiteY49" fmla="*/ 68530 h 4903455"/>
+              <a:gd name="connsiteX50" fmla="*/ 5779438 w 6053670"/>
+              <a:gd name="connsiteY50" fmla="*/ 46733 h 4903455"/>
+              <a:gd name="connsiteX51" fmla="*/ 5916251 w 6053670"/>
+              <a:gd name="connsiteY51" fmla="*/ 24464 h 4903455"/>
+            </a:gdLst>
+            <a:ahLst/>
+            <a:cxnLst>
+              <a:cxn ang="0">
+                <a:pos x="connsiteX0" y="connsiteY0"/>
+              </a:cxn>
+              <a:cxn ang="0">
+                <a:pos x="connsiteX1" y="connsiteY1"/>
+              </a:cxn>
+              <a:cxn ang="0">
+                <a:pos x="connsiteX2" y="connsiteY2"/>
+              </a:cxn>
+              <a:cxn ang="0">
+                <a:pos x="connsiteX3" y="connsiteY3"/>
+              </a:cxn>
+              <a:cxn ang="0">
+                <a:pos x="connsiteX4" y="connsiteY4"/>
+              </a:cxn>
+              <a:cxn ang="0">
+                <a:pos x="connsiteX5" y="connsiteY5"/>
+              </a:cxn>
+              <a:cxn ang="0">
+                <a:pos x="connsiteX6" y="connsiteY6"/>
+              </a:cxn>
+              <a:cxn ang="0">
+                <a:pos x="connsiteX7" y="connsiteY7"/>
+              </a:cxn>
+              <a:cxn ang="0">
+                <a:pos x="connsiteX8" y="connsiteY8"/>
+              </a:cxn>
+              <a:cxn ang="0">
+                <a:pos x="connsiteX9" y="connsiteY9"/>
+              </a:cxn>
+              <a:cxn ang="0">
+                <a:pos x="connsiteX10" y="connsiteY10"/>
+              </a:cxn>
+              <a:cxn ang="0">
+                <a:pos x="connsiteX11" y="connsiteY11"/>
+              </a:cxn>
+              <a:cxn ang="0">
+                <a:pos x="connsiteX12" y="connsiteY12"/>
+              </a:cxn>
+              <a:cxn ang="0">
+                <a:pos x="connsiteX13" y="connsiteY13"/>
+              </a:cxn>
+              <a:cxn ang="0">
+                <a:pos x="connsiteX14" y="connsiteY14"/>
+              </a:cxn>
+              <a:cxn ang="0">
+                <a:pos x="connsiteX15" y="connsiteY15"/>
+              </a:cxn>
+              <a:cxn ang="0">
+                <a:pos x="connsiteX16" y="connsiteY16"/>
+              </a:cxn>
+              <a:cxn ang="0">
+                <a:pos x="connsiteX17" y="connsiteY17"/>
+              </a:cxn>
+              <a:cxn ang="0">
+                <a:pos x="connsiteX18" y="connsiteY18"/>
+              </a:cxn>
+              <a:cxn ang="0">
+                <a:pos x="connsiteX19" y="connsiteY19"/>
+              </a:cxn>
+              <a:cxn ang="0">
+                <a:pos x="connsiteX20" y="connsiteY20"/>
+              </a:cxn>
+              <a:cxn ang="0">
+                <a:pos x="connsiteX21" y="connsiteY21"/>
+              </a:cxn>
+              <a:cxn ang="0">
+                <a:pos x="connsiteX22" y="connsiteY22"/>
+              </a:cxn>
+              <a:cxn ang="0">
+                <a:pos x="connsiteX23" y="connsiteY23"/>
+              </a:cxn>
+              <a:cxn ang="0">
+                <a:pos x="connsiteX24" y="connsiteY24"/>
+              </a:cxn>
+              <a:cxn ang="0">
+                <a:pos x="connsiteX25" y="connsiteY25"/>
+              </a:cxn>
+              <a:cxn ang="0">
+                <a:pos x="connsiteX26" y="connsiteY26"/>
+              </a:cxn>
+              <a:cxn ang="0">
+                <a:pos x="connsiteX27" y="connsiteY27"/>
+              </a:cxn>
+              <a:cxn ang="0">
+                <a:pos x="connsiteX28" y="connsiteY28"/>
+              </a:cxn>
+              <a:cxn ang="0">
+                <a:pos x="connsiteX29" y="connsiteY29"/>
+              </a:cxn>
+              <a:cxn ang="0">
+                <a:pos x="connsiteX30" y="connsiteY30"/>
+              </a:cxn>
+              <a:cxn ang="0">
+                <a:pos x="connsiteX31" y="connsiteY31"/>
+              </a:cxn>
+              <a:cxn ang="0">
+                <a:pos x="connsiteX32" y="connsiteY32"/>
+              </a:cxn>
+              <a:cxn ang="0">
+                <a:pos x="connsiteX33" y="connsiteY33"/>
+              </a:cxn>
+              <a:cxn ang="0">
+                <a:pos x="connsiteX34" y="connsiteY34"/>
+              </a:cxn>
+              <a:cxn ang="0">
+                <a:pos x="connsiteX35" y="connsiteY35"/>
+              </a:cxn>
+              <a:cxn ang="0">
+                <a:pos x="connsiteX36" y="connsiteY36"/>
+              </a:cxn>
+              <a:cxn ang="0">
+                <a:pos x="connsiteX37" y="connsiteY37"/>
+              </a:cxn>
+              <a:cxn ang="0">
+                <a:pos x="connsiteX38" y="connsiteY38"/>
+              </a:cxn>
+              <a:cxn ang="0">
+                <a:pos x="connsiteX39" y="connsiteY39"/>
+              </a:cxn>
+              <a:cxn ang="0">
+                <a:pos x="connsiteX40" y="connsiteY40"/>
+              </a:cxn>
+              <a:cxn ang="0">
+                <a:pos x="connsiteX41" y="connsiteY41"/>
+              </a:cxn>
+              <a:cxn ang="0">
+                <a:pos x="connsiteX42" y="connsiteY42"/>
+              </a:cxn>
+              <a:cxn ang="0">
+                <a:pos x="connsiteX43" y="connsiteY43"/>
+              </a:cxn>
+              <a:cxn ang="0">
+                <a:pos x="connsiteX44" y="connsiteY44"/>
+              </a:cxn>
+              <a:cxn ang="0">
+                <a:pos x="connsiteX45" y="connsiteY45"/>
+              </a:cxn>
+              <a:cxn ang="0">
+                <a:pos x="connsiteX46" y="connsiteY46"/>
+              </a:cxn>
+              <a:cxn ang="0">
+                <a:pos x="connsiteX47" y="connsiteY47"/>
+              </a:cxn>
+              <a:cxn ang="0">
+                <a:pos x="connsiteX48" y="connsiteY48"/>
+              </a:cxn>
+              <a:cxn ang="0">
+                <a:pos x="connsiteX49" y="connsiteY49"/>
+              </a:cxn>
+              <a:cxn ang="0">
+                <a:pos x="connsiteX50" y="connsiteY50"/>
+              </a:cxn>
+              <a:cxn ang="0">
+                <a:pos x="connsiteX51" y="connsiteY51"/>
+              </a:cxn>
+            </a:cxnLst>
+            <a:rect l="l" t="t" r="r" b="b"/>
+            <a:pathLst>
+              <a:path w="6053670" h="4903455">
+                <a:moveTo>
+                  <a:pt x="6053670" y="1098"/>
+                </a:moveTo>
+                <a:lnTo>
+                  <a:pt x="6053670" y="424590"/>
+                </a:lnTo>
+                <a:lnTo>
+                  <a:pt x="6053670" y="1254558"/>
+                </a:lnTo>
+                <a:lnTo>
+                  <a:pt x="6053670" y="4903455"/>
+                </a:lnTo>
+                <a:lnTo>
+                  <a:pt x="0" y="4903455"/>
+                </a:lnTo>
+                <a:lnTo>
+                  <a:pt x="0" y="1249853"/>
+                </a:lnTo>
+                <a:lnTo>
+                  <a:pt x="0" y="424590"/>
+                </a:lnTo>
+                <a:lnTo>
+                  <a:pt x="0" y="0"/>
+                </a:lnTo>
+                <a:lnTo>
+                  <a:pt x="35717" y="5488"/>
+                </a:lnTo>
+                <a:lnTo>
+                  <a:pt x="140445" y="21641"/>
+                </a:lnTo>
+                <a:lnTo>
+                  <a:pt x="216722" y="32932"/>
+                </a:lnTo>
+                <a:lnTo>
+                  <a:pt x="307527" y="44850"/>
+                </a:lnTo>
+                <a:lnTo>
+                  <a:pt x="415282" y="59121"/>
+                </a:lnTo>
+                <a:lnTo>
+                  <a:pt x="534539" y="74175"/>
+                </a:lnTo>
+                <a:lnTo>
+                  <a:pt x="668931" y="90014"/>
+                </a:lnTo>
+                <a:lnTo>
+                  <a:pt x="815430" y="106794"/>
+                </a:lnTo>
+                <a:lnTo>
+                  <a:pt x="974641" y="123574"/>
+                </a:lnTo>
+                <a:lnTo>
+                  <a:pt x="1144144" y="140667"/>
+                </a:lnTo>
+                <a:lnTo>
+                  <a:pt x="1326965" y="156506"/>
+                </a:lnTo>
+                <a:lnTo>
+                  <a:pt x="1518261" y="171717"/>
+                </a:lnTo>
+                <a:lnTo>
+                  <a:pt x="1720453" y="185518"/>
+                </a:lnTo>
+                <a:lnTo>
+                  <a:pt x="1931121" y="198690"/>
+                </a:lnTo>
+                <a:lnTo>
+                  <a:pt x="2150869" y="211079"/>
+                </a:lnTo>
+                <a:lnTo>
+                  <a:pt x="2263467" y="215470"/>
+                </a:lnTo>
+                <a:lnTo>
+                  <a:pt x="2378487" y="220332"/>
+                </a:lnTo>
+                <a:lnTo>
+                  <a:pt x="2495323" y="224879"/>
+                </a:lnTo>
+                <a:lnTo>
+                  <a:pt x="2612764" y="227859"/>
+                </a:lnTo>
+                <a:lnTo>
+                  <a:pt x="2732627" y="230525"/>
+                </a:lnTo>
+                <a:lnTo>
+                  <a:pt x="2853700" y="233348"/>
+                </a:lnTo>
+                <a:lnTo>
+                  <a:pt x="2977195" y="235229"/>
+                </a:lnTo>
+                <a:lnTo>
+                  <a:pt x="3101900" y="235229"/>
+                </a:lnTo>
+                <a:lnTo>
+                  <a:pt x="3227817" y="236170"/>
+                </a:lnTo>
+                <a:lnTo>
+                  <a:pt x="3354944" y="235229"/>
+                </a:lnTo>
+                <a:lnTo>
+                  <a:pt x="3483887" y="233348"/>
+                </a:lnTo>
+                <a:lnTo>
+                  <a:pt x="3612830" y="231623"/>
+                </a:lnTo>
+                <a:lnTo>
+                  <a:pt x="3743589" y="227859"/>
+                </a:lnTo>
+                <a:lnTo>
+                  <a:pt x="3875559" y="223938"/>
+                </a:lnTo>
+                <a:lnTo>
+                  <a:pt x="4007529" y="219391"/>
+                </a:lnTo>
+                <a:lnTo>
+                  <a:pt x="4140710" y="212961"/>
+                </a:lnTo>
+                <a:lnTo>
+                  <a:pt x="4275102" y="205277"/>
+                </a:lnTo>
+                <a:lnTo>
+                  <a:pt x="4410098" y="197907"/>
+                </a:lnTo>
+                <a:lnTo>
+                  <a:pt x="4545096" y="188498"/>
+                </a:lnTo>
+                <a:lnTo>
+                  <a:pt x="4681909" y="177207"/>
+                </a:lnTo>
+                <a:lnTo>
+                  <a:pt x="4816905" y="165916"/>
+                </a:lnTo>
+                <a:lnTo>
+                  <a:pt x="4954323" y="152899"/>
+                </a:lnTo>
+                <a:lnTo>
+                  <a:pt x="5092347" y="138629"/>
+                </a:lnTo>
+                <a:lnTo>
+                  <a:pt x="5228555" y="123574"/>
+                </a:lnTo>
+                <a:lnTo>
+                  <a:pt x="5366578" y="106010"/>
+                </a:lnTo>
+                <a:lnTo>
+                  <a:pt x="5503997" y="87192"/>
+                </a:lnTo>
+                <a:lnTo>
+                  <a:pt x="5642020" y="68530"/>
+                </a:lnTo>
+                <a:lnTo>
+                  <a:pt x="5779438" y="46733"/>
+                </a:lnTo>
+                <a:lnTo>
+                  <a:pt x="5916251" y="24464"/>
+                </a:lnTo>
+                <a:close/>
+              </a:path>
+            </a:pathLst>
+          </a:custGeom>
+          <a:solidFill>
+            <a:schemeClr val="tx1"/>
+          </a:solidFill>
+          <a:ln>
+            <a:noFill/>
+          </a:ln>
+        </p:spPr>
+      </p:sp>
+      <p:sp>
+        <p:nvSpPr>
+          <p:cNvPr id="14" name="Freeform 5">
+            <a:extLst>
+              <a:ext uri="{FF2B5EF4-FFF2-40B4-BE49-F238E27FC236}">
+                <a16:creationId xmlns:a16="http://schemas.microsoft.com/office/drawing/2014/main" id="{B93D812D-BB26-4FDD-A218-F6F71E737600}"/>
+              </a:ext>
+              <a:ext uri="{C183D7F6-B498-43B3-948B-1728B52AA6E4}">
+                <adec:decorative xmlns:adec="http://schemas.microsoft.com/office/drawing/2017/decorative" val="1"/>
+              </a:ext>
+            </a:extLst>
+          </p:cNvPr>
+          <p:cNvSpPr>
+            <a:spLocks noGrp="1" noRot="1" noChangeAspect="1" noMove="1" noResize="1" noEditPoints="1" noAdjustHandles="1" noChangeArrowheads="1" noChangeShapeType="1" noTextEdit="1"/>
+          </p:cNvSpPr>
+          <p:nvPr>
+            <p:extLst>
+              <p:ext uri="{386F3935-93C4-4BCD-93E2-E3B085C9AB24}">
+                <p16:designElem xmlns:p16="http://schemas.microsoft.com/office/powerpoint/2015/main" val="1"/>
+              </p:ext>
+            </p:extLst>
+          </p:nvPr>
+        </p:nvSpPr>
+        <p:spPr bwMode="gray">
+          <a:xfrm>
+            <a:off x="0" y="1587"/>
+            <a:ext cx="12192000" cy="6856413"/>
+          </a:xfrm>
+          <a:custGeom>
+            <a:avLst/>
+            <a:gdLst/>
+            <a:ahLst/>
+            <a:cxnLst/>
+            <a:rect l="0" t="0" r="r" b="b"/>
+            <a:pathLst>
+              <a:path w="15356" h="8638">
+                <a:moveTo>
+                  <a:pt x="0" y="0"/>
+                </a:moveTo>
+                <a:lnTo>
+                  <a:pt x="0" y="8638"/>
+                </a:lnTo>
+                <a:lnTo>
+                  <a:pt x="15356" y="8638"/>
+                </a:lnTo>
+                <a:lnTo>
+                  <a:pt x="15356" y="0"/>
+                </a:lnTo>
+                <a:lnTo>
+                  <a:pt x="0" y="0"/>
+                </a:lnTo>
+                <a:close/>
+                <a:moveTo>
+                  <a:pt x="14748" y="8038"/>
+                </a:moveTo>
+                <a:lnTo>
+                  <a:pt x="600" y="8038"/>
+                </a:lnTo>
+                <a:lnTo>
+                  <a:pt x="600" y="592"/>
+                </a:lnTo>
+                <a:lnTo>
+                  <a:pt x="14748" y="592"/>
+                </a:lnTo>
+                <a:lnTo>
+                  <a:pt x="14748" y="8038"/>
+                </a:lnTo>
+                <a:close/>
+              </a:path>
+            </a:pathLst>
+          </a:custGeom>
+          <a:solidFill>
+            <a:schemeClr val="tx1"/>
+          </a:solidFill>
+          <a:ln>
+            <a:noFill/>
+          </a:ln>
+        </p:spPr>
+      </p:sp>
+      <p:sp>
+        <p:nvSpPr>
+          <p:cNvPr id="16" name="Freeform 5">
+            <a:extLst>
+              <a:ext uri="{FF2B5EF4-FFF2-40B4-BE49-F238E27FC236}">
+                <a16:creationId xmlns:a16="http://schemas.microsoft.com/office/drawing/2014/main" id="{EEA99C6C-BC37-4408-9F74-3DDB1060B733}"/>
+              </a:ext>
+              <a:ext uri="{C183D7F6-B498-43B3-948B-1728B52AA6E4}">
+                <adec:decorative xmlns:adec="http://schemas.microsoft.com/office/drawing/2017/decorative" val="1"/>
+              </a:ext>
+            </a:extLst>
+          </p:cNvPr>
+          <p:cNvSpPr>
+            <a:spLocks noGrp="1" noRot="1" noChangeAspect="1" noMove="1" noResize="1" noEditPoints="1" noAdjustHandles="1" noChangeArrowheads="1" noChangeShapeType="1" noTextEdit="1"/>
+          </p:cNvSpPr>
+          <p:nvPr>
+            <p:extLst>
+              <p:ext uri="{386F3935-93C4-4BCD-93E2-E3B085C9AB24}">
+                <p16:designElem xmlns:p16="http://schemas.microsoft.com/office/powerpoint/2015/main" val="1"/>
+              </p:ext>
+            </p:extLst>
+          </p:nvPr>
+        </p:nvSpPr>
+        <p:spPr bwMode="gray">
+          <a:xfrm rot="15922489">
+            <a:off x="5376762" y="1826078"/>
+            <a:ext cx="3299407" cy="440924"/>
+          </a:xfrm>
+          <a:custGeom>
+            <a:avLst/>
+            <a:gdLst/>
+            <a:ahLst/>
+            <a:cxnLst/>
+            <a:rect l="l" t="t" r="r" b="b"/>
+            <a:pathLst>
+              <a:path w="10000" h="5291">
+                <a:moveTo>
+                  <a:pt x="85" y="2532"/>
+                </a:moveTo>
+                <a:cubicBezTo>
+                  <a:pt x="1736" y="3911"/>
+                  <a:pt x="7524" y="5298"/>
+                  <a:pt x="9958" y="5291"/>
+                </a:cubicBezTo>
+                <a:cubicBezTo>
+                  <a:pt x="9989" y="1958"/>
+                  <a:pt x="9969" y="3333"/>
+                  <a:pt x="10000" y="0"/>
+                </a:cubicBezTo>
+                <a:lnTo>
+                  <a:pt x="10000" y="0"/>
+                </a:lnTo>
+                <a:lnTo>
+                  <a:pt x="9667" y="204"/>
+                </a:lnTo>
+                <a:lnTo>
+                  <a:pt x="9334" y="400"/>
+                </a:lnTo>
+                <a:lnTo>
+                  <a:pt x="9001" y="590"/>
+                </a:lnTo>
+                <a:lnTo>
+                  <a:pt x="8667" y="753"/>
+                </a:lnTo>
+                <a:lnTo>
+                  <a:pt x="8333" y="917"/>
+                </a:lnTo>
+                <a:lnTo>
+                  <a:pt x="7999" y="1071"/>
+                </a:lnTo>
+                <a:lnTo>
+                  <a:pt x="7669" y="1202"/>
+                </a:lnTo>
+                <a:lnTo>
+                  <a:pt x="7333" y="1325"/>
+                </a:lnTo>
+                <a:lnTo>
+                  <a:pt x="7000" y="1440"/>
+                </a:lnTo>
+                <a:lnTo>
+                  <a:pt x="6673" y="1538"/>
+                </a:lnTo>
+                <a:lnTo>
+                  <a:pt x="6340" y="1636"/>
+                </a:lnTo>
+                <a:lnTo>
+                  <a:pt x="6013" y="1719"/>
+                </a:lnTo>
+                <a:lnTo>
+                  <a:pt x="5686" y="1784"/>
+                </a:lnTo>
+                <a:lnTo>
+                  <a:pt x="5359" y="1850"/>
+                </a:lnTo>
+                <a:lnTo>
+                  <a:pt x="5036" y="1906"/>
+                </a:lnTo>
+                <a:lnTo>
+                  <a:pt x="4717" y="1948"/>
+                </a:lnTo>
+                <a:lnTo>
+                  <a:pt x="4396" y="1980"/>
+                </a:lnTo>
+                <a:lnTo>
+                  <a:pt x="4079" y="2013"/>
+                </a:lnTo>
+                <a:lnTo>
+                  <a:pt x="3766" y="2029"/>
+                </a:lnTo>
+                <a:lnTo>
+                  <a:pt x="3454" y="2046"/>
+                </a:lnTo>
+                <a:lnTo>
+                  <a:pt x="3145" y="2053"/>
+                </a:lnTo>
+                <a:lnTo>
+                  <a:pt x="2839" y="2046"/>
+                </a:lnTo>
+                <a:lnTo>
+                  <a:pt x="2537" y="2046"/>
+                </a:lnTo>
+                <a:lnTo>
+                  <a:pt x="2238" y="2029"/>
+                </a:lnTo>
+                <a:lnTo>
+                  <a:pt x="1943" y="2004"/>
+                </a:lnTo>
+                <a:lnTo>
+                  <a:pt x="1653" y="1980"/>
+                </a:lnTo>
+                <a:lnTo>
+                  <a:pt x="1368" y="1955"/>
+                </a:lnTo>
+                <a:lnTo>
+                  <a:pt x="1085" y="1915"/>
+                </a:lnTo>
+                <a:lnTo>
+                  <a:pt x="806" y="1873"/>
+                </a:lnTo>
+                <a:lnTo>
+                  <a:pt x="533" y="1833"/>
+                </a:lnTo>
+                <a:lnTo>
+                  <a:pt x="0" y="1726"/>
+                </a:lnTo>
+                <a:cubicBezTo>
+                  <a:pt x="28" y="1995"/>
+                  <a:pt x="57" y="2263"/>
+                  <a:pt x="85" y="2532"/>
+                </a:cubicBezTo>
+                <a:close/>
+              </a:path>
+            </a:pathLst>
+          </a:custGeom>
+          <a:solidFill>
+            <a:schemeClr val="tx1">
+              <a:alpha val="20000"/>
+            </a:schemeClr>
+          </a:solidFill>
+          <a:ln>
+            <a:noFill/>
+          </a:ln>
+        </p:spPr>
+      </p:sp>
+      <p:sp>
+        <p:nvSpPr>
+          <p:cNvPr id="2" name="Título 1">
+            <a:extLst>
+              <a:ext uri="{FF2B5EF4-FFF2-40B4-BE49-F238E27FC236}">
+                <a16:creationId xmlns:a16="http://schemas.microsoft.com/office/drawing/2014/main" id="{5F44331C-6090-4576-9F1C-0FFCCFCD0A2B}"/>
+              </a:ext>
+            </a:extLst>
+          </p:cNvPr>
+          <p:cNvSpPr>
+            <a:spLocks noGrp="1"/>
+          </p:cNvSpPr>
+          <p:nvPr>
+            <p:ph type="title"/>
+          </p:nvPr>
+        </p:nvSpPr>
+        <p:spPr>
+          <a:xfrm>
+            <a:off x="639098" y="629265"/>
+            <a:ext cx="6072776" cy="1622322"/>
+          </a:xfrm>
+        </p:spPr>
+        <p:txBody>
+          <a:bodyPr>
+            <a:normAutofit/>
+          </a:bodyPr>
+          <a:lstStyle/>
+          <a:p>
+            <a:endParaRPr lang="es-MX" dirty="0">
+              <a:solidFill>
+                <a:srgbClr val="FFFFFE"/>
+              </a:solidFill>
+            </a:endParaRPr>
+          </a:p>
+        </p:txBody>
+      </p:sp>
+      <p:sp>
+        <p:nvSpPr>
+          <p:cNvPr id="18" name="Rectangle 17">
+            <a:extLst>
+              <a:ext uri="{FF2B5EF4-FFF2-40B4-BE49-F238E27FC236}">
+                <a16:creationId xmlns:a16="http://schemas.microsoft.com/office/drawing/2014/main" id="{924C0032-B592-45AB-AD23-5A4BD369B60B}"/>
+              </a:ext>
+              <a:ext uri="{C183D7F6-B498-43B3-948B-1728B52AA6E4}">
+                <adec:decorative xmlns:adec="http://schemas.microsoft.com/office/drawing/2017/decorative" val="1"/>
+              </a:ext>
+            </a:extLst>
+          </p:cNvPr>
+          <p:cNvSpPr>
+            <a:spLocks noGrp="1" noRot="1" noChangeAspect="1" noMove="1" noResize="1" noEditPoints="1" noAdjustHandles="1" noChangeArrowheads="1" noChangeShapeType="1" noTextEdit="1"/>
+          </p:cNvSpPr>
+          <p:nvPr>
+            <p:extLst>
+              <p:ext uri="{386F3935-93C4-4BCD-93E2-E3B085C9AB24}">
+                <p16:designElem xmlns:p16="http://schemas.microsoft.com/office/powerpoint/2015/main" val="1"/>
+              </p:ext>
+            </p:extLst>
+          </p:nvPr>
+        </p:nvSpPr>
+        <p:spPr>
+          <a:xfrm>
+            <a:off x="10437812" y="0"/>
+            <a:ext cx="685800" cy="1143000"/>
+          </a:xfrm>
+          <a:prstGeom prst="rect">
+            <a:avLst/>
+          </a:prstGeom>
+          <a:solidFill>
+            <a:schemeClr val="accent1"/>
+          </a:solidFill>
+          <a:ln>
+            <a:noFill/>
+          </a:ln>
+        </p:spPr>
+        <p:style>
+          <a:lnRef idx="1">
+            <a:schemeClr val="accent1"/>
+          </a:lnRef>
+          <a:fillRef idx="3">
+            <a:schemeClr val="accent1"/>
+          </a:fillRef>
+          <a:effectRef idx="2">
+            <a:schemeClr val="accent1"/>
+          </a:effectRef>
+          <a:fontRef idx="minor">
+            <a:schemeClr val="lt1"/>
+          </a:fontRef>
+        </p:style>
+      </p:sp>
+      <p:sp>
+        <p:nvSpPr>
+          <p:cNvPr id="20" name="Oval 19">
+            <a:extLst>
+              <a:ext uri="{FF2B5EF4-FFF2-40B4-BE49-F238E27FC236}">
+                <a16:creationId xmlns:a16="http://schemas.microsoft.com/office/drawing/2014/main" id="{89BF1F84-E7C7-42A7-911D-8E48AF67110E}"/>
+              </a:ext>
+              <a:ext uri="{C183D7F6-B498-43B3-948B-1728B52AA6E4}">
+                <adec:decorative xmlns:adec="http://schemas.microsoft.com/office/drawing/2017/decorative" val="1"/>
+              </a:ext>
+            </a:extLst>
+          </p:cNvPr>
+          <p:cNvSpPr>
+            <a:spLocks noGrp="1" noRot="1" noChangeAspect="1" noMove="1" noResize="1" noEditPoints="1" noAdjustHandles="1" noChangeArrowheads="1" noChangeShapeType="1" noTextEdit="1"/>
+          </p:cNvSpPr>
+          <p:nvPr>
+            <p:extLst>
+              <p:ext uri="{386F3935-93C4-4BCD-93E2-E3B085C9AB24}">
+                <p16:designElem xmlns:p16="http://schemas.microsoft.com/office/powerpoint/2015/main" val="1"/>
+              </p:ext>
+            </p:extLst>
+          </p:nvPr>
+        </p:nvSpPr>
+        <p:spPr>
+          <a:xfrm>
+            <a:off x="0" y="2667000"/>
+            <a:ext cx="4191000" cy="4191000"/>
+          </a:xfrm>
+          <a:prstGeom prst="ellipse">
+            <a:avLst/>
+          </a:prstGeom>
+          <a:gradFill flip="none" rotWithShape="1">
+            <a:gsLst>
+              <a:gs pos="0">
+                <a:schemeClr val="accent5">
+                  <a:alpha val="11000"/>
+                </a:schemeClr>
+              </a:gs>
+              <a:gs pos="75000">
+                <a:schemeClr val="accent5">
+                  <a:alpha val="0"/>
+                </a:schemeClr>
+              </a:gs>
+              <a:gs pos="36000">
+                <a:schemeClr val="accent5">
+                  <a:alpha val="10000"/>
+                </a:schemeClr>
+              </a:gs>
+            </a:gsLst>
+            <a:path path="circle">
+              <a:fillToRect l="50000" t="50000" r="50000" b="50000"/>
+            </a:path>
+            <a:tileRect/>
+          </a:gradFill>
+          <a:ln>
+            <a:noFill/>
+          </a:ln>
+          <a:effectLst/>
+        </p:spPr>
+        <p:style>
+          <a:lnRef idx="1">
+            <a:schemeClr val="accent1"/>
+          </a:lnRef>
+          <a:fillRef idx="3">
+            <a:schemeClr val="accent1"/>
+          </a:fillRef>
+          <a:effectRef idx="2">
+            <a:schemeClr val="accent1"/>
+          </a:effectRef>
+          <a:fontRef idx="minor">
+            <a:schemeClr val="lt1"/>
+          </a:fontRef>
+        </p:style>
+      </p:sp>
+      <p:sp>
+        <p:nvSpPr>
+          <p:cNvPr id="22" name="Oval 21">
+            <a:extLst>
+              <a:ext uri="{FF2B5EF4-FFF2-40B4-BE49-F238E27FC236}">
+                <a16:creationId xmlns:a16="http://schemas.microsoft.com/office/drawing/2014/main" id="{0C3CFCFE-6522-4333-8CB1-16DB80E7E9C2}"/>
+              </a:ext>
+              <a:ext uri="{C183D7F6-B498-43B3-948B-1728B52AA6E4}">
+                <adec:decorative xmlns:adec="http://schemas.microsoft.com/office/drawing/2017/decorative" val="1"/>
+              </a:ext>
+            </a:extLst>
+          </p:cNvPr>
+          <p:cNvSpPr>
+            <a:spLocks noGrp="1" noRot="1" noChangeAspect="1" noMove="1" noResize="1" noEditPoints="1" noAdjustHandles="1" noChangeArrowheads="1" noChangeShapeType="1" noTextEdit="1"/>
+          </p:cNvSpPr>
+          <p:nvPr>
+            <p:extLst>
+              <p:ext uri="{386F3935-93C4-4BCD-93E2-E3B085C9AB24}">
+                <p16:designElem xmlns:p16="http://schemas.microsoft.com/office/powerpoint/2015/main" val="1"/>
+              </p:ext>
+            </p:extLst>
+          </p:nvPr>
+        </p:nvSpPr>
+        <p:spPr>
+          <a:xfrm>
+            <a:off x="0" y="2895600"/>
+            <a:ext cx="2362200" cy="2362200"/>
+          </a:xfrm>
+          <a:prstGeom prst="ellipse">
+            <a:avLst/>
+          </a:prstGeom>
+          <a:gradFill flip="none" rotWithShape="1">
+            <a:gsLst>
+              <a:gs pos="0">
+                <a:schemeClr val="accent5">
+                  <a:alpha val="8000"/>
+                </a:schemeClr>
+              </a:gs>
+              <a:gs pos="72000">
+                <a:schemeClr val="accent5">
+                  <a:alpha val="0"/>
+                </a:schemeClr>
+              </a:gs>
+              <a:gs pos="36000">
+                <a:schemeClr val="accent5">
+                  <a:alpha val="8000"/>
+                </a:schemeClr>
+              </a:gs>
+            </a:gsLst>
+            <a:path path="circle">
+              <a:fillToRect l="50000" t="50000" r="50000" b="50000"/>
+            </a:path>
+            <a:tileRect/>
+          </a:gradFill>
+          <a:ln>
+            <a:noFill/>
+          </a:ln>
+          <a:effectLst/>
+        </p:spPr>
+        <p:style>
+          <a:lnRef idx="1">
+            <a:schemeClr val="accent1"/>
+          </a:lnRef>
+          <a:fillRef idx="3">
+            <a:schemeClr val="accent1"/>
+          </a:fillRef>
+          <a:effectRef idx="2">
+            <a:schemeClr val="accent1"/>
+          </a:effectRef>
+          <a:fontRef idx="minor">
+            <a:schemeClr val="lt1"/>
+          </a:fontRef>
+        </p:style>
+      </p:sp>
+      <p:sp>
+        <p:nvSpPr>
+          <p:cNvPr id="3" name="Marcador de contenido 2">
+            <a:extLst>
+              <a:ext uri="{FF2B5EF4-FFF2-40B4-BE49-F238E27FC236}">
+                <a16:creationId xmlns:a16="http://schemas.microsoft.com/office/drawing/2014/main" id="{1CEF94FD-5480-4968-8164-1471B019AAF2}"/>
+              </a:ext>
+            </a:extLst>
+          </p:cNvPr>
+          <p:cNvSpPr>
+            <a:spLocks noGrp="1"/>
+          </p:cNvSpPr>
+          <p:nvPr>
+            <p:ph idx="1"/>
+          </p:nvPr>
+        </p:nvSpPr>
+        <p:spPr>
+          <a:xfrm>
+            <a:off x="639098" y="2418735"/>
+            <a:ext cx="6072776" cy="3811740"/>
+          </a:xfrm>
+        </p:spPr>
+        <p:txBody>
+          <a:bodyPr anchor="ctr">
+            <a:normAutofit/>
+          </a:bodyPr>
+          <a:lstStyle/>
+          <a:p>
+            <a:r>
+              <a:rPr lang="es-MX">
+                <a:solidFill>
+                  <a:srgbClr val="FFFFFE"/>
+                </a:solidFill>
+              </a:rPr>
+              <a:t>El decodificador es un archivo de Python el cual terminó con una longitud de 354 en el archivo principal y otro con diccionarios de 91.</a:t>
+            </a:r>
+          </a:p>
+          <a:p>
+            <a:pPr marL="0" indent="0">
+              <a:buNone/>
+            </a:pPr>
+            <a:endParaRPr lang="es-MX">
+              <a:solidFill>
+                <a:srgbClr val="FFFFFE"/>
+              </a:solidFill>
+            </a:endParaRPr>
+          </a:p>
+          <a:p>
+            <a:pPr marL="0" indent="0">
+              <a:buNone/>
+            </a:pPr>
+            <a:r>
+              <a:rPr lang="es-MX">
+                <a:solidFill>
+                  <a:srgbClr val="FFFFFE"/>
+                </a:solidFill>
+              </a:rPr>
+              <a:t>Se probaron distintos códigos en ensamblador y fueron convertidos correctamente a instrucciones.</a:t>
+            </a:r>
+          </a:p>
+        </p:txBody>
+      </p:sp>
+      <p:pic>
+        <p:nvPicPr>
+          <p:cNvPr id="5" name="Imagen 4">
+            <a:extLst>
+              <a:ext uri="{FF2B5EF4-FFF2-40B4-BE49-F238E27FC236}">
+                <a16:creationId xmlns:a16="http://schemas.microsoft.com/office/drawing/2014/main" id="{8BA7A14B-732C-4877-A857-527CE77AD078}"/>
+              </a:ext>
+            </a:extLst>
+          </p:cNvPr>
+          <p:cNvPicPr>
+            <a:picLocks noChangeAspect="1"/>
+          </p:cNvPicPr>
+          <p:nvPr/>
+        </p:nvPicPr>
+        <p:blipFill>
+          <a:blip r:embed="rId2"/>
+          <a:stretch>
+            <a:fillRect/>
+          </a:stretch>
+        </p:blipFill>
+        <p:spPr>
+          <a:xfrm>
+            <a:off x="8472102" y="645107"/>
+            <a:ext cx="2017564" cy="2710388"/>
+          </a:xfrm>
+          <a:prstGeom prst="rect">
+            <a:avLst/>
+          </a:prstGeom>
+        </p:spPr>
+      </p:pic>
+      <p:pic>
+        <p:nvPicPr>
+          <p:cNvPr id="4" name="Imagen 3">
+            <a:extLst>
+              <a:ext uri="{FF2B5EF4-FFF2-40B4-BE49-F238E27FC236}">
+                <a16:creationId xmlns:a16="http://schemas.microsoft.com/office/drawing/2014/main" id="{0BB2AD40-C2DC-431A-9AC6-6C436E97298C}"/>
+              </a:ext>
+            </a:extLst>
+          </p:cNvPr>
+          <p:cNvPicPr>
+            <a:picLocks noChangeAspect="1"/>
+          </p:cNvPicPr>
+          <p:nvPr/>
+        </p:nvPicPr>
+        <p:blipFill>
+          <a:blip r:embed="rId3"/>
+          <a:stretch>
+            <a:fillRect/>
+          </a:stretch>
+        </p:blipFill>
+        <p:spPr>
+          <a:xfrm>
+            <a:off x="8148419" y="3520086"/>
+            <a:ext cx="2664931" cy="2710389"/>
+          </a:xfrm>
+          <a:prstGeom prst="rect">
+            <a:avLst/>
+          </a:prstGeom>
+        </p:spPr>
+      </p:pic>
+    </p:spTree>
+    <p:extLst>
+      <p:ext uri="{BB962C8B-B14F-4D97-AF65-F5344CB8AC3E}">
+        <p14:creationId xmlns:p14="http://schemas.microsoft.com/office/powerpoint/2010/main" val="4117824005"/>
+      </p:ext>
+    </p:extLst>
+  </p:cSld>
+  <p:clrMapOvr>
+    <a:overrideClrMapping bg1="dk1" tx1="lt1" bg2="dk2" tx2="lt2" accent1="accent1" accent2="accent2" accent3="accent3" accent4="accent4" accent5="accent5" accent6="accent6" hlink="hlink" folHlink="folHlink"/>
+  </p:clrMapOvr>
+</p:sld>
+</file>
+
+<file path=ppt/slides/slide11.xml><?xml version="1.0" encoding="utf-8"?>
+<p:sld xmlns:a="http://schemas.openxmlformats.org/drawingml/2006/main" xmlns:r="http://schemas.openxmlformats.org/officeDocument/2006/relationships" xmlns:p="http://schemas.openxmlformats.org/presentationml/2006/main">
+  <p:cSld>
+    <p:bg>
+      <p:bgPr>
+        <a:solidFill>
+          <a:schemeClr val="bg2"/>
+        </a:solidFill>
+        <a:effectLst/>
+      </p:bgPr>
+    </p:bg>
+    <p:spTree>
+      <p:nvGrpSpPr>
+        <p:cNvPr id="1" name=""/>
+        <p:cNvGrpSpPr/>
+        <p:nvPr/>
+      </p:nvGrpSpPr>
+      <p:grpSpPr>
+        <a:xfrm>
+          <a:off x="0" y="0"/>
+          <a:ext cx="0" cy="0"/>
+          <a:chOff x="0" y="0"/>
+          <a:chExt cx="0" cy="0"/>
+        </a:xfrm>
+      </p:grpSpPr>
+      <p:grpSp>
+        <p:nvGrpSpPr>
+          <p:cNvPr id="9" name="Group 8">
+            <a:extLst>
+              <a:ext uri="{FF2B5EF4-FFF2-40B4-BE49-F238E27FC236}">
+                <a16:creationId xmlns:a16="http://schemas.microsoft.com/office/drawing/2014/main" id="{2F448CB3-7B4F-45D7-B7C0-DF553DF61453}"/>
+              </a:ext>
+              <a:ext uri="{C183D7F6-B498-43B3-948B-1728B52AA6E4}">
+                <adec:decorative xmlns:adec="http://schemas.microsoft.com/office/drawing/2017/decorative" val="1"/>
+              </a:ext>
+            </a:extLst>
+          </p:cNvPr>
+          <p:cNvGrpSpPr>
+            <a:grpSpLocks noGrp="1" noUngrp="1" noRot="1" noChangeAspect="1" noMove="1" noResize="1"/>
+          </p:cNvGrpSpPr>
+          <p:nvPr>
+            <p:extLst>
+              <p:ext uri="{386F3935-93C4-4BCD-93E2-E3B085C9AB24}">
+                <p16:designElem xmlns:p16="http://schemas.microsoft.com/office/powerpoint/2015/main" val="1"/>
+              </p:ext>
+            </p:extLst>
+          </p:nvPr>
+        </p:nvGrpSpPr>
+        <p:grpSpPr>
+          <a:xfrm>
+            <a:off x="0" y="0"/>
+            <a:ext cx="12192000" cy="6858000"/>
+            <a:chOff x="0" y="0"/>
+            <a:chExt cx="12192000" cy="6858000"/>
+          </a:xfrm>
+        </p:grpSpPr>
+        <p:sp>
+          <p:nvSpPr>
+            <p:cNvPr id="10" name="Rectangle 9">
+              <a:extLst>
+                <a:ext uri="{FF2B5EF4-FFF2-40B4-BE49-F238E27FC236}">
+                  <a16:creationId xmlns:a16="http://schemas.microsoft.com/office/drawing/2014/main" id="{5C5305EA-7A88-413D-BE8A-47A02476F00C}"/>
+                </a:ext>
+                <a:ext uri="{C183D7F6-B498-43B3-948B-1728B52AA6E4}">
+                  <adec:decorative xmlns:adec="http://schemas.microsoft.com/office/drawing/2017/decorative" val="1"/>
+                </a:ext>
+              </a:extLst>
+            </p:cNvPr>
+            <p:cNvSpPr/>
+            <p:nvPr>
+              <p:extLst>
+                <p:ext uri="{386F3935-93C4-4BCD-93E2-E3B085C9AB24}">
+                  <p16:designElem xmlns:p16="http://schemas.microsoft.com/office/powerpoint/2015/main" val="1"/>
+                </p:ext>
+              </p:extLst>
+            </p:nvPr>
+          </p:nvSpPr>
+          <p:spPr>
+            <a:xfrm>
+              <a:off x="0" y="0"/>
+              <a:ext cx="12192000" cy="6858000"/>
+            </a:xfrm>
+            <a:prstGeom prst="rect">
+              <a:avLst/>
+            </a:prstGeom>
+            <a:blipFill>
+              <a:blip r:embed="rId2">
+                <a:duotone>
+                  <a:schemeClr val="dk2">
+                    <a:shade val="69000"/>
+                    <a:hueMod val="91000"/>
+                    <a:satMod val="164000"/>
+                    <a:lumMod val="74000"/>
+                  </a:schemeClr>
+                  <a:schemeClr val="dk2">
+                    <a:hueMod val="124000"/>
+                    <a:satMod val="140000"/>
+                    <a:lumMod val="142000"/>
+                  </a:schemeClr>
+                </a:duotone>
+              </a:blip>
+              <a:stretch>
+                <a:fillRect/>
+              </a:stretch>
+            </a:blipFill>
+            <a:ln>
+              <a:noFill/>
+            </a:ln>
+          </p:spPr>
+          <p:style>
+            <a:lnRef idx="2">
+              <a:schemeClr val="accent1">
+                <a:shade val="50000"/>
+              </a:schemeClr>
+            </a:lnRef>
+            <a:fillRef idx="1">
+              <a:schemeClr val="accent1"/>
+            </a:fillRef>
+            <a:effectRef idx="0">
+              <a:schemeClr val="accent1"/>
+            </a:effectRef>
+            <a:fontRef idx="minor">
+              <a:schemeClr val="lt1"/>
+            </a:fontRef>
+          </p:style>
+        </p:sp>
+        <p:sp>
+          <p:nvSpPr>
+            <p:cNvPr id="11" name="Freeform 5">
+              <a:extLst>
+                <a:ext uri="{FF2B5EF4-FFF2-40B4-BE49-F238E27FC236}">
+                  <a16:creationId xmlns:a16="http://schemas.microsoft.com/office/drawing/2014/main" id="{FCA94DB5-FE56-4A3D-BC48-31B5595197FD}"/>
+                </a:ext>
+                <a:ext uri="{C183D7F6-B498-43B3-948B-1728B52AA6E4}">
+                  <adec:decorative xmlns:adec="http://schemas.microsoft.com/office/drawing/2017/decorative" val="1"/>
+                </a:ext>
+              </a:extLst>
+            </p:cNvPr>
+            <p:cNvSpPr>
+              <a:spLocks noEditPoints="1"/>
+            </p:cNvSpPr>
+            <p:nvPr>
+              <p:extLst>
+                <p:ext uri="{386F3935-93C4-4BCD-93E2-E3B085C9AB24}">
+                  <p16:designElem xmlns:p16="http://schemas.microsoft.com/office/powerpoint/2015/main" val="1"/>
+                </p:ext>
+              </p:extLst>
+            </p:nvPr>
+          </p:nvSpPr>
+          <p:spPr bwMode="gray">
+            <a:xfrm>
+              <a:off x="0" y="1587"/>
+              <a:ext cx="12192000" cy="6856413"/>
+            </a:xfrm>
+            <a:custGeom>
+              <a:avLst/>
+              <a:gdLst/>
+              <a:ahLst/>
+              <a:cxnLst/>
+              <a:rect l="0" t="0" r="r" b="b"/>
+              <a:pathLst>
+                <a:path w="15356" h="8638">
+                  <a:moveTo>
+                    <a:pt x="0" y="0"/>
+                  </a:moveTo>
+                  <a:lnTo>
+                    <a:pt x="0" y="8638"/>
+                  </a:lnTo>
+                  <a:lnTo>
+                    <a:pt x="15356" y="8638"/>
+                  </a:lnTo>
+                  <a:lnTo>
+                    <a:pt x="15356" y="0"/>
+                  </a:lnTo>
+                  <a:lnTo>
+                    <a:pt x="0" y="0"/>
+                  </a:lnTo>
+                  <a:close/>
+                  <a:moveTo>
+                    <a:pt x="14748" y="8038"/>
+                  </a:moveTo>
+                  <a:lnTo>
+                    <a:pt x="600" y="8038"/>
+                  </a:lnTo>
+                  <a:lnTo>
+                    <a:pt x="600" y="592"/>
+                  </a:lnTo>
+                  <a:lnTo>
+                    <a:pt x="14748" y="592"/>
+                  </a:lnTo>
+                  <a:lnTo>
+                    <a:pt x="14748" y="8038"/>
+                  </a:lnTo>
+                  <a:close/>
+                </a:path>
+              </a:pathLst>
+            </a:custGeom>
+            <a:solidFill>
+              <a:srgbClr val="FFFFFF"/>
+            </a:solidFill>
+            <a:ln>
+              <a:noFill/>
+            </a:ln>
+          </p:spPr>
+        </p:sp>
+      </p:grpSp>
+      <p:sp>
+        <p:nvSpPr>
           <p:cNvPr id="2" name="Título 1">
             <a:extLst>
               <a:ext uri="{FF2B5EF4-FFF2-40B4-BE49-F238E27FC236}">
@@ -13317,13 +17711,24 @@
             <p:ph type="title"/>
           </p:nvPr>
         </p:nvSpPr>
-        <p:spPr/>
+        <p:spPr>
+          <a:xfrm>
+            <a:off x="1154954" y="973668"/>
+            <a:ext cx="8761413" cy="706964"/>
+          </a:xfrm>
+        </p:spPr>
         <p:txBody>
-          <a:bodyPr/>
+          <a:bodyPr>
+            <a:normAutofit/>
+          </a:bodyPr>
           <a:lstStyle/>
           <a:p>
             <a:r>
-              <a:rPr lang="es-MX" dirty="0"/>
+              <a:rPr lang="es-MX">
+                <a:solidFill>
+                  <a:srgbClr val="FFFFFF"/>
+                </a:solidFill>
+              </a:rPr>
               <a:t>Opciones de ensamblador</a:t>
             </a:r>
           </a:p>
@@ -13331,59 +17736,88 @@
       </p:sp>
       <p:sp>
         <p:nvSpPr>
-          <p:cNvPr id="3" name="Marcador de contenido 2">
+          <p:cNvPr id="13" name="Rectangle 12">
             <a:extLst>
               <a:ext uri="{FF2B5EF4-FFF2-40B4-BE49-F238E27FC236}">
-                <a16:creationId xmlns:a16="http://schemas.microsoft.com/office/drawing/2014/main" id="{6E2566E6-87D6-4A49-BF79-9A64B37F62CC}"/>
+                <a16:creationId xmlns:a16="http://schemas.microsoft.com/office/drawing/2014/main" id="{F9ED434F-8767-46CC-B26B-5AF62FF01E66}"/>
+              </a:ext>
+              <a:ext uri="{C183D7F6-B498-43B3-948B-1728B52AA6E4}">
+                <adec:decorative xmlns:adec="http://schemas.microsoft.com/office/drawing/2017/decorative" val="1"/>
               </a:ext>
             </a:extLst>
           </p:cNvPr>
           <p:cNvSpPr>
-            <a:spLocks noGrp="1"/>
+            <a:spLocks noGrp="1" noRot="1" noChangeAspect="1" noMove="1" noResize="1" noEditPoints="1" noAdjustHandles="1" noChangeArrowheads="1" noChangeShapeType="1" noTextEdit="1"/>
           </p:cNvSpPr>
           <p:nvPr>
-            <p:ph idx="1"/>
+            <p:extLst>
+              <p:ext uri="{386F3935-93C4-4BCD-93E2-E3B085C9AB24}">
+                <p16:designElem xmlns:p16="http://schemas.microsoft.com/office/powerpoint/2015/main" val="1"/>
+              </p:ext>
+            </p:extLst>
           </p:nvPr>
         </p:nvSpPr>
-        <p:spPr/>
-        <p:txBody>
-          <a:bodyPr/>
-          <a:lstStyle/>
-          <a:p>
-            <a:r>
-              <a:rPr lang="es-MX" dirty="0"/>
-              <a:t>Números perfectos</a:t>
-            </a:r>
-          </a:p>
-          <a:p>
-            <a:r>
-              <a:rPr lang="es-MX" dirty="0"/>
-              <a:t>Máximo común divisor</a:t>
-            </a:r>
-          </a:p>
-          <a:p>
-            <a:r>
-              <a:rPr lang="es-MX" dirty="0"/>
-              <a:t>Detectar el tipo de triángulo</a:t>
-            </a:r>
-          </a:p>
-          <a:p>
-            <a:r>
-              <a:rPr lang="es-MX" dirty="0" err="1"/>
-              <a:t>Selective</a:t>
-            </a:r>
-            <a:r>
-              <a:rPr lang="es-MX" dirty="0"/>
-              <a:t> </a:t>
-            </a:r>
-            <a:r>
-              <a:rPr lang="es-MX" dirty="0" err="1"/>
-              <a:t>sort</a:t>
-            </a:r>
-            <a:endParaRPr lang="es-MX" dirty="0"/>
-          </a:p>
-        </p:txBody>
+        <p:spPr>
+          <a:xfrm>
+            <a:off x="10437812" y="0"/>
+            <a:ext cx="685800" cy="1143000"/>
+          </a:xfrm>
+          <a:prstGeom prst="rect">
+            <a:avLst/>
+          </a:prstGeom>
+          <a:solidFill>
+            <a:schemeClr val="accent1"/>
+          </a:solidFill>
+          <a:ln>
+            <a:noFill/>
+          </a:ln>
+        </p:spPr>
+        <p:style>
+          <a:lnRef idx="1">
+            <a:schemeClr val="accent1"/>
+          </a:lnRef>
+          <a:fillRef idx="3">
+            <a:schemeClr val="accent1"/>
+          </a:fillRef>
+          <a:effectRef idx="2">
+            <a:schemeClr val="accent1"/>
+          </a:effectRef>
+          <a:fontRef idx="minor">
+            <a:schemeClr val="lt1"/>
+          </a:fontRef>
+        </p:style>
       </p:sp>
+      <p:graphicFrame>
+        <p:nvGraphicFramePr>
+          <p:cNvPr id="5" name="Marcador de contenido 2">
+            <a:extLst>
+              <a:ext uri="{FF2B5EF4-FFF2-40B4-BE49-F238E27FC236}">
+                <a16:creationId xmlns:a16="http://schemas.microsoft.com/office/drawing/2014/main" id="{89B37B3D-36AA-4DF5-9CFC-114C9494C99E}"/>
+              </a:ext>
+            </a:extLst>
+          </p:cNvPr>
+          <p:cNvGraphicFramePr>
+            <a:graphicFrameLocks noGrp="1"/>
+          </p:cNvGraphicFramePr>
+          <p:nvPr>
+            <p:ph idx="1"/>
+            <p:extLst>
+              <p:ext uri="{D42A27DB-BD31-4B8C-83A1-F6EECF244321}">
+                <p14:modId xmlns:p14="http://schemas.microsoft.com/office/powerpoint/2010/main" val="2061161579"/>
+              </p:ext>
+            </p:extLst>
+          </p:nvPr>
+        </p:nvGraphicFramePr>
+        <p:xfrm>
+          <a:off x="1286934" y="2324100"/>
+          <a:ext cx="9625383" cy="3422683"/>
+        </p:xfrm>
+        <a:graphic>
+          <a:graphicData uri="http://schemas.openxmlformats.org/drawingml/2006/diagram">
+            <dgm:relIds xmlns:dgm="http://schemas.openxmlformats.org/drawingml/2006/diagram" xmlns:r="http://schemas.openxmlformats.org/officeDocument/2006/relationships" r:dm="rId3" r:lo="rId4" r:qs="rId5" r:cs="rId6"/>
+          </a:graphicData>
+        </a:graphic>
+      </p:graphicFrame>
     </p:spTree>
     <p:extLst>
       <p:ext uri="{BB962C8B-B14F-4D97-AF65-F5344CB8AC3E}">
@@ -13392,7 +17826,7 @@
     </p:extLst>
   </p:cSld>
   <p:clrMapOvr>
-    <a:masterClrMapping/>
+    <a:overrideClrMapping bg1="dk1" tx1="lt1" bg2="dk2" tx2="lt2" accent1="accent1" accent2="accent2" accent3="accent3" accent4="accent4" accent5="accent5" accent6="accent6" hlink="hlink" folHlink="folHlink"/>
   </p:clrMapOvr>
 </p:sld>
 </file>
@@ -13552,6 +17986,29 @@
 <file path=ppt/slides/slide4.xml><?xml version="1.0" encoding="utf-8"?>
 <p:sld xmlns:a="http://schemas.openxmlformats.org/drawingml/2006/main" xmlns:r="http://schemas.openxmlformats.org/officeDocument/2006/relationships" xmlns:p="http://schemas.openxmlformats.org/presentationml/2006/main">
   <p:cSld>
+    <p:bg>
+      <p:bgPr>
+        <a:blipFill rotWithShape="1">
+          <a:blip r:embed="rId2">
+            <a:duotone>
+              <a:schemeClr val="bg2">
+                <a:shade val="69000"/>
+                <a:hueMod val="91000"/>
+                <a:satMod val="164000"/>
+                <a:lumMod val="74000"/>
+              </a:schemeClr>
+              <a:schemeClr val="bg2">
+                <a:hueMod val="124000"/>
+                <a:satMod val="140000"/>
+                <a:lumMod val="142000"/>
+              </a:schemeClr>
+            </a:duotone>
+          </a:blip>
+          <a:stretch/>
+        </a:blipFill>
+        <a:effectLst/>
+      </p:bgPr>
+    </p:bg>
     <p:spTree>
       <p:nvGrpSpPr>
         <p:cNvPr id="1" name=""/>
@@ -13566,6 +18023,228 @@
           <a:chExt cx="0" cy="0"/>
         </a:xfrm>
       </p:grpSpPr>
+      <p:sp useBgFill="1">
+        <p:nvSpPr>
+          <p:cNvPr id="8" name="Rectangle 7">
+            <a:extLst>
+              <a:ext uri="{FF2B5EF4-FFF2-40B4-BE49-F238E27FC236}">
+                <a16:creationId xmlns:a16="http://schemas.microsoft.com/office/drawing/2014/main" id="{C314C310-850D-4491-AA52-C75BEA68B68C}"/>
+              </a:ext>
+              <a:ext uri="{C183D7F6-B498-43B3-948B-1728B52AA6E4}">
+                <adec:decorative xmlns:adec="http://schemas.microsoft.com/office/drawing/2017/decorative" val="1"/>
+              </a:ext>
+            </a:extLst>
+          </p:cNvPr>
+          <p:cNvSpPr>
+            <a:spLocks noGrp="1" noRot="1" noChangeAspect="1" noMove="1" noResize="1" noEditPoints="1" noAdjustHandles="1" noChangeArrowheads="1" noChangeShapeType="1" noTextEdit="1"/>
+          </p:cNvSpPr>
+          <p:nvPr>
+            <p:extLst>
+              <p:ext uri="{386F3935-93C4-4BCD-93E2-E3B085C9AB24}">
+                <p16:designElem xmlns:p16="http://schemas.microsoft.com/office/powerpoint/2015/main" val="1"/>
+              </p:ext>
+            </p:extLst>
+          </p:nvPr>
+        </p:nvSpPr>
+        <p:spPr>
+          <a:xfrm>
+            <a:off x="0" y="0"/>
+            <a:ext cx="12192000" cy="6858000"/>
+          </a:xfrm>
+          <a:prstGeom prst="rect">
+            <a:avLst/>
+          </a:prstGeom>
+          <a:ln>
+            <a:noFill/>
+          </a:ln>
+        </p:spPr>
+        <p:style>
+          <a:lnRef idx="2">
+            <a:schemeClr val="accent1">
+              <a:shade val="50000"/>
+            </a:schemeClr>
+          </a:lnRef>
+          <a:fillRef idx="1">
+            <a:schemeClr val="accent1"/>
+          </a:fillRef>
+          <a:effectRef idx="0">
+            <a:schemeClr val="accent1"/>
+          </a:effectRef>
+          <a:fontRef idx="minor">
+            <a:schemeClr val="lt1"/>
+          </a:fontRef>
+        </p:style>
+        <p:txBody>
+          <a:bodyPr rtlCol="0" anchor="ctr"/>
+          <a:lstStyle/>
+          <a:p>
+            <a:pPr algn="ctr"/>
+            <a:endParaRPr lang="en-US"/>
+          </a:p>
+        </p:txBody>
+      </p:sp>
+      <p:grpSp>
+        <p:nvGrpSpPr>
+          <p:cNvPr id="10" name="Group 9">
+            <a:extLst>
+              <a:ext uri="{FF2B5EF4-FFF2-40B4-BE49-F238E27FC236}">
+                <a16:creationId xmlns:a16="http://schemas.microsoft.com/office/drawing/2014/main" id="{D4EC3799-3F52-48CE-85CC-83AED368EB42}"/>
+              </a:ext>
+              <a:ext uri="{C183D7F6-B498-43B3-948B-1728B52AA6E4}">
+                <adec:decorative xmlns:adec="http://schemas.microsoft.com/office/drawing/2017/decorative" val="1"/>
+              </a:ext>
+            </a:extLst>
+          </p:cNvPr>
+          <p:cNvGrpSpPr>
+            <a:grpSpLocks noGrp="1" noUngrp="1" noRot="1" noChangeAspect="1" noMove="1" noResize="1"/>
+          </p:cNvGrpSpPr>
+          <p:nvPr>
+            <p:extLst>
+              <p:ext uri="{386F3935-93C4-4BCD-93E2-E3B085C9AB24}">
+                <p16:designElem xmlns:p16="http://schemas.microsoft.com/office/powerpoint/2015/main" val="1"/>
+              </p:ext>
+            </p:extLst>
+          </p:nvPr>
+        </p:nvGrpSpPr>
+        <p:grpSpPr>
+          <a:xfrm>
+            <a:off x="0" y="0"/>
+            <a:ext cx="12192000" cy="6858000"/>
+            <a:chOff x="0" y="0"/>
+            <a:chExt cx="12192000" cy="6858000"/>
+          </a:xfrm>
+        </p:grpSpPr>
+        <p:sp>
+          <p:nvSpPr>
+            <p:cNvPr id="11" name="Rectangle 10">
+              <a:extLst>
+                <a:ext uri="{FF2B5EF4-FFF2-40B4-BE49-F238E27FC236}">
+                  <a16:creationId xmlns:a16="http://schemas.microsoft.com/office/drawing/2014/main" id="{F3FC2939-BF10-4CBC-904B-74A17D4B9C35}"/>
+                </a:ext>
+                <a:ext uri="{C183D7F6-B498-43B3-948B-1728B52AA6E4}">
+                  <adec:decorative xmlns:adec="http://schemas.microsoft.com/office/drawing/2017/decorative" val="1"/>
+                </a:ext>
+              </a:extLst>
+            </p:cNvPr>
+            <p:cNvSpPr/>
+            <p:nvPr>
+              <p:extLst>
+                <p:ext uri="{386F3935-93C4-4BCD-93E2-E3B085C9AB24}">
+                  <p16:designElem xmlns:p16="http://schemas.microsoft.com/office/powerpoint/2015/main" val="1"/>
+                </p:ext>
+              </p:extLst>
+            </p:nvPr>
+          </p:nvSpPr>
+          <p:spPr>
+            <a:xfrm>
+              <a:off x="0" y="0"/>
+              <a:ext cx="12192000" cy="6858000"/>
+            </a:xfrm>
+            <a:prstGeom prst="rect">
+              <a:avLst/>
+            </a:prstGeom>
+            <a:noFill/>
+            <a:ln>
+              <a:noFill/>
+            </a:ln>
+          </p:spPr>
+          <p:style>
+            <a:lnRef idx="2">
+              <a:schemeClr val="accent1">
+                <a:shade val="50000"/>
+              </a:schemeClr>
+            </a:lnRef>
+            <a:fillRef idx="1">
+              <a:schemeClr val="accent1"/>
+            </a:fillRef>
+            <a:effectRef idx="0">
+              <a:schemeClr val="accent1"/>
+            </a:effectRef>
+            <a:fontRef idx="minor">
+              <a:schemeClr val="lt1"/>
+            </a:fontRef>
+          </p:style>
+        </p:sp>
+        <p:sp>
+          <p:nvSpPr>
+            <p:cNvPr id="12" name="Freeform 5">
+              <a:extLst>
+                <a:ext uri="{FF2B5EF4-FFF2-40B4-BE49-F238E27FC236}">
+                  <a16:creationId xmlns:a16="http://schemas.microsoft.com/office/drawing/2014/main" id="{266B6D5D-11B6-40A6-9CEF-F0B0D104C5C6}"/>
+                </a:ext>
+                <a:ext uri="{C183D7F6-B498-43B3-948B-1728B52AA6E4}">
+                  <adec:decorative xmlns:adec="http://schemas.microsoft.com/office/drawing/2017/decorative" val="1"/>
+                </a:ext>
+              </a:extLst>
+            </p:cNvPr>
+            <p:cNvSpPr>
+              <a:spLocks noEditPoints="1"/>
+            </p:cNvSpPr>
+            <p:nvPr>
+              <p:extLst>
+                <p:ext uri="{386F3935-93C4-4BCD-93E2-E3B085C9AB24}">
+                  <p16:designElem xmlns:p16="http://schemas.microsoft.com/office/powerpoint/2015/main" val="1"/>
+                </p:ext>
+              </p:extLst>
+            </p:nvPr>
+          </p:nvSpPr>
+          <p:spPr bwMode="gray">
+            <a:xfrm>
+              <a:off x="0" y="1587"/>
+              <a:ext cx="12192000" cy="6856413"/>
+            </a:xfrm>
+            <a:custGeom>
+              <a:avLst/>
+              <a:gdLst/>
+              <a:ahLst/>
+              <a:cxnLst/>
+              <a:rect l="0" t="0" r="r" b="b"/>
+              <a:pathLst>
+                <a:path w="15356" h="8638">
+                  <a:moveTo>
+                    <a:pt x="0" y="0"/>
+                  </a:moveTo>
+                  <a:lnTo>
+                    <a:pt x="0" y="8638"/>
+                  </a:lnTo>
+                  <a:lnTo>
+                    <a:pt x="15356" y="8638"/>
+                  </a:lnTo>
+                  <a:lnTo>
+                    <a:pt x="15356" y="0"/>
+                  </a:lnTo>
+                  <a:lnTo>
+                    <a:pt x="0" y="0"/>
+                  </a:lnTo>
+                  <a:close/>
+                  <a:moveTo>
+                    <a:pt x="14748" y="8038"/>
+                  </a:moveTo>
+                  <a:lnTo>
+                    <a:pt x="600" y="8038"/>
+                  </a:lnTo>
+                  <a:lnTo>
+                    <a:pt x="600" y="592"/>
+                  </a:lnTo>
+                  <a:lnTo>
+                    <a:pt x="14748" y="592"/>
+                  </a:lnTo>
+                  <a:lnTo>
+                    <a:pt x="14748" y="8038"/>
+                  </a:lnTo>
+                  <a:close/>
+                </a:path>
+              </a:pathLst>
+            </a:custGeom>
+            <a:solidFill>
+              <a:schemeClr val="tx1"/>
+            </a:solidFill>
+            <a:ln>
+              <a:noFill/>
+            </a:ln>
+          </p:spPr>
+        </p:sp>
+      </p:grpSp>
       <p:sp>
         <p:nvSpPr>
           <p:cNvPr id="2" name="Título 1">
@@ -13582,18 +18261,83 @@
             <p:ph type="title"/>
           </p:nvPr>
         </p:nvSpPr>
-        <p:spPr/>
+        <p:spPr>
+          <a:xfrm>
+            <a:off x="836247" y="1085549"/>
+            <a:ext cx="3430947" cy="4686903"/>
+          </a:xfrm>
+        </p:spPr>
         <p:txBody>
-          <a:bodyPr/>
+          <a:bodyPr anchor="ctr">
+            <a:normAutofit/>
+          </a:bodyPr>
           <a:lstStyle/>
           <a:p>
+            <a:pPr algn="r"/>
             <a:r>
-              <a:rPr lang="es-MX" dirty="0"/>
+              <a:rPr lang="es-MX" dirty="0">
+                <a:solidFill>
+                  <a:schemeClr val="tx1"/>
+                </a:solidFill>
+              </a:rPr>
               <a:t>Resumen Fase 1</a:t>
             </a:r>
           </a:p>
         </p:txBody>
       </p:sp>
+      <p:cxnSp>
+        <p:nvCxnSpPr>
+          <p:cNvPr id="14" name="Straight Connector 13">
+            <a:extLst>
+              <a:ext uri="{FF2B5EF4-FFF2-40B4-BE49-F238E27FC236}">
+                <a16:creationId xmlns:a16="http://schemas.microsoft.com/office/drawing/2014/main" id="{789E20C7-BB50-4317-93C7-90C8ED80B275}"/>
+              </a:ext>
+              <a:ext uri="{C183D7F6-B498-43B3-948B-1728B52AA6E4}">
+                <adec:decorative xmlns:adec="http://schemas.microsoft.com/office/drawing/2017/decorative" val="1"/>
+              </a:ext>
+            </a:extLst>
+          </p:cNvPr>
+          <p:cNvCxnSpPr>
+            <a:cxnSpLocks noGrp="1" noRot="1" noChangeAspect="1" noMove="1" noResize="1" noEditPoints="1" noAdjustHandles="1" noChangeArrowheads="1" noChangeShapeType="1"/>
+          </p:cNvCxnSpPr>
+          <p:nvPr>
+            <p:extLst>
+              <p:ext uri="{386F3935-93C4-4BCD-93E2-E3B085C9AB24}">
+                <p16:designElem xmlns:p16="http://schemas.microsoft.com/office/powerpoint/2015/main" val="1"/>
+              </p:ext>
+            </p:extLst>
+          </p:nvPr>
+        </p:nvCxnSpPr>
+        <p:spPr>
+          <a:xfrm>
+            <a:off x="4654296" y="1930986"/>
+            <a:ext cx="0" cy="3200400"/>
+          </a:xfrm>
+          <a:prstGeom prst="line">
+            <a:avLst/>
+          </a:prstGeom>
+          <a:ln w="15875" cap="sq">
+            <a:solidFill>
+              <a:schemeClr val="tx1"/>
+            </a:solidFill>
+            <a:miter lim="800000"/>
+          </a:ln>
+        </p:spPr>
+        <p:style>
+          <a:lnRef idx="1">
+            <a:schemeClr val="accent1"/>
+          </a:lnRef>
+          <a:fillRef idx="0">
+            <a:schemeClr val="accent1"/>
+          </a:fillRef>
+          <a:effectRef idx="0">
+            <a:schemeClr val="accent1"/>
+          </a:effectRef>
+          <a:fontRef idx="minor">
+            <a:schemeClr val="tx1"/>
+          </a:fontRef>
+        </p:style>
+      </p:cxnSp>
       <p:sp>
         <p:nvSpPr>
           <p:cNvPr id="3" name="Marcador de contenido 2">
@@ -13610,18 +18354,33 @@
             <p:ph idx="1"/>
           </p:nvPr>
         </p:nvSpPr>
-        <p:spPr/>
+        <p:spPr>
+          <a:xfrm>
+            <a:off x="5041399" y="1085549"/>
+            <a:ext cx="5579707" cy="4686903"/>
+          </a:xfrm>
+        </p:spPr>
         <p:txBody>
-          <a:bodyPr/>
+          <a:bodyPr anchor="ctr">
+            <a:normAutofit/>
+          </a:bodyPr>
           <a:lstStyle/>
           <a:p>
             <a:r>
-              <a:rPr lang="es-MX" dirty="0"/>
+              <a:rPr lang="es-MX">
+                <a:solidFill>
+                  <a:schemeClr val="tx1"/>
+                </a:solidFill>
+              </a:rPr>
               <a:t>En esta fase únicamente podemos utilizar instrucciones de tipo R y no contamos con una memoria por lo que no es posible guardar los resultados más que en registros.</a:t>
             </a:r>
           </a:p>
           <a:p>
-            <a:endParaRPr lang="es-MX" dirty="0"/>
+            <a:endParaRPr lang="es-MX">
+              <a:solidFill>
+                <a:schemeClr val="tx1"/>
+              </a:solidFill>
+            </a:endParaRPr>
           </a:p>
         </p:txBody>
       </p:sp>
@@ -13633,7 +18392,7 @@
     </p:extLst>
   </p:cSld>
   <p:clrMapOvr>
-    <a:masterClrMapping/>
+    <a:overrideClrMapping bg1="dk1" tx1="lt1" bg2="dk2" tx2="lt2" accent1="accent1" accent2="accent2" accent3="accent3" accent4="accent4" accent5="accent5" accent6="accent6" hlink="hlink" folHlink="folHlink"/>
   </p:clrMapOvr>
 </p:sld>
 </file>
@@ -13895,6 +18654,29 @@
 <file path=ppt/slides/slide7.xml><?xml version="1.0" encoding="utf-8"?>
 <p:sld xmlns:a="http://schemas.openxmlformats.org/drawingml/2006/main" xmlns:r="http://schemas.openxmlformats.org/officeDocument/2006/relationships" xmlns:p="http://schemas.openxmlformats.org/presentationml/2006/main">
   <p:cSld>
+    <p:bg>
+      <p:bgPr>
+        <a:blipFill rotWithShape="1">
+          <a:blip r:embed="rId2">
+            <a:duotone>
+              <a:schemeClr val="bg2">
+                <a:shade val="69000"/>
+                <a:hueMod val="91000"/>
+                <a:satMod val="164000"/>
+                <a:lumMod val="74000"/>
+              </a:schemeClr>
+              <a:schemeClr val="bg2">
+                <a:hueMod val="124000"/>
+                <a:satMod val="140000"/>
+                <a:lumMod val="142000"/>
+              </a:schemeClr>
+            </a:duotone>
+          </a:blip>
+          <a:stretch/>
+        </a:blipFill>
+        <a:effectLst/>
+      </p:bgPr>
+    </p:bg>
     <p:spTree>
       <p:nvGrpSpPr>
         <p:cNvPr id="1" name=""/>
@@ -13909,6 +18691,228 @@
           <a:chExt cx="0" cy="0"/>
         </a:xfrm>
       </p:grpSpPr>
+      <p:sp useBgFill="1">
+        <p:nvSpPr>
+          <p:cNvPr id="8" name="Rectangle 7">
+            <a:extLst>
+              <a:ext uri="{FF2B5EF4-FFF2-40B4-BE49-F238E27FC236}">
+                <a16:creationId xmlns:a16="http://schemas.microsoft.com/office/drawing/2014/main" id="{C314C310-850D-4491-AA52-C75BEA68B68C}"/>
+              </a:ext>
+              <a:ext uri="{C183D7F6-B498-43B3-948B-1728B52AA6E4}">
+                <adec:decorative xmlns:adec="http://schemas.microsoft.com/office/drawing/2017/decorative" val="1"/>
+              </a:ext>
+            </a:extLst>
+          </p:cNvPr>
+          <p:cNvSpPr>
+            <a:spLocks noGrp="1" noRot="1" noChangeAspect="1" noMove="1" noResize="1" noEditPoints="1" noAdjustHandles="1" noChangeArrowheads="1" noChangeShapeType="1" noTextEdit="1"/>
+          </p:cNvSpPr>
+          <p:nvPr>
+            <p:extLst>
+              <p:ext uri="{386F3935-93C4-4BCD-93E2-E3B085C9AB24}">
+                <p16:designElem xmlns:p16="http://schemas.microsoft.com/office/powerpoint/2015/main" val="1"/>
+              </p:ext>
+            </p:extLst>
+          </p:nvPr>
+        </p:nvSpPr>
+        <p:spPr>
+          <a:xfrm>
+            <a:off x="0" y="0"/>
+            <a:ext cx="12192000" cy="6858000"/>
+          </a:xfrm>
+          <a:prstGeom prst="rect">
+            <a:avLst/>
+          </a:prstGeom>
+          <a:ln>
+            <a:noFill/>
+          </a:ln>
+        </p:spPr>
+        <p:style>
+          <a:lnRef idx="2">
+            <a:schemeClr val="accent1">
+              <a:shade val="50000"/>
+            </a:schemeClr>
+          </a:lnRef>
+          <a:fillRef idx="1">
+            <a:schemeClr val="accent1"/>
+          </a:fillRef>
+          <a:effectRef idx="0">
+            <a:schemeClr val="accent1"/>
+          </a:effectRef>
+          <a:fontRef idx="minor">
+            <a:schemeClr val="lt1"/>
+          </a:fontRef>
+        </p:style>
+        <p:txBody>
+          <a:bodyPr rtlCol="0" anchor="ctr"/>
+          <a:lstStyle/>
+          <a:p>
+            <a:pPr algn="ctr"/>
+            <a:endParaRPr lang="en-US"/>
+          </a:p>
+        </p:txBody>
+      </p:sp>
+      <p:grpSp>
+        <p:nvGrpSpPr>
+          <p:cNvPr id="10" name="Group 9">
+            <a:extLst>
+              <a:ext uri="{FF2B5EF4-FFF2-40B4-BE49-F238E27FC236}">
+                <a16:creationId xmlns:a16="http://schemas.microsoft.com/office/drawing/2014/main" id="{D4EC3799-3F52-48CE-85CC-83AED368EB42}"/>
+              </a:ext>
+              <a:ext uri="{C183D7F6-B498-43B3-948B-1728B52AA6E4}">
+                <adec:decorative xmlns:adec="http://schemas.microsoft.com/office/drawing/2017/decorative" val="1"/>
+              </a:ext>
+            </a:extLst>
+          </p:cNvPr>
+          <p:cNvGrpSpPr>
+            <a:grpSpLocks noGrp="1" noUngrp="1" noRot="1" noChangeAspect="1" noMove="1" noResize="1"/>
+          </p:cNvGrpSpPr>
+          <p:nvPr>
+            <p:extLst>
+              <p:ext uri="{386F3935-93C4-4BCD-93E2-E3B085C9AB24}">
+                <p16:designElem xmlns:p16="http://schemas.microsoft.com/office/powerpoint/2015/main" val="1"/>
+              </p:ext>
+            </p:extLst>
+          </p:nvPr>
+        </p:nvGrpSpPr>
+        <p:grpSpPr>
+          <a:xfrm>
+            <a:off x="0" y="0"/>
+            <a:ext cx="12192000" cy="6858000"/>
+            <a:chOff x="0" y="0"/>
+            <a:chExt cx="12192000" cy="6858000"/>
+          </a:xfrm>
+        </p:grpSpPr>
+        <p:sp>
+          <p:nvSpPr>
+            <p:cNvPr id="11" name="Rectangle 10">
+              <a:extLst>
+                <a:ext uri="{FF2B5EF4-FFF2-40B4-BE49-F238E27FC236}">
+                  <a16:creationId xmlns:a16="http://schemas.microsoft.com/office/drawing/2014/main" id="{F3FC2939-BF10-4CBC-904B-74A17D4B9C35}"/>
+                </a:ext>
+                <a:ext uri="{C183D7F6-B498-43B3-948B-1728B52AA6E4}">
+                  <adec:decorative xmlns:adec="http://schemas.microsoft.com/office/drawing/2017/decorative" val="1"/>
+                </a:ext>
+              </a:extLst>
+            </p:cNvPr>
+            <p:cNvSpPr/>
+            <p:nvPr>
+              <p:extLst>
+                <p:ext uri="{386F3935-93C4-4BCD-93E2-E3B085C9AB24}">
+                  <p16:designElem xmlns:p16="http://schemas.microsoft.com/office/powerpoint/2015/main" val="1"/>
+                </p:ext>
+              </p:extLst>
+            </p:nvPr>
+          </p:nvSpPr>
+          <p:spPr>
+            <a:xfrm>
+              <a:off x="0" y="0"/>
+              <a:ext cx="12192000" cy="6858000"/>
+            </a:xfrm>
+            <a:prstGeom prst="rect">
+              <a:avLst/>
+            </a:prstGeom>
+            <a:noFill/>
+            <a:ln>
+              <a:noFill/>
+            </a:ln>
+          </p:spPr>
+          <p:style>
+            <a:lnRef idx="2">
+              <a:schemeClr val="accent1">
+                <a:shade val="50000"/>
+              </a:schemeClr>
+            </a:lnRef>
+            <a:fillRef idx="1">
+              <a:schemeClr val="accent1"/>
+            </a:fillRef>
+            <a:effectRef idx="0">
+              <a:schemeClr val="accent1"/>
+            </a:effectRef>
+            <a:fontRef idx="minor">
+              <a:schemeClr val="lt1"/>
+            </a:fontRef>
+          </p:style>
+        </p:sp>
+        <p:sp>
+          <p:nvSpPr>
+            <p:cNvPr id="12" name="Freeform 5">
+              <a:extLst>
+                <a:ext uri="{FF2B5EF4-FFF2-40B4-BE49-F238E27FC236}">
+                  <a16:creationId xmlns:a16="http://schemas.microsoft.com/office/drawing/2014/main" id="{266B6D5D-11B6-40A6-9CEF-F0B0D104C5C6}"/>
+                </a:ext>
+                <a:ext uri="{C183D7F6-B498-43B3-948B-1728B52AA6E4}">
+                  <adec:decorative xmlns:adec="http://schemas.microsoft.com/office/drawing/2017/decorative" val="1"/>
+                </a:ext>
+              </a:extLst>
+            </p:cNvPr>
+            <p:cNvSpPr>
+              <a:spLocks noEditPoints="1"/>
+            </p:cNvSpPr>
+            <p:nvPr>
+              <p:extLst>
+                <p:ext uri="{386F3935-93C4-4BCD-93E2-E3B085C9AB24}">
+                  <p16:designElem xmlns:p16="http://schemas.microsoft.com/office/powerpoint/2015/main" val="1"/>
+                </p:ext>
+              </p:extLst>
+            </p:nvPr>
+          </p:nvSpPr>
+          <p:spPr bwMode="gray">
+            <a:xfrm>
+              <a:off x="0" y="1587"/>
+              <a:ext cx="12192000" cy="6856413"/>
+            </a:xfrm>
+            <a:custGeom>
+              <a:avLst/>
+              <a:gdLst/>
+              <a:ahLst/>
+              <a:cxnLst/>
+              <a:rect l="0" t="0" r="r" b="b"/>
+              <a:pathLst>
+                <a:path w="15356" h="8638">
+                  <a:moveTo>
+                    <a:pt x="0" y="0"/>
+                  </a:moveTo>
+                  <a:lnTo>
+                    <a:pt x="0" y="8638"/>
+                  </a:lnTo>
+                  <a:lnTo>
+                    <a:pt x="15356" y="8638"/>
+                  </a:lnTo>
+                  <a:lnTo>
+                    <a:pt x="15356" y="0"/>
+                  </a:lnTo>
+                  <a:lnTo>
+                    <a:pt x="0" y="0"/>
+                  </a:lnTo>
+                  <a:close/>
+                  <a:moveTo>
+                    <a:pt x="14748" y="8038"/>
+                  </a:moveTo>
+                  <a:lnTo>
+                    <a:pt x="600" y="8038"/>
+                  </a:lnTo>
+                  <a:lnTo>
+                    <a:pt x="600" y="592"/>
+                  </a:lnTo>
+                  <a:lnTo>
+                    <a:pt x="14748" y="592"/>
+                  </a:lnTo>
+                  <a:lnTo>
+                    <a:pt x="14748" y="8038"/>
+                  </a:lnTo>
+                  <a:close/>
+                </a:path>
+              </a:pathLst>
+            </a:custGeom>
+            <a:solidFill>
+              <a:schemeClr val="tx1"/>
+            </a:solidFill>
+            <a:ln>
+              <a:noFill/>
+            </a:ln>
+          </p:spPr>
+        </p:sp>
+      </p:grpSp>
       <p:sp>
         <p:nvSpPr>
           <p:cNvPr id="2" name="Título 1">
@@ -13925,18 +18929,83 @@
             <p:ph type="title"/>
           </p:nvPr>
         </p:nvSpPr>
-        <p:spPr/>
+        <p:spPr>
+          <a:xfrm>
+            <a:off x="836247" y="1085549"/>
+            <a:ext cx="3430947" cy="4686903"/>
+          </a:xfrm>
+        </p:spPr>
         <p:txBody>
-          <a:bodyPr/>
+          <a:bodyPr anchor="ctr">
+            <a:normAutofit/>
+          </a:bodyPr>
           <a:lstStyle/>
           <a:p>
+            <a:pPr algn="r"/>
             <a:r>
-              <a:rPr lang="es-MX" dirty="0"/>
+              <a:rPr lang="es-MX">
+                <a:solidFill>
+                  <a:schemeClr val="tx1"/>
+                </a:solidFill>
+              </a:rPr>
               <a:t>Resumen fase 2</a:t>
             </a:r>
           </a:p>
         </p:txBody>
       </p:sp>
+      <p:cxnSp>
+        <p:nvCxnSpPr>
+          <p:cNvPr id="14" name="Straight Connector 13">
+            <a:extLst>
+              <a:ext uri="{FF2B5EF4-FFF2-40B4-BE49-F238E27FC236}">
+                <a16:creationId xmlns:a16="http://schemas.microsoft.com/office/drawing/2014/main" id="{789E20C7-BB50-4317-93C7-90C8ED80B275}"/>
+              </a:ext>
+              <a:ext uri="{C183D7F6-B498-43B3-948B-1728B52AA6E4}">
+                <adec:decorative xmlns:adec="http://schemas.microsoft.com/office/drawing/2017/decorative" val="1"/>
+              </a:ext>
+            </a:extLst>
+          </p:cNvPr>
+          <p:cNvCxnSpPr>
+            <a:cxnSpLocks noGrp="1" noRot="1" noChangeAspect="1" noMove="1" noResize="1" noEditPoints="1" noAdjustHandles="1" noChangeArrowheads="1" noChangeShapeType="1"/>
+          </p:cNvCxnSpPr>
+          <p:nvPr>
+            <p:extLst>
+              <p:ext uri="{386F3935-93C4-4BCD-93E2-E3B085C9AB24}">
+                <p16:designElem xmlns:p16="http://schemas.microsoft.com/office/powerpoint/2015/main" val="1"/>
+              </p:ext>
+            </p:extLst>
+          </p:nvPr>
+        </p:nvCxnSpPr>
+        <p:spPr>
+          <a:xfrm>
+            <a:off x="4654296" y="1930986"/>
+            <a:ext cx="0" cy="3200400"/>
+          </a:xfrm>
+          <a:prstGeom prst="line">
+            <a:avLst/>
+          </a:prstGeom>
+          <a:ln w="15875" cap="sq">
+            <a:solidFill>
+              <a:schemeClr val="tx1"/>
+            </a:solidFill>
+            <a:miter lim="800000"/>
+          </a:ln>
+        </p:spPr>
+        <p:style>
+          <a:lnRef idx="1">
+            <a:schemeClr val="accent1"/>
+          </a:lnRef>
+          <a:fillRef idx="0">
+            <a:schemeClr val="accent1"/>
+          </a:fillRef>
+          <a:effectRef idx="0">
+            <a:schemeClr val="accent1"/>
+          </a:effectRef>
+          <a:fontRef idx="minor">
+            <a:schemeClr val="tx1"/>
+          </a:fontRef>
+        </p:style>
+      </p:cxnSp>
       <p:sp>
         <p:nvSpPr>
           <p:cNvPr id="3" name="Marcador de contenido 2">
@@ -13953,33 +19022,44 @@
             <p:ph idx="1"/>
           </p:nvPr>
         </p:nvSpPr>
-        <p:spPr/>
+        <p:spPr>
+          <a:xfrm>
+            <a:off x="5041399" y="1085549"/>
+            <a:ext cx="5579707" cy="4686903"/>
+          </a:xfrm>
+        </p:spPr>
         <p:txBody>
-          <a:bodyPr/>
+          <a:bodyPr anchor="ctr">
+            <a:normAutofit/>
+          </a:bodyPr>
           <a:lstStyle/>
           <a:p>
             <a:r>
-              <a:rPr lang="es-MX" dirty="0"/>
+              <a:rPr lang="es-MX">
+                <a:solidFill>
+                  <a:schemeClr val="tx1"/>
+                </a:solidFill>
+              </a:rPr>
               <a:t>En esta fase se añaden módulos para shift, extender de señal y otros módulos como la memoria.</a:t>
             </a:r>
           </a:p>
           <a:p>
             <a:r>
-              <a:rPr lang="es-MX" dirty="0"/>
-              <a:t>Con estos módulos es posible crear </a:t>
-            </a:r>
-            <a:r>
-              <a:rPr lang="es-MX" dirty="0" err="1"/>
-              <a:t>branches</a:t>
-            </a:r>
-            <a:r>
-              <a:rPr lang="es-MX" dirty="0"/>
-              <a:t> y también hacer uso de la memoria de datos.</a:t>
+              <a:rPr lang="es-MX">
+                <a:solidFill>
+                  <a:schemeClr val="tx1"/>
+                </a:solidFill>
+              </a:rPr>
+              <a:t>Con estos módulos es posible crear branches y también hacer uso de la memoria de datos.</a:t>
             </a:r>
           </a:p>
           <a:p>
             <a:r>
-              <a:rPr lang="es-MX" dirty="0"/>
+              <a:rPr lang="es-MX">
+                <a:solidFill>
+                  <a:schemeClr val="tx1"/>
+                </a:solidFill>
+              </a:rPr>
               <a:t>Las instrucciones añadidas son ADDI, SLTI, ANDI, ORI, SW, LW, BEQ.</a:t>
             </a:r>
           </a:p>
@@ -13987,7 +19067,11 @@
             <a:pPr marL="0" indent="0">
               <a:buNone/>
             </a:pPr>
-            <a:endParaRPr lang="es-MX" dirty="0"/>
+            <a:endParaRPr lang="es-MX">
+              <a:solidFill>
+                <a:schemeClr val="tx1"/>
+              </a:solidFill>
+            </a:endParaRPr>
           </a:p>
         </p:txBody>
       </p:sp>
@@ -13999,7 +19083,7 @@
     </p:extLst>
   </p:cSld>
   <p:clrMapOvr>
-    <a:masterClrMapping/>
+    <a:overrideClrMapping bg1="dk1" tx1="lt1" bg2="dk2" tx2="lt2" accent1="accent1" accent2="accent2" accent3="accent3" accent4="accent4" accent5="accent5" accent6="accent6" hlink="hlink" folHlink="folHlink"/>
   </p:clrMapOvr>
 </p:sld>
 </file>
@@ -14215,6 +19299,29 @@
 <file path=ppt/slides/slide9.xml><?xml version="1.0" encoding="utf-8"?>
 <p:sld xmlns:a="http://schemas.openxmlformats.org/drawingml/2006/main" xmlns:r="http://schemas.openxmlformats.org/officeDocument/2006/relationships" xmlns:p="http://schemas.openxmlformats.org/presentationml/2006/main">
   <p:cSld>
+    <p:bg>
+      <p:bgPr>
+        <a:blipFill rotWithShape="1">
+          <a:blip r:embed="rId2">
+            <a:duotone>
+              <a:schemeClr val="bg2">
+                <a:shade val="69000"/>
+                <a:hueMod val="91000"/>
+                <a:satMod val="164000"/>
+                <a:lumMod val="74000"/>
+              </a:schemeClr>
+              <a:schemeClr val="bg2">
+                <a:hueMod val="124000"/>
+                <a:satMod val="140000"/>
+                <a:lumMod val="142000"/>
+              </a:schemeClr>
+            </a:duotone>
+          </a:blip>
+          <a:stretch/>
+        </a:blipFill>
+        <a:effectLst/>
+      </p:bgPr>
+    </p:bg>
     <p:spTree>
       <p:nvGrpSpPr>
         <p:cNvPr id="1" name=""/>
@@ -14229,12 +19336,234 @@
           <a:chExt cx="0" cy="0"/>
         </a:xfrm>
       </p:grpSpPr>
+      <p:sp useBgFill="1">
+        <p:nvSpPr>
+          <p:cNvPr id="8" name="Rectangle 7">
+            <a:extLst>
+              <a:ext uri="{FF2B5EF4-FFF2-40B4-BE49-F238E27FC236}">
+                <a16:creationId xmlns:a16="http://schemas.microsoft.com/office/drawing/2014/main" id="{C314C310-850D-4491-AA52-C75BEA68B68C}"/>
+              </a:ext>
+              <a:ext uri="{C183D7F6-B498-43B3-948B-1728B52AA6E4}">
+                <adec:decorative xmlns:adec="http://schemas.microsoft.com/office/drawing/2017/decorative" val="1"/>
+              </a:ext>
+            </a:extLst>
+          </p:cNvPr>
+          <p:cNvSpPr>
+            <a:spLocks noGrp="1" noRot="1" noChangeAspect="1" noMove="1" noResize="1" noEditPoints="1" noAdjustHandles="1" noChangeArrowheads="1" noChangeShapeType="1" noTextEdit="1"/>
+          </p:cNvSpPr>
+          <p:nvPr>
+            <p:extLst>
+              <p:ext uri="{386F3935-93C4-4BCD-93E2-E3B085C9AB24}">
+                <p16:designElem xmlns:p16="http://schemas.microsoft.com/office/powerpoint/2015/main" val="1"/>
+              </p:ext>
+            </p:extLst>
+          </p:nvPr>
+        </p:nvSpPr>
+        <p:spPr>
+          <a:xfrm>
+            <a:off x="0" y="0"/>
+            <a:ext cx="12192000" cy="6858000"/>
+          </a:xfrm>
+          <a:prstGeom prst="rect">
+            <a:avLst/>
+          </a:prstGeom>
+          <a:ln>
+            <a:noFill/>
+          </a:ln>
+        </p:spPr>
+        <p:style>
+          <a:lnRef idx="2">
+            <a:schemeClr val="accent1">
+              <a:shade val="50000"/>
+            </a:schemeClr>
+          </a:lnRef>
+          <a:fillRef idx="1">
+            <a:schemeClr val="accent1"/>
+          </a:fillRef>
+          <a:effectRef idx="0">
+            <a:schemeClr val="accent1"/>
+          </a:effectRef>
+          <a:fontRef idx="minor">
+            <a:schemeClr val="lt1"/>
+          </a:fontRef>
+        </p:style>
+        <p:txBody>
+          <a:bodyPr rtlCol="0" anchor="ctr"/>
+          <a:lstStyle/>
+          <a:p>
+            <a:pPr algn="ctr"/>
+            <a:endParaRPr lang="en-US"/>
+          </a:p>
+        </p:txBody>
+      </p:sp>
+      <p:grpSp>
+        <p:nvGrpSpPr>
+          <p:cNvPr id="10" name="Group 9">
+            <a:extLst>
+              <a:ext uri="{FF2B5EF4-FFF2-40B4-BE49-F238E27FC236}">
+                <a16:creationId xmlns:a16="http://schemas.microsoft.com/office/drawing/2014/main" id="{D4EC3799-3F52-48CE-85CC-83AED368EB42}"/>
+              </a:ext>
+              <a:ext uri="{C183D7F6-B498-43B3-948B-1728B52AA6E4}">
+                <adec:decorative xmlns:adec="http://schemas.microsoft.com/office/drawing/2017/decorative" val="1"/>
+              </a:ext>
+            </a:extLst>
+          </p:cNvPr>
+          <p:cNvGrpSpPr>
+            <a:grpSpLocks noGrp="1" noUngrp="1" noRot="1" noChangeAspect="1" noMove="1" noResize="1"/>
+          </p:cNvGrpSpPr>
+          <p:nvPr>
+            <p:extLst>
+              <p:ext uri="{386F3935-93C4-4BCD-93E2-E3B085C9AB24}">
+                <p16:designElem xmlns:p16="http://schemas.microsoft.com/office/powerpoint/2015/main" val="1"/>
+              </p:ext>
+            </p:extLst>
+          </p:nvPr>
+        </p:nvGrpSpPr>
+        <p:grpSpPr>
+          <a:xfrm>
+            <a:off x="0" y="0"/>
+            <a:ext cx="12192000" cy="6858000"/>
+            <a:chOff x="0" y="0"/>
+            <a:chExt cx="12192000" cy="6858000"/>
+          </a:xfrm>
+        </p:grpSpPr>
+        <p:sp>
+          <p:nvSpPr>
+            <p:cNvPr id="11" name="Rectangle 10">
+              <a:extLst>
+                <a:ext uri="{FF2B5EF4-FFF2-40B4-BE49-F238E27FC236}">
+                  <a16:creationId xmlns:a16="http://schemas.microsoft.com/office/drawing/2014/main" id="{F3FC2939-BF10-4CBC-904B-74A17D4B9C35}"/>
+                </a:ext>
+                <a:ext uri="{C183D7F6-B498-43B3-948B-1728B52AA6E4}">
+                  <adec:decorative xmlns:adec="http://schemas.microsoft.com/office/drawing/2017/decorative" val="1"/>
+                </a:ext>
+              </a:extLst>
+            </p:cNvPr>
+            <p:cNvSpPr/>
+            <p:nvPr>
+              <p:extLst>
+                <p:ext uri="{386F3935-93C4-4BCD-93E2-E3B085C9AB24}">
+                  <p16:designElem xmlns:p16="http://schemas.microsoft.com/office/powerpoint/2015/main" val="1"/>
+                </p:ext>
+              </p:extLst>
+            </p:nvPr>
+          </p:nvSpPr>
+          <p:spPr>
+            <a:xfrm>
+              <a:off x="0" y="0"/>
+              <a:ext cx="12192000" cy="6858000"/>
+            </a:xfrm>
+            <a:prstGeom prst="rect">
+              <a:avLst/>
+            </a:prstGeom>
+            <a:noFill/>
+            <a:ln>
+              <a:noFill/>
+            </a:ln>
+          </p:spPr>
+          <p:style>
+            <a:lnRef idx="2">
+              <a:schemeClr val="accent1">
+                <a:shade val="50000"/>
+              </a:schemeClr>
+            </a:lnRef>
+            <a:fillRef idx="1">
+              <a:schemeClr val="accent1"/>
+            </a:fillRef>
+            <a:effectRef idx="0">
+              <a:schemeClr val="accent1"/>
+            </a:effectRef>
+            <a:fontRef idx="minor">
+              <a:schemeClr val="lt1"/>
+            </a:fontRef>
+          </p:style>
+        </p:sp>
+        <p:sp>
+          <p:nvSpPr>
+            <p:cNvPr id="12" name="Freeform 5">
+              <a:extLst>
+                <a:ext uri="{FF2B5EF4-FFF2-40B4-BE49-F238E27FC236}">
+                  <a16:creationId xmlns:a16="http://schemas.microsoft.com/office/drawing/2014/main" id="{266B6D5D-11B6-40A6-9CEF-F0B0D104C5C6}"/>
+                </a:ext>
+                <a:ext uri="{C183D7F6-B498-43B3-948B-1728B52AA6E4}">
+                  <adec:decorative xmlns:adec="http://schemas.microsoft.com/office/drawing/2017/decorative" val="1"/>
+                </a:ext>
+              </a:extLst>
+            </p:cNvPr>
+            <p:cNvSpPr>
+              <a:spLocks noEditPoints="1"/>
+            </p:cNvSpPr>
+            <p:nvPr>
+              <p:extLst>
+                <p:ext uri="{386F3935-93C4-4BCD-93E2-E3B085C9AB24}">
+                  <p16:designElem xmlns:p16="http://schemas.microsoft.com/office/powerpoint/2015/main" val="1"/>
+                </p:ext>
+              </p:extLst>
+            </p:nvPr>
+          </p:nvSpPr>
+          <p:spPr bwMode="gray">
+            <a:xfrm>
+              <a:off x="0" y="1587"/>
+              <a:ext cx="12192000" cy="6856413"/>
+            </a:xfrm>
+            <a:custGeom>
+              <a:avLst/>
+              <a:gdLst/>
+              <a:ahLst/>
+              <a:cxnLst/>
+              <a:rect l="0" t="0" r="r" b="b"/>
+              <a:pathLst>
+                <a:path w="15356" h="8638">
+                  <a:moveTo>
+                    <a:pt x="0" y="0"/>
+                  </a:moveTo>
+                  <a:lnTo>
+                    <a:pt x="0" y="8638"/>
+                  </a:lnTo>
+                  <a:lnTo>
+                    <a:pt x="15356" y="8638"/>
+                  </a:lnTo>
+                  <a:lnTo>
+                    <a:pt x="15356" y="0"/>
+                  </a:lnTo>
+                  <a:lnTo>
+                    <a:pt x="0" y="0"/>
+                  </a:lnTo>
+                  <a:close/>
+                  <a:moveTo>
+                    <a:pt x="14748" y="8038"/>
+                  </a:moveTo>
+                  <a:lnTo>
+                    <a:pt x="600" y="8038"/>
+                  </a:lnTo>
+                  <a:lnTo>
+                    <a:pt x="600" y="592"/>
+                  </a:lnTo>
+                  <a:lnTo>
+                    <a:pt x="14748" y="592"/>
+                  </a:lnTo>
+                  <a:lnTo>
+                    <a:pt x="14748" y="8038"/>
+                  </a:lnTo>
+                  <a:close/>
+                </a:path>
+              </a:pathLst>
+            </a:custGeom>
+            <a:solidFill>
+              <a:schemeClr val="tx1"/>
+            </a:solidFill>
+            <a:ln>
+              <a:noFill/>
+            </a:ln>
+          </p:spPr>
+        </p:sp>
+      </p:grpSp>
       <p:sp>
         <p:nvSpPr>
           <p:cNvPr id="2" name="Título 1">
             <a:extLst>
               <a:ext uri="{FF2B5EF4-FFF2-40B4-BE49-F238E27FC236}">
-                <a16:creationId xmlns:a16="http://schemas.microsoft.com/office/drawing/2014/main" id="{47B7C3C2-1C4E-42BB-9D41-75CD22CA8CE4}"/>
+                <a16:creationId xmlns:a16="http://schemas.microsoft.com/office/drawing/2014/main" id="{CCC0A729-6F83-4E2A-89C1-D9B7039D6A25}"/>
               </a:ext>
             </a:extLst>
           </p:cNvPr>
@@ -14245,24 +19574,89 @@
             <p:ph type="title"/>
           </p:nvPr>
         </p:nvSpPr>
-        <p:spPr/>
+        <p:spPr>
+          <a:xfrm>
+            <a:off x="836247" y="1085549"/>
+            <a:ext cx="3430947" cy="4686903"/>
+          </a:xfrm>
+        </p:spPr>
         <p:txBody>
-          <a:bodyPr/>
+          <a:bodyPr anchor="ctr">
+            <a:normAutofit/>
+          </a:bodyPr>
           <a:lstStyle/>
           <a:p>
+            <a:pPr algn="r"/>
             <a:r>
-              <a:rPr lang="es-MX" dirty="0"/>
-              <a:t>Investigación</a:t>
+              <a:rPr lang="es-MX">
+                <a:solidFill>
+                  <a:schemeClr val="tx1"/>
+                </a:solidFill>
+              </a:rPr>
+              <a:t>Decodificador</a:t>
             </a:r>
           </a:p>
         </p:txBody>
       </p:sp>
+      <p:cxnSp>
+        <p:nvCxnSpPr>
+          <p:cNvPr id="14" name="Straight Connector 13">
+            <a:extLst>
+              <a:ext uri="{FF2B5EF4-FFF2-40B4-BE49-F238E27FC236}">
+                <a16:creationId xmlns:a16="http://schemas.microsoft.com/office/drawing/2014/main" id="{789E20C7-BB50-4317-93C7-90C8ED80B275}"/>
+              </a:ext>
+              <a:ext uri="{C183D7F6-B498-43B3-948B-1728B52AA6E4}">
+                <adec:decorative xmlns:adec="http://schemas.microsoft.com/office/drawing/2017/decorative" val="1"/>
+              </a:ext>
+            </a:extLst>
+          </p:cNvPr>
+          <p:cNvCxnSpPr>
+            <a:cxnSpLocks noGrp="1" noRot="1" noChangeAspect="1" noMove="1" noResize="1" noEditPoints="1" noAdjustHandles="1" noChangeArrowheads="1" noChangeShapeType="1"/>
+          </p:cNvCxnSpPr>
+          <p:nvPr>
+            <p:extLst>
+              <p:ext uri="{386F3935-93C4-4BCD-93E2-E3B085C9AB24}">
+                <p16:designElem xmlns:p16="http://schemas.microsoft.com/office/powerpoint/2015/main" val="1"/>
+              </p:ext>
+            </p:extLst>
+          </p:nvPr>
+        </p:nvCxnSpPr>
+        <p:spPr>
+          <a:xfrm>
+            <a:off x="4654296" y="1930986"/>
+            <a:ext cx="0" cy="3200400"/>
+          </a:xfrm>
+          <a:prstGeom prst="line">
+            <a:avLst/>
+          </a:prstGeom>
+          <a:ln w="15875" cap="sq">
+            <a:solidFill>
+              <a:schemeClr val="tx1"/>
+            </a:solidFill>
+            <a:miter lim="800000"/>
+          </a:ln>
+        </p:spPr>
+        <p:style>
+          <a:lnRef idx="1">
+            <a:schemeClr val="accent1"/>
+          </a:lnRef>
+          <a:fillRef idx="0">
+            <a:schemeClr val="accent1"/>
+          </a:fillRef>
+          <a:effectRef idx="0">
+            <a:schemeClr val="accent1"/>
+          </a:effectRef>
+          <a:fontRef idx="minor">
+            <a:schemeClr val="tx1"/>
+          </a:fontRef>
+        </p:style>
+      </p:cxnSp>
       <p:sp>
         <p:nvSpPr>
           <p:cNvPr id="3" name="Marcador de contenido 2">
             <a:extLst>
               <a:ext uri="{FF2B5EF4-FFF2-40B4-BE49-F238E27FC236}">
-                <a16:creationId xmlns:a16="http://schemas.microsoft.com/office/drawing/2014/main" id="{74647C8A-0BCC-4FFA-B825-D23E7AE36B3F}"/>
+                <a16:creationId xmlns:a16="http://schemas.microsoft.com/office/drawing/2014/main" id="{A2422253-E624-468A-A50C-179351D00E69}"/>
               </a:ext>
             </a:extLst>
           </p:cNvPr>
@@ -14273,27 +19667,110 @@
             <p:ph idx="1"/>
           </p:nvPr>
         </p:nvSpPr>
-        <p:spPr/>
+        <p:spPr>
+          <a:xfrm>
+            <a:off x="5041399" y="1085549"/>
+            <a:ext cx="5579707" cy="4686903"/>
+          </a:xfrm>
+        </p:spPr>
         <p:txBody>
-          <a:bodyPr/>
+          <a:bodyPr anchor="ctr">
+            <a:normAutofit/>
+          </a:bodyPr>
           <a:lstStyle/>
           <a:p>
+            <a:r>
+              <a:rPr lang="es-MX" dirty="0">
+                <a:solidFill>
+                  <a:schemeClr val="tx1"/>
+                </a:solidFill>
+              </a:rPr>
+              <a:t>El decodificador ya está terminado, se ha probado con distintos códigos de ensamblador y soporta las siguientes instrucciones.</a:t>
+            </a:r>
+          </a:p>
+          <a:p>
             <a:pPr marL="0" indent="0">
               <a:buNone/>
             </a:pPr>
-            <a:endParaRPr lang="es-MX" dirty="0"/>
+            <a:r>
+              <a:rPr lang="es-MX" dirty="0">
+                <a:solidFill>
+                  <a:schemeClr val="tx1"/>
+                </a:solidFill>
+              </a:rPr>
+              <a:t>* NOR, OR, AND, SLT, XOR, ADD, SUB, DIV, MULT, LW, SW,BEQ,J,ADDI,SLTI,ORI,ANDI</a:t>
+            </a:r>
+          </a:p>
+          <a:p>
+            <a:pPr marL="0" indent="0">
+              <a:buNone/>
+            </a:pPr>
+            <a:endParaRPr lang="es-MX" dirty="0">
+              <a:solidFill>
+                <a:schemeClr val="tx1"/>
+              </a:solidFill>
+            </a:endParaRPr>
+          </a:p>
+          <a:p>
+            <a:pPr marL="0" indent="0">
+              <a:buNone/>
+            </a:pPr>
+            <a:r>
+              <a:rPr lang="es-MX" dirty="0">
+                <a:solidFill>
+                  <a:schemeClr val="tx1"/>
+                </a:solidFill>
+              </a:rPr>
+              <a:t>Y las siguientes </a:t>
+            </a:r>
+            <a:r>
+              <a:rPr lang="es-MX" dirty="0" err="1">
+                <a:solidFill>
+                  <a:schemeClr val="tx1"/>
+                </a:solidFill>
+              </a:rPr>
+              <a:t>pseudoinstrucciones</a:t>
+            </a:r>
+            <a:endParaRPr lang="es-MX" dirty="0">
+              <a:solidFill>
+                <a:schemeClr val="tx1"/>
+              </a:solidFill>
+            </a:endParaRPr>
+          </a:p>
+          <a:p>
+            <a:pPr marL="0" indent="0">
+              <a:buNone/>
+            </a:pPr>
+            <a:r>
+              <a:rPr lang="es-MX" dirty="0">
+                <a:solidFill>
+                  <a:schemeClr val="tx1"/>
+                </a:solidFill>
+              </a:rPr>
+              <a:t>* LI,CLEAR, B,BGT,BEG, BEL, BLT</a:t>
+            </a:r>
+          </a:p>
+          <a:p>
+            <a:pPr marL="0" indent="0">
+              <a:buNone/>
+            </a:pPr>
+            <a:endParaRPr lang="es-MX" dirty="0">
+              <a:solidFill>
+                <a:schemeClr val="tx1"/>
+              </a:solidFill>
+            </a:endParaRPr>
           </a:p>
         </p:txBody>
       </p:sp>
     </p:spTree>
     <p:extLst>
       <p:ext uri="{BB962C8B-B14F-4D97-AF65-F5344CB8AC3E}">
-        <p14:creationId xmlns:p14="http://schemas.microsoft.com/office/powerpoint/2010/main" val="262089354"/>
+        <p14:creationId xmlns:p14="http://schemas.microsoft.com/office/powerpoint/2010/main" val="1685277887"/>
       </p:ext>
     </p:extLst>
   </p:cSld>
   <p:clrMapOvr>
-    <a:masterClrMapping/>
+    <a:overrideClrMapping bg1="dk1" tx1="lt1" bg2="dk2" tx2="lt2" accent1="accent1" accent2="accent2" accent3="accent3" accent4="accent4" accent5="accent5" accent6="accent6" hlink="hlink" folHlink="folHlink"/>
   </p:clrMapOvr>
 </p:sld>
 </file>
